--- a/4.DönemDersNotları/BIS/Sunumlar/hafta_8.pptx
+++ b/4.DönemDersNotları/BIS/Sunumlar/hafta_8.pptx
@@ -413,7 +413,7 @@
           <a:p>
             <a:fld id="{A7704912-B115-433C-8876-C7DEF4A8EAB4}" type="datetimeFigureOut">
               <a:rPr lang="tr-TR" smtClean="0"/>
-              <a:t>27.04.2024</a:t>
+              <a:t>4.06.2024</a:t>
             </a:fld>
             <a:endParaRPr lang="tr-TR"/>
           </a:p>
@@ -827,7 +827,7 @@
           <a:p>
             <a:fld id="{A7704912-B115-433C-8876-C7DEF4A8EAB4}" type="datetimeFigureOut">
               <a:rPr lang="tr-TR" smtClean="0"/>
-              <a:t>27.04.2024</a:t>
+              <a:t>4.06.2024</a:t>
             </a:fld>
             <a:endParaRPr lang="tr-TR"/>
           </a:p>
@@ -1163,7 +1163,7 @@
           <a:p>
             <a:fld id="{A7704912-B115-433C-8876-C7DEF4A8EAB4}" type="datetimeFigureOut">
               <a:rPr lang="tr-TR" smtClean="0"/>
-              <a:t>27.04.2024</a:t>
+              <a:t>4.06.2024</a:t>
             </a:fld>
             <a:endParaRPr lang="tr-TR"/>
           </a:p>
@@ -1568,7 +1568,7 @@
           <a:p>
             <a:fld id="{A7704912-B115-433C-8876-C7DEF4A8EAB4}" type="datetimeFigureOut">
               <a:rPr lang="tr-TR" smtClean="0"/>
-              <a:t>27.04.2024</a:t>
+              <a:t>4.06.2024</a:t>
             </a:fld>
             <a:endParaRPr lang="tr-TR"/>
           </a:p>
@@ -2136,7 +2136,7 @@
           <a:p>
             <a:fld id="{A7704912-B115-433C-8876-C7DEF4A8EAB4}" type="datetimeFigureOut">
               <a:rPr lang="tr-TR" smtClean="0"/>
-              <a:t>27.04.2024</a:t>
+              <a:t>4.06.2024</a:t>
             </a:fld>
             <a:endParaRPr lang="tr-TR"/>
           </a:p>
@@ -2817,7 +2817,7 @@
           <a:p>
             <a:fld id="{A7704912-B115-433C-8876-C7DEF4A8EAB4}" type="datetimeFigureOut">
               <a:rPr lang="tr-TR" smtClean="0"/>
-              <a:t>27.04.2024</a:t>
+              <a:t>4.06.2024</a:t>
             </a:fld>
             <a:endParaRPr lang="tr-TR"/>
           </a:p>
@@ -3730,7 +3730,7 @@
           <a:p>
             <a:fld id="{A7704912-B115-433C-8876-C7DEF4A8EAB4}" type="datetimeFigureOut">
               <a:rPr lang="tr-TR" smtClean="0"/>
-              <a:t>27.04.2024</a:t>
+              <a:t>4.06.2024</a:t>
             </a:fld>
             <a:endParaRPr lang="tr-TR"/>
           </a:p>
@@ -4043,7 +4043,7 @@
           <a:p>
             <a:fld id="{A7704912-B115-433C-8876-C7DEF4A8EAB4}" type="datetimeFigureOut">
               <a:rPr lang="tr-TR" smtClean="0"/>
-              <a:t>27.04.2024</a:t>
+              <a:t>4.06.2024</a:t>
             </a:fld>
             <a:endParaRPr lang="tr-TR"/>
           </a:p>
@@ -4307,7 +4307,7 @@
           <a:p>
             <a:fld id="{A7704912-B115-433C-8876-C7DEF4A8EAB4}" type="datetimeFigureOut">
               <a:rPr lang="tr-TR" smtClean="0"/>
-              <a:t>27.04.2024</a:t>
+              <a:t>4.06.2024</a:t>
             </a:fld>
             <a:endParaRPr lang="tr-TR"/>
           </a:p>
@@ -4630,7 +4630,7 @@
           <a:p>
             <a:fld id="{A7704912-B115-433C-8876-C7DEF4A8EAB4}" type="datetimeFigureOut">
               <a:rPr lang="tr-TR" smtClean="0"/>
-              <a:t>27.04.2024</a:t>
+              <a:t>4.06.2024</a:t>
             </a:fld>
             <a:endParaRPr lang="tr-TR"/>
           </a:p>
@@ -5019,7 +5019,7 @@
           <a:p>
             <a:fld id="{A7704912-B115-433C-8876-C7DEF4A8EAB4}" type="datetimeFigureOut">
               <a:rPr lang="tr-TR" smtClean="0"/>
-              <a:t>27.04.2024</a:t>
+              <a:t>4.06.2024</a:t>
             </a:fld>
             <a:endParaRPr lang="tr-TR"/>
           </a:p>
@@ -5395,7 +5395,7 @@
           <a:p>
             <a:fld id="{A7704912-B115-433C-8876-C7DEF4A8EAB4}" type="datetimeFigureOut">
               <a:rPr lang="tr-TR" smtClean="0"/>
-              <a:t>27.04.2024</a:t>
+              <a:t>4.06.2024</a:t>
             </a:fld>
             <a:endParaRPr lang="tr-TR"/>
           </a:p>
@@ -5901,7 +5901,7 @@
           <a:p>
             <a:fld id="{A7704912-B115-433C-8876-C7DEF4A8EAB4}" type="datetimeFigureOut">
               <a:rPr lang="tr-TR" smtClean="0"/>
-              <a:t>27.04.2024</a:t>
+              <a:t>4.06.2024</a:t>
             </a:fld>
             <a:endParaRPr lang="tr-TR"/>
           </a:p>
@@ -6158,7 +6158,7 @@
           <a:p>
             <a:fld id="{A7704912-B115-433C-8876-C7DEF4A8EAB4}" type="datetimeFigureOut">
               <a:rPr lang="tr-TR" smtClean="0"/>
-              <a:t>27.04.2024</a:t>
+              <a:t>4.06.2024</a:t>
             </a:fld>
             <a:endParaRPr lang="tr-TR"/>
           </a:p>
@@ -6321,7 +6321,7 @@
           <a:p>
             <a:fld id="{A7704912-B115-433C-8876-C7DEF4A8EAB4}" type="datetimeFigureOut">
               <a:rPr lang="tr-TR" smtClean="0"/>
-              <a:t>27.04.2024</a:t>
+              <a:t>4.06.2024</a:t>
             </a:fld>
             <a:endParaRPr lang="tr-TR"/>
           </a:p>
@@ -6711,7 +6711,7 @@
           <a:p>
             <a:fld id="{A7704912-B115-433C-8876-C7DEF4A8EAB4}" type="datetimeFigureOut">
               <a:rPr lang="tr-TR" smtClean="0"/>
-              <a:t>27.04.2024</a:t>
+              <a:t>4.06.2024</a:t>
             </a:fld>
             <a:endParaRPr lang="tr-TR"/>
           </a:p>
@@ -7120,7 +7120,7 @@
           <a:p>
             <a:fld id="{A7704912-B115-433C-8876-C7DEF4A8EAB4}" type="datetimeFigureOut">
               <a:rPr lang="tr-TR" smtClean="0"/>
-              <a:t>27.04.2024</a:t>
+              <a:t>4.06.2024</a:t>
             </a:fld>
             <a:endParaRPr lang="tr-TR"/>
           </a:p>
@@ -7364,7 +7364,7 @@
           <a:p>
             <a:fld id="{A7704912-B115-433C-8876-C7DEF4A8EAB4}" type="datetimeFigureOut">
               <a:rPr lang="tr-TR" smtClean="0"/>
-              <a:t>27.04.2024</a:t>
+              <a:t>4.06.2024</a:t>
             </a:fld>
             <a:endParaRPr lang="tr-TR"/>
           </a:p>
@@ -7937,28 +7937,108 @@
                 <a:latin typeface="Calibri" panose="020F0502020204030204" pitchFamily="34" charset="0"/>
                 <a:cs typeface="Calibri" panose="020F0502020204030204" pitchFamily="34" charset="0"/>
               </a:rPr>
-              <a:t>	1.Bir </a:t>
+              <a:t>	1.Bir process </a:t>
+            </a:r>
+            <a:r>
+              <a:rPr lang="tr-TR" sz="2000" b="1" i="0" u="none" strike="noStrike" baseline="0" dirty="0">
+                <a:latin typeface="Calibri" panose="020F0502020204030204" pitchFamily="34" charset="0"/>
+                <a:cs typeface="Calibri" panose="020F0502020204030204" pitchFamily="34" charset="0"/>
+              </a:rPr>
+              <a:t>çalışma </a:t>
+            </a:r>
+            <a:r>
+              <a:rPr lang="tr-TR" sz="2000" b="0" i="0" u="none" strike="noStrike" baseline="0" dirty="0">
+                <a:latin typeface="Calibri" panose="020F0502020204030204" pitchFamily="34" charset="0"/>
+                <a:cs typeface="Calibri" panose="020F0502020204030204" pitchFamily="34" charset="0"/>
+              </a:rPr>
+              <a:t>durumundan </a:t>
+            </a:r>
+            <a:r>
+              <a:rPr lang="tr-TR" sz="2000" b="1" i="0" u="none" strike="noStrike" baseline="0" dirty="0">
+                <a:latin typeface="Calibri" panose="020F0502020204030204" pitchFamily="34" charset="0"/>
+                <a:cs typeface="Calibri" panose="020F0502020204030204" pitchFamily="34" charset="0"/>
+              </a:rPr>
+              <a:t>bekleme </a:t>
+            </a:r>
+            <a:r>
+              <a:rPr lang="tr-TR" sz="2000" b="0" i="0" u="none" strike="noStrike" baseline="0" dirty="0">
+                <a:latin typeface="Calibri" panose="020F0502020204030204" pitchFamily="34" charset="0"/>
+                <a:cs typeface="Calibri" panose="020F0502020204030204" pitchFamily="34" charset="0"/>
+              </a:rPr>
+              <a:t>durumuna geçtiğinde (I/O isteği),</a:t>
+            </a:r>
+          </a:p>
+          <a:p>
+            <a:pPr marL="0" indent="0" algn="just">
+              <a:buNone/>
+            </a:pPr>
+            <a:r>
+              <a:rPr lang="tr-TR" sz="2000" b="0" i="0" u="none" strike="noStrike" baseline="0" dirty="0">
+                <a:latin typeface="Calibri" panose="020F0502020204030204" pitchFamily="34" charset="0"/>
+                <a:cs typeface="Calibri" panose="020F0502020204030204" pitchFamily="34" charset="0"/>
+              </a:rPr>
+              <a:t>	2.Bir process </a:t>
+            </a:r>
+            <a:r>
+              <a:rPr lang="tr-TR" sz="2000" b="1" i="0" u="none" strike="noStrike" baseline="0" dirty="0">
+                <a:latin typeface="Calibri" panose="020F0502020204030204" pitchFamily="34" charset="0"/>
+                <a:cs typeface="Calibri" panose="020F0502020204030204" pitchFamily="34" charset="0"/>
+              </a:rPr>
+              <a:t>çalışma </a:t>
+            </a:r>
+            <a:r>
+              <a:rPr lang="tr-TR" sz="2000" b="0" i="0" u="none" strike="noStrike" baseline="0" dirty="0">
+                <a:latin typeface="Calibri" panose="020F0502020204030204" pitchFamily="34" charset="0"/>
+                <a:cs typeface="Calibri" panose="020F0502020204030204" pitchFamily="34" charset="0"/>
+              </a:rPr>
+              <a:t>durumundan </a:t>
+            </a:r>
+            <a:r>
+              <a:rPr lang="tr-TR" sz="2000" b="1" i="0" u="none" strike="noStrike" baseline="0" dirty="0">
+                <a:latin typeface="Calibri" panose="020F0502020204030204" pitchFamily="34" charset="0"/>
+                <a:cs typeface="Calibri" panose="020F0502020204030204" pitchFamily="34" charset="0"/>
+              </a:rPr>
+              <a:t>hazır </a:t>
+            </a:r>
+            <a:r>
+              <a:rPr lang="tr-TR" sz="2000" b="0" i="0" u="none" strike="noStrike" baseline="0" dirty="0">
+                <a:latin typeface="Calibri" panose="020F0502020204030204" pitchFamily="34" charset="0"/>
+                <a:cs typeface="Calibri" panose="020F0502020204030204" pitchFamily="34" charset="0"/>
+              </a:rPr>
+              <a:t>durumuna geçtiğinde (</a:t>
             </a:r>
             <a:r>
               <a:rPr lang="tr-TR" sz="2000" b="0" i="0" u="none" strike="noStrike" baseline="0" dirty="0" err="1">
                 <a:latin typeface="Calibri" panose="020F0502020204030204" pitchFamily="34" charset="0"/>
                 <a:cs typeface="Calibri" panose="020F0502020204030204" pitchFamily="34" charset="0"/>
               </a:rPr>
-              <a:t>process</a:t>
+              <a:t>interrupt</a:t>
             </a:r>
             <a:r>
               <a:rPr lang="tr-TR" sz="2000" b="0" i="0" u="none" strike="noStrike" baseline="0" dirty="0">
                 <a:latin typeface="Calibri" panose="020F0502020204030204" pitchFamily="34" charset="0"/>
                 <a:cs typeface="Calibri" panose="020F0502020204030204" pitchFamily="34" charset="0"/>
               </a:rPr>
-              <a:t> </a:t>
+              <a:t>),</a:t>
+            </a:r>
+          </a:p>
+          <a:p>
+            <a:pPr marL="0" indent="0" algn="just">
+              <a:buNone/>
+            </a:pPr>
+            <a:r>
+              <a:rPr lang="tr-TR" sz="2000" b="0" i="0" u="none" strike="noStrike" baseline="0" dirty="0">
+                <a:latin typeface="Calibri" panose="020F0502020204030204" pitchFamily="34" charset="0"/>
+                <a:cs typeface="Calibri" panose="020F0502020204030204" pitchFamily="34" charset="0"/>
+              </a:rPr>
+              <a:t>	3.Bir process </a:t>
             </a:r>
             <a:r>
               <a:rPr lang="tr-TR" sz="2000" b="1" i="0" u="none" strike="noStrike" baseline="0" dirty="0">
                 <a:latin typeface="Calibri" panose="020F0502020204030204" pitchFamily="34" charset="0"/>
                 <a:cs typeface="Calibri" panose="020F0502020204030204" pitchFamily="34" charset="0"/>
               </a:rPr>
-              <a:t>çalışma </a:t>
+              <a:t>bekleme </a:t>
             </a:r>
             <a:r>
               <a:rPr lang="tr-TR" sz="2000" b="0" i="0" u="none" strike="noStrike" baseline="0" dirty="0">
@@ -7972,14 +8052,14 @@
                 <a:latin typeface="Calibri" panose="020F0502020204030204" pitchFamily="34" charset="0"/>
                 <a:cs typeface="Calibri" panose="020F0502020204030204" pitchFamily="34" charset="0"/>
               </a:rPr>
-              <a:t>bekleme </a:t>
+              <a:t>hazır </a:t>
             </a:r>
             <a:r>
               <a:rPr lang="tr-TR" sz="2000" b="0" i="0" u="none" strike="noStrike" baseline="0" dirty="0">
                 <a:latin typeface="Calibri" panose="020F0502020204030204" pitchFamily="34" charset="0"/>
                 <a:cs typeface="Calibri" panose="020F0502020204030204" pitchFamily="34" charset="0"/>
               </a:rPr>
-              <a:t>durumuna geçtiğinde (I/O isteği),</a:t>
+              <a:t>durumuna geçtiğinde (I/O tamamlanması),</a:t>
             </a:r>
           </a:p>
           <a:p>
@@ -7991,143 +8071,7 @@
                 <a:latin typeface="Calibri" panose="020F0502020204030204" pitchFamily="34" charset="0"/>
                 <a:cs typeface="Calibri" panose="020F0502020204030204" pitchFamily="34" charset="0"/>
               </a:rPr>
-              <a:t>	2.Bir </a:t>
-            </a:r>
-            <a:r>
-              <a:rPr lang="tr-TR" sz="2000" b="0" i="0" u="none" strike="noStrike" baseline="0" dirty="0" err="1">
-                <a:latin typeface="Calibri" panose="020F0502020204030204" pitchFamily="34" charset="0"/>
-                <a:cs typeface="Calibri" panose="020F0502020204030204" pitchFamily="34" charset="0"/>
-              </a:rPr>
-              <a:t>process</a:t>
-            </a:r>
-            <a:r>
-              <a:rPr lang="tr-TR" sz="2000" b="0" i="0" u="none" strike="noStrike" baseline="0" dirty="0">
-                <a:latin typeface="Calibri" panose="020F0502020204030204" pitchFamily="34" charset="0"/>
-                <a:cs typeface="Calibri" panose="020F0502020204030204" pitchFamily="34" charset="0"/>
-              </a:rPr>
-              <a:t> </a:t>
-            </a:r>
-            <a:r>
-              <a:rPr lang="tr-TR" sz="2000" b="1" i="0" u="none" strike="noStrike" baseline="0" dirty="0">
-                <a:latin typeface="Calibri" panose="020F0502020204030204" pitchFamily="34" charset="0"/>
-                <a:cs typeface="Calibri" panose="020F0502020204030204" pitchFamily="34" charset="0"/>
-              </a:rPr>
-              <a:t>çalışma </a:t>
-            </a:r>
-            <a:r>
-              <a:rPr lang="tr-TR" sz="2000" b="0" i="0" u="none" strike="noStrike" baseline="0" dirty="0">
-                <a:latin typeface="Calibri" panose="020F0502020204030204" pitchFamily="34" charset="0"/>
-                <a:cs typeface="Calibri" panose="020F0502020204030204" pitchFamily="34" charset="0"/>
-              </a:rPr>
-              <a:t>durumundan </a:t>
-            </a:r>
-            <a:r>
-              <a:rPr lang="tr-TR" sz="2000" b="1" i="0" u="none" strike="noStrike" baseline="0" dirty="0">
-                <a:latin typeface="Calibri" panose="020F0502020204030204" pitchFamily="34" charset="0"/>
-                <a:cs typeface="Calibri" panose="020F0502020204030204" pitchFamily="34" charset="0"/>
-              </a:rPr>
-              <a:t>hazır </a:t>
-            </a:r>
-            <a:r>
-              <a:rPr lang="tr-TR" sz="2000" b="0" i="0" u="none" strike="noStrike" baseline="0" dirty="0">
-                <a:latin typeface="Calibri" panose="020F0502020204030204" pitchFamily="34" charset="0"/>
-                <a:cs typeface="Calibri" panose="020F0502020204030204" pitchFamily="34" charset="0"/>
-              </a:rPr>
-              <a:t>durumuna geçtiğinde (</a:t>
-            </a:r>
-            <a:r>
-              <a:rPr lang="tr-TR" sz="2000" b="0" i="0" u="none" strike="noStrike" baseline="0" dirty="0" err="1">
-                <a:latin typeface="Calibri" panose="020F0502020204030204" pitchFamily="34" charset="0"/>
-                <a:cs typeface="Calibri" panose="020F0502020204030204" pitchFamily="34" charset="0"/>
-              </a:rPr>
-              <a:t>interrupt</a:t>
-            </a:r>
-            <a:r>
-              <a:rPr lang="tr-TR" sz="2000" b="0" i="0" u="none" strike="noStrike" baseline="0" dirty="0">
-                <a:latin typeface="Calibri" panose="020F0502020204030204" pitchFamily="34" charset="0"/>
-                <a:cs typeface="Calibri" panose="020F0502020204030204" pitchFamily="34" charset="0"/>
-              </a:rPr>
-              <a:t>),</a:t>
-            </a:r>
-          </a:p>
-          <a:p>
-            <a:pPr marL="0" indent="0" algn="just">
-              <a:buNone/>
-            </a:pPr>
-            <a:r>
-              <a:rPr lang="tr-TR" sz="2000" b="0" i="0" u="none" strike="noStrike" baseline="0" dirty="0">
-                <a:latin typeface="Calibri" panose="020F0502020204030204" pitchFamily="34" charset="0"/>
-                <a:cs typeface="Calibri" panose="020F0502020204030204" pitchFamily="34" charset="0"/>
-              </a:rPr>
-              <a:t>	3.Bir </a:t>
-            </a:r>
-            <a:r>
-              <a:rPr lang="tr-TR" sz="2000" b="0" i="0" u="none" strike="noStrike" baseline="0" dirty="0" err="1">
-                <a:latin typeface="Calibri" panose="020F0502020204030204" pitchFamily="34" charset="0"/>
-                <a:cs typeface="Calibri" panose="020F0502020204030204" pitchFamily="34" charset="0"/>
-              </a:rPr>
-              <a:t>process</a:t>
-            </a:r>
-            <a:r>
-              <a:rPr lang="tr-TR" sz="2000" b="0" i="0" u="none" strike="noStrike" baseline="0" dirty="0">
-                <a:latin typeface="Calibri" panose="020F0502020204030204" pitchFamily="34" charset="0"/>
-                <a:cs typeface="Calibri" panose="020F0502020204030204" pitchFamily="34" charset="0"/>
-              </a:rPr>
-              <a:t> </a:t>
-            </a:r>
-            <a:r>
-              <a:rPr lang="tr-TR" sz="2000" b="1" i="0" u="none" strike="noStrike" baseline="0" dirty="0">
-                <a:latin typeface="Calibri" panose="020F0502020204030204" pitchFamily="34" charset="0"/>
-                <a:cs typeface="Calibri" panose="020F0502020204030204" pitchFamily="34" charset="0"/>
-              </a:rPr>
-              <a:t>bekleme </a:t>
-            </a:r>
-            <a:r>
-              <a:rPr lang="tr-TR" sz="2000" b="0" i="0" u="none" strike="noStrike" baseline="0" dirty="0">
-                <a:latin typeface="Calibri" panose="020F0502020204030204" pitchFamily="34" charset="0"/>
-                <a:cs typeface="Calibri" panose="020F0502020204030204" pitchFamily="34" charset="0"/>
-              </a:rPr>
-              <a:t>durumundan </a:t>
-            </a:r>
-            <a:r>
-              <a:rPr lang="tr-TR" sz="2000" b="1" i="0" u="none" strike="noStrike" baseline="0" dirty="0">
-                <a:latin typeface="Calibri" panose="020F0502020204030204" pitchFamily="34" charset="0"/>
-                <a:cs typeface="Calibri" panose="020F0502020204030204" pitchFamily="34" charset="0"/>
-              </a:rPr>
-              <a:t>hazır </a:t>
-            </a:r>
-            <a:r>
-              <a:rPr lang="tr-TR" sz="2000" b="0" i="0" u="none" strike="noStrike" baseline="0" dirty="0">
-                <a:latin typeface="Calibri" panose="020F0502020204030204" pitchFamily="34" charset="0"/>
-                <a:cs typeface="Calibri" panose="020F0502020204030204" pitchFamily="34" charset="0"/>
-              </a:rPr>
-              <a:t>durumuna geçtiğinde (I/O tamamlanması),</a:t>
-            </a:r>
-          </a:p>
-          <a:p>
-            <a:pPr marL="0" indent="0" algn="just">
-              <a:buNone/>
-            </a:pPr>
-            <a:r>
-              <a:rPr lang="tr-TR" sz="2000" b="0" i="0" u="none" strike="noStrike" baseline="0" dirty="0">
-                <a:latin typeface="Calibri" panose="020F0502020204030204" pitchFamily="34" charset="0"/>
-                <a:cs typeface="Calibri" panose="020F0502020204030204" pitchFamily="34" charset="0"/>
-              </a:rPr>
-              <a:t>	4.Bir </a:t>
-            </a:r>
-            <a:r>
-              <a:rPr lang="tr-TR" sz="2000" b="0" i="0" u="none" strike="noStrike" baseline="0" dirty="0" err="1">
-                <a:latin typeface="Calibri" panose="020F0502020204030204" pitchFamily="34" charset="0"/>
-                <a:cs typeface="Calibri" panose="020F0502020204030204" pitchFamily="34" charset="0"/>
-              </a:rPr>
-              <a:t>process’in</a:t>
-            </a:r>
-            <a:r>
-              <a:rPr lang="tr-TR" sz="2000" b="0" i="0" u="none" strike="noStrike" baseline="0" dirty="0">
-                <a:latin typeface="Calibri" panose="020F0502020204030204" pitchFamily="34" charset="0"/>
-                <a:cs typeface="Calibri" panose="020F0502020204030204" pitchFamily="34" charset="0"/>
-              </a:rPr>
-              <a:t> </a:t>
+              <a:t>	4.Bir process’in </a:t>
             </a:r>
             <a:r>
               <a:rPr lang="tr-TR" sz="2000" b="1" i="0" u="none" strike="noStrike" baseline="0" dirty="0">
@@ -8379,35 +8323,152 @@
                 <a:latin typeface="Calibri" panose="020F0502020204030204" pitchFamily="34" charset="0"/>
                 <a:cs typeface="Calibri" panose="020F0502020204030204" pitchFamily="34" charset="0"/>
               </a:rPr>
-              <a:t>, CPU bir </a:t>
-            </a:r>
+              <a:t>, CPU bir process’e tahsis edilmişse, bu process sonlandırılıncaya kadar, CPU’yu serbest bırakıncaya kadar veya bekleme durumuna geçinceye kadar tutar.</a:t>
+            </a:r>
+          </a:p>
+          <a:p>
+            <a:pPr algn="just"/>
             <a:r>
               <a:rPr lang="tr-TR" sz="2000" dirty="0" err="1">
                 <a:latin typeface="Calibri" panose="020F0502020204030204" pitchFamily="34" charset="0"/>
                 <a:cs typeface="Calibri" panose="020F0502020204030204" pitchFamily="34" charset="0"/>
               </a:rPr>
-              <a:t>process’e</a:t>
+              <a:t>Preemptive</a:t>
             </a:r>
             <a:r>
               <a:rPr lang="tr-TR" sz="2000" dirty="0">
                 <a:latin typeface="Calibri" panose="020F0502020204030204" pitchFamily="34" charset="0"/>
                 <a:cs typeface="Calibri" panose="020F0502020204030204" pitchFamily="34" charset="0"/>
               </a:rPr>
-              <a:t> tahsis edilmişse, bu </a:t>
+              <a:t> </a:t>
             </a:r>
             <a:r>
               <a:rPr lang="tr-TR" sz="2000" dirty="0" err="1">
                 <a:latin typeface="Calibri" panose="020F0502020204030204" pitchFamily="34" charset="0"/>
                 <a:cs typeface="Calibri" panose="020F0502020204030204" pitchFamily="34" charset="0"/>
               </a:rPr>
-              <a:t>process</a:t>
+              <a:t>scheduling’te</a:t>
             </a:r>
             <a:r>
               <a:rPr lang="tr-TR" sz="2000" dirty="0">
                 <a:latin typeface="Calibri" panose="020F0502020204030204" pitchFamily="34" charset="0"/>
                 <a:cs typeface="Calibri" panose="020F0502020204030204" pitchFamily="34" charset="0"/>
               </a:rPr>
-              <a:t> sonlandırılıncaya kadar, CPU’yu serbest bırakıncaya kadar veya bekleme durumuna geçinceye kadar tutar.</a:t>
+              <a:t>, CPU’daki çalışan proses hazır durumuna geçip veya bekleme durumundan hazır durumuna geçinceye kadar  başka bir prosese hizmet sunabilir.</a:t>
+            </a:r>
+          </a:p>
+          <a:p>
+            <a:pPr lvl="1" algn="just"/>
+            <a:r>
+              <a:rPr lang="tr-TR" sz="1600" dirty="0">
+                <a:latin typeface="Calibri" panose="020F0502020204030204" pitchFamily="34" charset="0"/>
+                <a:cs typeface="Calibri" panose="020F0502020204030204" pitchFamily="34" charset="0"/>
+              </a:rPr>
+              <a:t>Windows 3.1, </a:t>
+            </a:r>
+            <a:r>
+              <a:rPr lang="tr-TR" sz="1600" dirty="0" err="1">
+                <a:latin typeface="Calibri" panose="020F0502020204030204" pitchFamily="34" charset="0"/>
+                <a:cs typeface="Calibri" panose="020F0502020204030204" pitchFamily="34" charset="0"/>
+              </a:rPr>
+              <a:t>nonpreemptive</a:t>
+            </a:r>
+            <a:r>
+              <a:rPr lang="tr-TR" sz="1600" dirty="0">
+                <a:latin typeface="Calibri" panose="020F0502020204030204" pitchFamily="34" charset="0"/>
+                <a:cs typeface="Calibri" panose="020F0502020204030204" pitchFamily="34" charset="0"/>
+              </a:rPr>
+              <a:t> </a:t>
+            </a:r>
+            <a:r>
+              <a:rPr lang="tr-TR" sz="1600" dirty="0" err="1">
+                <a:latin typeface="Calibri" panose="020F0502020204030204" pitchFamily="34" charset="0"/>
+                <a:cs typeface="Calibri" panose="020F0502020204030204" pitchFamily="34" charset="0"/>
+              </a:rPr>
+              <a:t>scheduling</a:t>
+            </a:r>
+            <a:r>
+              <a:rPr lang="tr-TR" sz="1600" dirty="0">
+                <a:latin typeface="Calibri" panose="020F0502020204030204" pitchFamily="34" charset="0"/>
+                <a:cs typeface="Calibri" panose="020F0502020204030204" pitchFamily="34" charset="0"/>
+              </a:rPr>
+              <a:t> kullanmıştır.</a:t>
+            </a:r>
+          </a:p>
+          <a:p>
+            <a:pPr lvl="1" algn="just"/>
+            <a:r>
+              <a:rPr lang="tr-TR" sz="1600" dirty="0">
+                <a:latin typeface="Calibri" panose="020F0502020204030204" pitchFamily="34" charset="0"/>
+                <a:cs typeface="Calibri" panose="020F0502020204030204" pitchFamily="34" charset="0"/>
+              </a:rPr>
+              <a:t>Diğer tüm Windows versiyonları </a:t>
+            </a:r>
+            <a:r>
+              <a:rPr lang="tr-TR" sz="1600" dirty="0" err="1">
+                <a:latin typeface="Calibri" panose="020F0502020204030204" pitchFamily="34" charset="0"/>
+                <a:cs typeface="Calibri" panose="020F0502020204030204" pitchFamily="34" charset="0"/>
+              </a:rPr>
+              <a:t>preemptive</a:t>
+            </a:r>
+            <a:r>
+              <a:rPr lang="tr-TR" sz="1600" dirty="0">
+                <a:latin typeface="Calibri" panose="020F0502020204030204" pitchFamily="34" charset="0"/>
+                <a:cs typeface="Calibri" panose="020F0502020204030204" pitchFamily="34" charset="0"/>
+              </a:rPr>
+              <a:t> </a:t>
+            </a:r>
+            <a:r>
+              <a:rPr lang="tr-TR" sz="1600" dirty="0" err="1">
+                <a:latin typeface="Calibri" panose="020F0502020204030204" pitchFamily="34" charset="0"/>
+                <a:cs typeface="Calibri" panose="020F0502020204030204" pitchFamily="34" charset="0"/>
+              </a:rPr>
+              <a:t>scheduling</a:t>
+            </a:r>
+            <a:r>
+              <a:rPr lang="tr-TR" sz="1600" dirty="0">
+                <a:latin typeface="Calibri" panose="020F0502020204030204" pitchFamily="34" charset="0"/>
+                <a:cs typeface="Calibri" panose="020F0502020204030204" pitchFamily="34" charset="0"/>
+              </a:rPr>
+              <a:t> kullanmıştır.</a:t>
+            </a:r>
+          </a:p>
+          <a:p>
+            <a:pPr lvl="1" algn="just"/>
+            <a:r>
+              <a:rPr lang="tr-TR" sz="1600" dirty="0">
+                <a:latin typeface="Calibri" panose="020F0502020204030204" pitchFamily="34" charset="0"/>
+                <a:cs typeface="Calibri" panose="020F0502020204030204" pitchFamily="34" charset="0"/>
+              </a:rPr>
+              <a:t>Mac OS X işletim sistemi de </a:t>
+            </a:r>
+            <a:r>
+              <a:rPr lang="tr-TR" sz="1600" dirty="0" err="1">
+                <a:latin typeface="Calibri" panose="020F0502020204030204" pitchFamily="34" charset="0"/>
+                <a:cs typeface="Calibri" panose="020F0502020204030204" pitchFamily="34" charset="0"/>
+              </a:rPr>
+              <a:t>preemptive</a:t>
+            </a:r>
+            <a:r>
+              <a:rPr lang="tr-TR" sz="1600" dirty="0">
+                <a:latin typeface="Calibri" panose="020F0502020204030204" pitchFamily="34" charset="0"/>
+                <a:cs typeface="Calibri" panose="020F0502020204030204" pitchFamily="34" charset="0"/>
+              </a:rPr>
+              <a:t> </a:t>
+            </a:r>
+            <a:r>
+              <a:rPr lang="tr-TR" sz="1600" dirty="0" err="1">
+                <a:latin typeface="Calibri" panose="020F0502020204030204" pitchFamily="34" charset="0"/>
+                <a:cs typeface="Calibri" panose="020F0502020204030204" pitchFamily="34" charset="0"/>
+              </a:rPr>
+              <a:t>scheduling</a:t>
+            </a:r>
+            <a:r>
+              <a:rPr lang="tr-TR" sz="1600" dirty="0">
+                <a:latin typeface="Calibri" panose="020F0502020204030204" pitchFamily="34" charset="0"/>
+                <a:cs typeface="Calibri" panose="020F0502020204030204" pitchFamily="34" charset="0"/>
+              </a:rPr>
+              <a:t> kullanmaktadır.</a:t>
             </a:r>
           </a:p>
           <a:p>
@@ -8431,239 +8492,66 @@
                 <a:latin typeface="Calibri" panose="020F0502020204030204" pitchFamily="34" charset="0"/>
                 <a:cs typeface="Calibri" panose="020F0502020204030204" pitchFamily="34" charset="0"/>
               </a:rPr>
-              <a:t>scheduling’te</a:t>
+              <a:t>scheduling</a:t>
             </a:r>
             <a:r>
               <a:rPr lang="tr-TR" sz="2000" dirty="0">
                 <a:latin typeface="Calibri" panose="020F0502020204030204" pitchFamily="34" charset="0"/>
                 <a:cs typeface="Calibri" panose="020F0502020204030204" pitchFamily="34" charset="0"/>
               </a:rPr>
-              <a:t>, CPU’daki çalışan proses hazır durumuna geçip veya bekleme durumundan hazır durumuna geçinceye kadar  başka bir prosese hizmet sunabilir.</a:t>
-            </a:r>
-          </a:p>
-          <a:p>
-            <a:pPr lvl="1" algn="just"/>
-            <a:r>
-              <a:rPr lang="tr-TR" sz="1600" dirty="0">
-                <a:latin typeface="Calibri" panose="020F0502020204030204" pitchFamily="34" charset="0"/>
-                <a:cs typeface="Calibri" panose="020F0502020204030204" pitchFamily="34" charset="0"/>
-              </a:rPr>
-              <a:t>Windows 3.1, </a:t>
-            </a:r>
-            <a:r>
-              <a:rPr lang="tr-TR" sz="1600" dirty="0" err="1">
-                <a:latin typeface="Calibri" panose="020F0502020204030204" pitchFamily="34" charset="0"/>
-                <a:cs typeface="Calibri" panose="020F0502020204030204" pitchFamily="34" charset="0"/>
-              </a:rPr>
-              <a:t>nonpreemptive</a:t>
-            </a:r>
-            <a:r>
-              <a:rPr lang="tr-TR" sz="1600" dirty="0">
+              <a:t> veri paylaşımı yaptığında </a:t>
+            </a:r>
+            <a:r>
+              <a:rPr lang="tr-TR" sz="2000" dirty="0" err="1">
+                <a:latin typeface="Calibri" panose="020F0502020204030204" pitchFamily="34" charset="0"/>
+                <a:cs typeface="Calibri" panose="020F0502020204030204" pitchFamily="34" charset="0"/>
+              </a:rPr>
+              <a:t>race</a:t>
+            </a:r>
+            <a:r>
+              <a:rPr lang="tr-TR" sz="2000" dirty="0">
                 <a:latin typeface="Calibri" panose="020F0502020204030204" pitchFamily="34" charset="0"/>
                 <a:cs typeface="Calibri" panose="020F0502020204030204" pitchFamily="34" charset="0"/>
               </a:rPr>
               <a:t> </a:t>
             </a:r>
             <a:r>
-              <a:rPr lang="tr-TR" sz="1600" dirty="0" err="1">
-                <a:latin typeface="Calibri" panose="020F0502020204030204" pitchFamily="34" charset="0"/>
-                <a:cs typeface="Calibri" panose="020F0502020204030204" pitchFamily="34" charset="0"/>
-              </a:rPr>
-              <a:t>scheduling</a:t>
-            </a:r>
-            <a:r>
-              <a:rPr lang="tr-TR" sz="1600" dirty="0">
-                <a:latin typeface="Calibri" panose="020F0502020204030204" pitchFamily="34" charset="0"/>
-                <a:cs typeface="Calibri" panose="020F0502020204030204" pitchFamily="34" charset="0"/>
-              </a:rPr>
-              <a:t> kullanmıştır.</a:t>
-            </a:r>
-          </a:p>
-          <a:p>
-            <a:pPr lvl="1" algn="just"/>
-            <a:r>
-              <a:rPr lang="tr-TR" sz="1600" dirty="0">
-                <a:latin typeface="Calibri" panose="020F0502020204030204" pitchFamily="34" charset="0"/>
-                <a:cs typeface="Calibri" panose="020F0502020204030204" pitchFamily="34" charset="0"/>
-              </a:rPr>
-              <a:t>Diğer tüm Windows versiyonları </a:t>
-            </a:r>
-            <a:r>
-              <a:rPr lang="tr-TR" sz="1600" dirty="0" err="1">
-                <a:latin typeface="Calibri" panose="020F0502020204030204" pitchFamily="34" charset="0"/>
-                <a:cs typeface="Calibri" panose="020F0502020204030204" pitchFamily="34" charset="0"/>
-              </a:rPr>
-              <a:t>preemptive</a:t>
-            </a:r>
-            <a:r>
-              <a:rPr lang="tr-TR" sz="1600" dirty="0">
-                <a:latin typeface="Calibri" panose="020F0502020204030204" pitchFamily="34" charset="0"/>
-                <a:cs typeface="Calibri" panose="020F0502020204030204" pitchFamily="34" charset="0"/>
-              </a:rPr>
-              <a:t> </a:t>
-            </a:r>
-            <a:r>
-              <a:rPr lang="tr-TR" sz="1600" dirty="0" err="1">
-                <a:latin typeface="Calibri" panose="020F0502020204030204" pitchFamily="34" charset="0"/>
-                <a:cs typeface="Calibri" panose="020F0502020204030204" pitchFamily="34" charset="0"/>
-              </a:rPr>
-              <a:t>scheduling</a:t>
-            </a:r>
-            <a:r>
-              <a:rPr lang="tr-TR" sz="1600" dirty="0">
-                <a:latin typeface="Calibri" panose="020F0502020204030204" pitchFamily="34" charset="0"/>
-                <a:cs typeface="Calibri" panose="020F0502020204030204" pitchFamily="34" charset="0"/>
-              </a:rPr>
-              <a:t> kullanmıştır.</a:t>
-            </a:r>
-          </a:p>
-          <a:p>
-            <a:pPr lvl="1" algn="just"/>
-            <a:r>
-              <a:rPr lang="tr-TR" sz="1600" dirty="0">
-                <a:latin typeface="Calibri" panose="020F0502020204030204" pitchFamily="34" charset="0"/>
-                <a:cs typeface="Calibri" panose="020F0502020204030204" pitchFamily="34" charset="0"/>
-              </a:rPr>
-              <a:t>Mac OS X işletim sistemi de </a:t>
-            </a:r>
-            <a:r>
-              <a:rPr lang="tr-TR" sz="1600" dirty="0" err="1">
-                <a:latin typeface="Calibri" panose="020F0502020204030204" pitchFamily="34" charset="0"/>
-                <a:cs typeface="Calibri" panose="020F0502020204030204" pitchFamily="34" charset="0"/>
-              </a:rPr>
-              <a:t>preemptive</a:t>
-            </a:r>
-            <a:r>
-              <a:rPr lang="tr-TR" sz="1600" dirty="0">
-                <a:latin typeface="Calibri" panose="020F0502020204030204" pitchFamily="34" charset="0"/>
-                <a:cs typeface="Calibri" panose="020F0502020204030204" pitchFamily="34" charset="0"/>
-              </a:rPr>
-              <a:t> </a:t>
-            </a:r>
-            <a:r>
-              <a:rPr lang="tr-TR" sz="1600" dirty="0" err="1">
-                <a:latin typeface="Calibri" panose="020F0502020204030204" pitchFamily="34" charset="0"/>
-                <a:cs typeface="Calibri" panose="020F0502020204030204" pitchFamily="34" charset="0"/>
-              </a:rPr>
-              <a:t>scheduling</a:t>
-            </a:r>
-            <a:r>
-              <a:rPr lang="tr-TR" sz="1600" dirty="0">
-                <a:latin typeface="Calibri" panose="020F0502020204030204" pitchFamily="34" charset="0"/>
-                <a:cs typeface="Calibri" panose="020F0502020204030204" pitchFamily="34" charset="0"/>
-              </a:rPr>
-              <a:t> kullanmaktadır.</a:t>
+              <a:rPr lang="tr-TR" sz="2000" dirty="0" err="1">
+                <a:latin typeface="Calibri" panose="020F0502020204030204" pitchFamily="34" charset="0"/>
+                <a:cs typeface="Calibri" panose="020F0502020204030204" pitchFamily="34" charset="0"/>
+              </a:rPr>
+              <a:t>condition</a:t>
+            </a:r>
+            <a:r>
+              <a:rPr lang="tr-TR" sz="2000" dirty="0">
+                <a:latin typeface="Calibri" panose="020F0502020204030204" pitchFamily="34" charset="0"/>
+                <a:cs typeface="Calibri" panose="020F0502020204030204" pitchFamily="34" charset="0"/>
+              </a:rPr>
+              <a:t> gerçekleşir.</a:t>
             </a:r>
           </a:p>
           <a:p>
             <a:pPr algn="just"/>
             <a:r>
+              <a:rPr lang="tr-TR" sz="2000" dirty="0">
+                <a:latin typeface="Calibri" panose="020F0502020204030204" pitchFamily="34" charset="0"/>
+                <a:cs typeface="Calibri" panose="020F0502020204030204" pitchFamily="34" charset="0"/>
+              </a:rPr>
+              <a:t>Bir process </a:t>
+            </a:r>
+            <a:r>
               <a:rPr lang="tr-TR" sz="2000" dirty="0" err="1">
                 <a:latin typeface="Calibri" panose="020F0502020204030204" pitchFamily="34" charset="0"/>
                 <a:cs typeface="Calibri" panose="020F0502020204030204" pitchFamily="34" charset="0"/>
               </a:rPr>
-              <a:t>Preemptive</a:t>
+              <a:t>kernel</a:t>
             </a:r>
             <a:r>
               <a:rPr lang="tr-TR" sz="2000" dirty="0">
                 <a:latin typeface="Calibri" panose="020F0502020204030204" pitchFamily="34" charset="0"/>
                 <a:cs typeface="Calibri" panose="020F0502020204030204" pitchFamily="34" charset="0"/>
               </a:rPr>
-              <a:t> </a:t>
-            </a:r>
-            <a:r>
-              <a:rPr lang="tr-TR" sz="2000" dirty="0" err="1">
-                <a:latin typeface="Calibri" panose="020F0502020204030204" pitchFamily="34" charset="0"/>
-                <a:cs typeface="Calibri" panose="020F0502020204030204" pitchFamily="34" charset="0"/>
-              </a:rPr>
-              <a:t>scheduling</a:t>
-            </a:r>
-            <a:r>
-              <a:rPr lang="tr-TR" sz="2000" dirty="0">
-                <a:latin typeface="Calibri" panose="020F0502020204030204" pitchFamily="34" charset="0"/>
-                <a:cs typeface="Calibri" panose="020F0502020204030204" pitchFamily="34" charset="0"/>
-              </a:rPr>
-              <a:t> veri paylaşımı yaptığında </a:t>
-            </a:r>
-            <a:r>
-              <a:rPr lang="tr-TR" sz="2000" dirty="0" err="1">
-                <a:latin typeface="Calibri" panose="020F0502020204030204" pitchFamily="34" charset="0"/>
-                <a:cs typeface="Calibri" panose="020F0502020204030204" pitchFamily="34" charset="0"/>
-              </a:rPr>
-              <a:t>race</a:t>
-            </a:r>
-            <a:r>
-              <a:rPr lang="tr-TR" sz="2000" dirty="0">
-                <a:latin typeface="Calibri" panose="020F0502020204030204" pitchFamily="34" charset="0"/>
-                <a:cs typeface="Calibri" panose="020F0502020204030204" pitchFamily="34" charset="0"/>
-              </a:rPr>
-              <a:t> </a:t>
-            </a:r>
-            <a:r>
-              <a:rPr lang="tr-TR" sz="2000" dirty="0" err="1">
-                <a:latin typeface="Calibri" panose="020F0502020204030204" pitchFamily="34" charset="0"/>
-                <a:cs typeface="Calibri" panose="020F0502020204030204" pitchFamily="34" charset="0"/>
-              </a:rPr>
-              <a:t>condition</a:t>
-            </a:r>
-            <a:r>
-              <a:rPr lang="tr-TR" sz="2000" dirty="0">
-                <a:latin typeface="Calibri" panose="020F0502020204030204" pitchFamily="34" charset="0"/>
-                <a:cs typeface="Calibri" panose="020F0502020204030204" pitchFamily="34" charset="0"/>
-              </a:rPr>
-              <a:t> gerçekleşir.</a:t>
-            </a:r>
-          </a:p>
-          <a:p>
-            <a:pPr algn="just"/>
-            <a:r>
-              <a:rPr lang="tr-TR" sz="2000" dirty="0">
-                <a:latin typeface="Calibri" panose="020F0502020204030204" pitchFamily="34" charset="0"/>
-                <a:cs typeface="Calibri" panose="020F0502020204030204" pitchFamily="34" charset="0"/>
-              </a:rPr>
-              <a:t>Bir </a:t>
-            </a:r>
-            <a:r>
-              <a:rPr lang="tr-TR" sz="2000" dirty="0" err="1">
-                <a:latin typeface="Calibri" panose="020F0502020204030204" pitchFamily="34" charset="0"/>
-                <a:cs typeface="Calibri" panose="020F0502020204030204" pitchFamily="34" charset="0"/>
-              </a:rPr>
-              <a:t>process</a:t>
-            </a:r>
-            <a:r>
-              <a:rPr lang="tr-TR" sz="2000" dirty="0">
-                <a:latin typeface="Calibri" panose="020F0502020204030204" pitchFamily="34" charset="0"/>
-                <a:cs typeface="Calibri" panose="020F0502020204030204" pitchFamily="34" charset="0"/>
-              </a:rPr>
-              <a:t> </a:t>
-            </a:r>
-            <a:r>
-              <a:rPr lang="tr-TR" sz="2000" dirty="0" err="1">
-                <a:latin typeface="Calibri" panose="020F0502020204030204" pitchFamily="34" charset="0"/>
-                <a:cs typeface="Calibri" panose="020F0502020204030204" pitchFamily="34" charset="0"/>
-              </a:rPr>
-              <a:t>kernel</a:t>
-            </a:r>
-            <a:r>
-              <a:rPr lang="tr-TR" sz="2000" dirty="0">
-                <a:latin typeface="Calibri" panose="020F0502020204030204" pitchFamily="34" charset="0"/>
-                <a:cs typeface="Calibri" panose="020F0502020204030204" pitchFamily="34" charset="0"/>
-              </a:rPr>
-              <a:t> verisi üzerinde değişiklik yaparken yarıda kesilerek başka bir </a:t>
-            </a:r>
-            <a:r>
-              <a:rPr lang="tr-TR" sz="2000" dirty="0" err="1">
-                <a:latin typeface="Calibri" panose="020F0502020204030204" pitchFamily="34" charset="0"/>
-                <a:cs typeface="Calibri" panose="020F0502020204030204" pitchFamily="34" charset="0"/>
-              </a:rPr>
-              <a:t>process’e</a:t>
-            </a:r>
-            <a:r>
-              <a:rPr lang="tr-TR" sz="2000" dirty="0">
-                <a:latin typeface="Calibri" panose="020F0502020204030204" pitchFamily="34" charset="0"/>
-                <a:cs typeface="Calibri" panose="020F0502020204030204" pitchFamily="34" charset="0"/>
-              </a:rPr>
-              <a:t> geçilmesi ve aynı veriye erişim yapılması halinde çakışma meydana gelir.</a:t>
+              <a:t> verisi üzerinde değişiklik yaparken yarıda kesilerek başka bir process’e geçilmesi ve aynı veriye erişim yapılması halinde çakışma meydana gelir.</a:t>
             </a:r>
           </a:p>
           <a:p>
@@ -8950,18 +8838,11 @@
           <a:p>
             <a:pPr algn="just"/>
             <a:r>
-              <a:rPr lang="tr-TR" sz="2000" dirty="0" err="1">
-                <a:latin typeface="Calibri" panose="020F0502020204030204" pitchFamily="34" charset="0"/>
-                <a:cs typeface="Calibri" panose="020F0502020204030204" pitchFamily="34" charset="0"/>
-              </a:rPr>
-              <a:t>Process’ler</a:t>
-            </a:r>
-            <a:r>
               <a:rPr lang="tr-TR" sz="2000" dirty="0">
                 <a:latin typeface="Calibri" panose="020F0502020204030204" pitchFamily="34" charset="0"/>
                 <a:cs typeface="Calibri" panose="020F0502020204030204" pitchFamily="34" charset="0"/>
               </a:rPr>
-              <a:t> arasında geçiş süresine </a:t>
+              <a:t>Process’ler arasında geçiş süresine </a:t>
             </a:r>
             <a:r>
               <a:rPr lang="tr-TR" sz="2000" dirty="0" err="1">
@@ -9051,15 +8932,7 @@
           <a:p>
             <a:r>
               <a:rPr lang="tr-TR" dirty="0"/>
-              <a:t>Planlama (</a:t>
-            </a:r>
-            <a:r>
-              <a:rPr lang="tr-TR" dirty="0" err="1"/>
-              <a:t>Scheduling</a:t>
-            </a:r>
-            <a:r>
-              <a:rPr lang="tr-TR" dirty="0"/>
-              <a:t>)</a:t>
+              <a:t>Planlama (Scheduling)</a:t>
             </a:r>
             <a:r>
               <a:rPr lang="tr-TR" sz="1800" b="0" i="0" u="none" strike="noStrike" baseline="0" dirty="0">
@@ -9150,39 +9023,42 @@
           <a:p>
             <a:pPr lvl="1" algn="just"/>
             <a:r>
-              <a:rPr lang="tr-TR" sz="1800" dirty="0" err="1" smtClean="0">
-                <a:latin typeface="Calibri" panose="020F0502020204030204" pitchFamily="34" charset="0"/>
-                <a:cs typeface="Calibri" panose="020F0502020204030204" pitchFamily="34" charset="0"/>
-              </a:rPr>
-              <a:t>Throughput</a:t>
-            </a:r>
-            <a:r>
-              <a:rPr lang="tr-TR" sz="1800" dirty="0" smtClean="0">
-                <a:latin typeface="Calibri" panose="020F0502020204030204" pitchFamily="34" charset="0"/>
-                <a:cs typeface="Calibri" panose="020F0502020204030204" pitchFamily="34" charset="0"/>
-              </a:rPr>
-              <a:t>: </a:t>
-            </a:r>
-            <a:r>
               <a:rPr lang="tr-TR" sz="1800" dirty="0">
                 <a:latin typeface="Calibri" panose="020F0502020204030204" pitchFamily="34" charset="0"/>
                 <a:cs typeface="Calibri" panose="020F0502020204030204" pitchFamily="34" charset="0"/>
               </a:rPr>
-              <a:t>Her zaman aralığında tamamlanan </a:t>
-            </a:r>
+              <a:t>Throughput: Her zaman aralığında tamamlanan process sayısıdır.</a:t>
+            </a:r>
+          </a:p>
+          <a:p>
+            <a:pPr lvl="1" algn="just"/>
             <a:r>
               <a:rPr lang="tr-TR" sz="1800" dirty="0" err="1">
                 <a:latin typeface="Calibri" panose="020F0502020204030204" pitchFamily="34" charset="0"/>
                 <a:cs typeface="Calibri" panose="020F0502020204030204" pitchFamily="34" charset="0"/>
               </a:rPr>
-              <a:t>process</a:t>
+              <a:t>Turn</a:t>
             </a:r>
             <a:r>
               <a:rPr lang="tr-TR" sz="1800" dirty="0">
                 <a:latin typeface="Calibri" panose="020F0502020204030204" pitchFamily="34" charset="0"/>
                 <a:cs typeface="Calibri" panose="020F0502020204030204" pitchFamily="34" charset="0"/>
               </a:rPr>
-              <a:t> sayısıdır.</a:t>
+              <a:t> </a:t>
+            </a:r>
+            <a:r>
+              <a:rPr lang="tr-TR" sz="1800" dirty="0" err="1">
+                <a:latin typeface="Calibri" panose="020F0502020204030204" pitchFamily="34" charset="0"/>
+                <a:cs typeface="Calibri" panose="020F0502020204030204" pitchFamily="34" charset="0"/>
+              </a:rPr>
+              <a:t>around</a:t>
+            </a:r>
+            <a:r>
+              <a:rPr lang="tr-TR" sz="1800" dirty="0">
+                <a:latin typeface="Calibri" panose="020F0502020204030204" pitchFamily="34" charset="0"/>
+                <a:cs typeface="Calibri" panose="020F0502020204030204" pitchFamily="34" charset="0"/>
+              </a:rPr>
+              <a:t> time: Bir process’in hafızaya alınmak için bekleme süresi, hazır kuyruğunda bekleme süresi, CPU’da çalıştırılması ve I/O işlemi yapması için geçen sürelerin toplamıdır.</a:t>
             </a:r>
           </a:p>
           <a:p>
@@ -9192,111 +9068,31 @@
                 <a:latin typeface="Calibri" panose="020F0502020204030204" pitchFamily="34" charset="0"/>
                 <a:cs typeface="Calibri" panose="020F0502020204030204" pitchFamily="34" charset="0"/>
               </a:rPr>
-              <a:t>Turn</a:t>
+              <a:t>Waiting</a:t>
             </a:r>
             <a:r>
               <a:rPr lang="tr-TR" sz="1800" dirty="0">
                 <a:latin typeface="Calibri" panose="020F0502020204030204" pitchFamily="34" charset="0"/>
                 <a:cs typeface="Calibri" panose="020F0502020204030204" pitchFamily="34" charset="0"/>
               </a:rPr>
-              <a:t> </a:t>
-            </a:r>
+              <a:t> time: Bir process’in hazır kuyruğunda beklediği süredir.</a:t>
+            </a:r>
+          </a:p>
+          <a:p>
+            <a:pPr lvl="1" algn="just"/>
             <a:r>
               <a:rPr lang="tr-TR" sz="1800" dirty="0" err="1">
                 <a:latin typeface="Calibri" panose="020F0502020204030204" pitchFamily="34" charset="0"/>
                 <a:cs typeface="Calibri" panose="020F0502020204030204" pitchFamily="34" charset="0"/>
               </a:rPr>
-              <a:t>around</a:t>
+              <a:t>Response</a:t>
             </a:r>
             <a:r>
               <a:rPr lang="tr-TR" sz="1800" dirty="0">
                 <a:latin typeface="Calibri" panose="020F0502020204030204" pitchFamily="34" charset="0"/>
                 <a:cs typeface="Calibri" panose="020F0502020204030204" pitchFamily="34" charset="0"/>
               </a:rPr>
-              <a:t> time</a:t>
-            </a:r>
-            <a:r>
-              <a:rPr lang="tr-TR" sz="1800" dirty="0" smtClean="0">
-                <a:latin typeface="Calibri" panose="020F0502020204030204" pitchFamily="34" charset="0"/>
-                <a:cs typeface="Calibri" panose="020F0502020204030204" pitchFamily="34" charset="0"/>
-              </a:rPr>
-              <a:t>: Bir </a:t>
-            </a:r>
-            <a:r>
-              <a:rPr lang="tr-TR" sz="1800" dirty="0" err="1">
-                <a:latin typeface="Calibri" panose="020F0502020204030204" pitchFamily="34" charset="0"/>
-                <a:cs typeface="Calibri" panose="020F0502020204030204" pitchFamily="34" charset="0"/>
-              </a:rPr>
-              <a:t>process’in</a:t>
-            </a:r>
-            <a:r>
-              <a:rPr lang="tr-TR" sz="1800" dirty="0">
-                <a:latin typeface="Calibri" panose="020F0502020204030204" pitchFamily="34" charset="0"/>
-                <a:cs typeface="Calibri" panose="020F0502020204030204" pitchFamily="34" charset="0"/>
-              </a:rPr>
-              <a:t> hafızaya alınmak için bekleme süresi, hazır kuyruğunda bekleme süresi, CPU’da çalıştırılması ve I/O işlemi yapması için geçen sürelerin toplamıdır.</a:t>
-            </a:r>
-          </a:p>
-          <a:p>
-            <a:pPr lvl="1" algn="just"/>
-            <a:r>
-              <a:rPr lang="tr-TR" sz="1800" dirty="0" err="1">
-                <a:latin typeface="Calibri" panose="020F0502020204030204" pitchFamily="34" charset="0"/>
-                <a:cs typeface="Calibri" panose="020F0502020204030204" pitchFamily="34" charset="0"/>
-              </a:rPr>
-              <a:t>Waiting</a:t>
-            </a:r>
-            <a:r>
-              <a:rPr lang="tr-TR" sz="1800" dirty="0">
-                <a:latin typeface="Calibri" panose="020F0502020204030204" pitchFamily="34" charset="0"/>
-                <a:cs typeface="Calibri" panose="020F0502020204030204" pitchFamily="34" charset="0"/>
-              </a:rPr>
-              <a:t> time: Bir </a:t>
-            </a:r>
-            <a:r>
-              <a:rPr lang="tr-TR" sz="1800" dirty="0" err="1">
-                <a:latin typeface="Calibri" panose="020F0502020204030204" pitchFamily="34" charset="0"/>
-                <a:cs typeface="Calibri" panose="020F0502020204030204" pitchFamily="34" charset="0"/>
-              </a:rPr>
-              <a:t>process’in</a:t>
-            </a:r>
-            <a:r>
-              <a:rPr lang="tr-TR" sz="1800" dirty="0">
-                <a:latin typeface="Calibri" panose="020F0502020204030204" pitchFamily="34" charset="0"/>
-                <a:cs typeface="Calibri" panose="020F0502020204030204" pitchFamily="34" charset="0"/>
-              </a:rPr>
-              <a:t> hazır kuyruğunda beklediği süredir.</a:t>
-            </a:r>
-          </a:p>
-          <a:p>
-            <a:pPr lvl="1" algn="just"/>
-            <a:r>
-              <a:rPr lang="tr-TR" sz="1800" dirty="0" err="1">
-                <a:latin typeface="Calibri" panose="020F0502020204030204" pitchFamily="34" charset="0"/>
-                <a:cs typeface="Calibri" panose="020F0502020204030204" pitchFamily="34" charset="0"/>
-              </a:rPr>
-              <a:t>Response</a:t>
-            </a:r>
-            <a:r>
-              <a:rPr lang="tr-TR" sz="1800" dirty="0">
-                <a:latin typeface="Calibri" panose="020F0502020204030204" pitchFamily="34" charset="0"/>
-                <a:cs typeface="Calibri" panose="020F0502020204030204" pitchFamily="34" charset="0"/>
-              </a:rPr>
-              <a:t> time: Bir </a:t>
-            </a:r>
-            <a:r>
-              <a:rPr lang="tr-TR" sz="1800" dirty="0" err="1">
-                <a:latin typeface="Calibri" panose="020F0502020204030204" pitchFamily="34" charset="0"/>
-                <a:cs typeface="Calibri" panose="020F0502020204030204" pitchFamily="34" charset="0"/>
-              </a:rPr>
-              <a:t>process’e</a:t>
-            </a:r>
-            <a:r>
-              <a:rPr lang="tr-TR" sz="1800" dirty="0">
-                <a:latin typeface="Calibri" panose="020F0502020204030204" pitchFamily="34" charset="0"/>
-                <a:cs typeface="Calibri" panose="020F0502020204030204" pitchFamily="34" charset="0"/>
-              </a:rPr>
-              <a:t> gönderilen isteğe cevap dönünceye kadar geçen süredir.</a:t>
+              <a:t> time: Bir process’e gönderilen isteğe cevap dönünceye kadar geçen süredir.</a:t>
             </a:r>
           </a:p>
           <a:p>
@@ -9475,15 +9271,7 @@
           <a:p>
             <a:r>
               <a:rPr lang="tr-TR" dirty="0"/>
-              <a:t>Planlama (</a:t>
-            </a:r>
-            <a:r>
-              <a:rPr lang="tr-TR" dirty="0" err="1"/>
-              <a:t>Scheduling</a:t>
-            </a:r>
-            <a:r>
-              <a:rPr lang="tr-TR" dirty="0"/>
-              <a:t>)</a:t>
+              <a:t>Planlama (Scheduling)</a:t>
             </a:r>
             <a:r>
               <a:rPr lang="tr-TR" sz="1800" b="0" i="0" u="none" strike="noStrike" baseline="0" dirty="0">
@@ -9596,19 +9384,39 @@
                 <a:latin typeface="Calibri" panose="020F0502020204030204" pitchFamily="34" charset="0"/>
                 <a:cs typeface="Calibri" panose="020F0502020204030204" pitchFamily="34" charset="0"/>
               </a:rPr>
-              <a:t> </a:t>
-            </a:r>
+              <a:t> Scheduling</a:t>
+            </a:r>
+          </a:p>
+          <a:p>
+            <a:pPr lvl="1"/>
             <a:r>
               <a:rPr lang="tr-TR" sz="1800" dirty="0" err="1">
                 <a:latin typeface="Calibri" panose="020F0502020204030204" pitchFamily="34" charset="0"/>
                 <a:cs typeface="Calibri" panose="020F0502020204030204" pitchFamily="34" charset="0"/>
               </a:rPr>
-              <a:t>Scheduling</a:t>
-            </a:r>
-            <a:endParaRPr lang="tr-TR" sz="1800" dirty="0">
-              <a:latin typeface="Calibri" panose="020F0502020204030204" pitchFamily="34" charset="0"/>
-              <a:cs typeface="Calibri" panose="020F0502020204030204" pitchFamily="34" charset="0"/>
-            </a:endParaRPr>
+              <a:t>Shortest</a:t>
+            </a:r>
+            <a:r>
+              <a:rPr lang="tr-TR" sz="1800" dirty="0">
+                <a:latin typeface="Calibri" panose="020F0502020204030204" pitchFamily="34" charset="0"/>
+                <a:cs typeface="Calibri" panose="020F0502020204030204" pitchFamily="34" charset="0"/>
+              </a:rPr>
+              <a:t>-</a:t>
+            </a:r>
+            <a:r>
+              <a:rPr lang="tr-TR" sz="1800" dirty="0" err="1">
+                <a:latin typeface="Calibri" panose="020F0502020204030204" pitchFamily="34" charset="0"/>
+                <a:cs typeface="Calibri" panose="020F0502020204030204" pitchFamily="34" charset="0"/>
+              </a:rPr>
+              <a:t>Job</a:t>
+            </a:r>
+            <a:r>
+              <a:rPr lang="tr-TR" sz="1800" dirty="0">
+                <a:latin typeface="Calibri" panose="020F0502020204030204" pitchFamily="34" charset="0"/>
+                <a:cs typeface="Calibri" panose="020F0502020204030204" pitchFamily="34" charset="0"/>
+              </a:rPr>
+              <a:t>-First Scheduling</a:t>
+            </a:r>
           </a:p>
           <a:p>
             <a:pPr lvl="1"/>
@@ -9617,40 +9425,49 @@
                 <a:latin typeface="Calibri" panose="020F0502020204030204" pitchFamily="34" charset="0"/>
                 <a:cs typeface="Calibri" panose="020F0502020204030204" pitchFamily="34" charset="0"/>
               </a:rPr>
-              <a:t>Shortest</a:t>
+              <a:t>Priority</a:t>
             </a:r>
             <a:r>
               <a:rPr lang="tr-TR" sz="1800" dirty="0">
                 <a:latin typeface="Calibri" panose="020F0502020204030204" pitchFamily="34" charset="0"/>
                 <a:cs typeface="Calibri" panose="020F0502020204030204" pitchFamily="34" charset="0"/>
               </a:rPr>
-              <a:t>-</a:t>
-            </a:r>
+              <a:t> Scheduling</a:t>
+            </a:r>
+          </a:p>
+          <a:p>
+            <a:pPr lvl="1"/>
             <a:r>
               <a:rPr lang="tr-TR" sz="1800" dirty="0" err="1">
                 <a:latin typeface="Calibri" panose="020F0502020204030204" pitchFamily="34" charset="0"/>
                 <a:cs typeface="Calibri" panose="020F0502020204030204" pitchFamily="34" charset="0"/>
               </a:rPr>
-              <a:t>Job</a:t>
+              <a:t>Round</a:t>
             </a:r>
             <a:r>
               <a:rPr lang="tr-TR" sz="1800" dirty="0">
                 <a:latin typeface="Calibri" panose="020F0502020204030204" pitchFamily="34" charset="0"/>
                 <a:cs typeface="Calibri" panose="020F0502020204030204" pitchFamily="34" charset="0"/>
               </a:rPr>
-              <a:t>-First </a:t>
-            </a:r>
+              <a:t>-Robin Scheduling</a:t>
+            </a:r>
+          </a:p>
+          <a:p>
+            <a:pPr lvl="1"/>
             <a:r>
               <a:rPr lang="tr-TR" sz="1800" dirty="0" err="1">
                 <a:latin typeface="Calibri" panose="020F0502020204030204" pitchFamily="34" charset="0"/>
                 <a:cs typeface="Calibri" panose="020F0502020204030204" pitchFamily="34" charset="0"/>
               </a:rPr>
-              <a:t>Scheduling</a:t>
-            </a:r>
-            <a:endParaRPr lang="tr-TR" sz="1800" dirty="0">
-              <a:latin typeface="Calibri" panose="020F0502020204030204" pitchFamily="34" charset="0"/>
-              <a:cs typeface="Calibri" panose="020F0502020204030204" pitchFamily="34" charset="0"/>
-            </a:endParaRPr>
+              <a:t>Multilevel</a:t>
+            </a:r>
+            <a:r>
+              <a:rPr lang="tr-TR" sz="1800" dirty="0">
+                <a:latin typeface="Calibri" panose="020F0502020204030204" pitchFamily="34" charset="0"/>
+                <a:cs typeface="Calibri" panose="020F0502020204030204" pitchFamily="34" charset="0"/>
+              </a:rPr>
+              <a:t> Queue Scheduling</a:t>
+            </a:r>
           </a:p>
           <a:p>
             <a:pPr lvl="1"/>
@@ -9659,110 +9476,15 @@
                 <a:latin typeface="Calibri" panose="020F0502020204030204" pitchFamily="34" charset="0"/>
                 <a:cs typeface="Calibri" panose="020F0502020204030204" pitchFamily="34" charset="0"/>
               </a:rPr>
-              <a:t>Priority</a:t>
+              <a:t>Multilevel</a:t>
             </a:r>
             <a:r>
               <a:rPr lang="tr-TR" sz="1800" dirty="0">
                 <a:latin typeface="Calibri" panose="020F0502020204030204" pitchFamily="34" charset="0"/>
                 <a:cs typeface="Calibri" panose="020F0502020204030204" pitchFamily="34" charset="0"/>
               </a:rPr>
-              <a:t> </a:t>
-            </a:r>
-            <a:r>
-              <a:rPr lang="tr-TR" sz="1800" dirty="0" err="1">
-                <a:latin typeface="Calibri" panose="020F0502020204030204" pitchFamily="34" charset="0"/>
-                <a:cs typeface="Calibri" panose="020F0502020204030204" pitchFamily="34" charset="0"/>
-              </a:rPr>
-              <a:t>Scheduling</a:t>
-            </a:r>
-            <a:endParaRPr lang="tr-TR" sz="1800" dirty="0">
-              <a:latin typeface="Calibri" panose="020F0502020204030204" pitchFamily="34" charset="0"/>
-              <a:cs typeface="Calibri" panose="020F0502020204030204" pitchFamily="34" charset="0"/>
-            </a:endParaRPr>
-          </a:p>
-          <a:p>
-            <a:pPr lvl="1"/>
-            <a:r>
-              <a:rPr lang="tr-TR" sz="1800" dirty="0" err="1">
-                <a:latin typeface="Calibri" panose="020F0502020204030204" pitchFamily="34" charset="0"/>
-                <a:cs typeface="Calibri" panose="020F0502020204030204" pitchFamily="34" charset="0"/>
-              </a:rPr>
-              <a:t>Round-Robin</a:t>
-            </a:r>
-            <a:r>
-              <a:rPr lang="tr-TR" sz="1800" dirty="0">
-                <a:latin typeface="Calibri" panose="020F0502020204030204" pitchFamily="34" charset="0"/>
-                <a:cs typeface="Calibri" panose="020F0502020204030204" pitchFamily="34" charset="0"/>
-              </a:rPr>
-              <a:t> </a:t>
-            </a:r>
-            <a:r>
-              <a:rPr lang="tr-TR" sz="1800" dirty="0" err="1">
-                <a:latin typeface="Calibri" panose="020F0502020204030204" pitchFamily="34" charset="0"/>
-                <a:cs typeface="Calibri" panose="020F0502020204030204" pitchFamily="34" charset="0"/>
-              </a:rPr>
-              <a:t>Scheduling</a:t>
-            </a:r>
-            <a:endParaRPr lang="tr-TR" sz="1800" dirty="0">
-              <a:latin typeface="Calibri" panose="020F0502020204030204" pitchFamily="34" charset="0"/>
-              <a:cs typeface="Calibri" panose="020F0502020204030204" pitchFamily="34" charset="0"/>
-            </a:endParaRPr>
-          </a:p>
-          <a:p>
-            <a:pPr lvl="1"/>
-            <a:r>
-              <a:rPr lang="tr-TR" sz="1800" dirty="0" err="1">
-                <a:latin typeface="Calibri" panose="020F0502020204030204" pitchFamily="34" charset="0"/>
-                <a:cs typeface="Calibri" panose="020F0502020204030204" pitchFamily="34" charset="0"/>
-              </a:rPr>
-              <a:t>Multilevel</a:t>
-            </a:r>
-            <a:r>
-              <a:rPr lang="tr-TR" sz="1800" dirty="0">
-                <a:latin typeface="Calibri" panose="020F0502020204030204" pitchFamily="34" charset="0"/>
-                <a:cs typeface="Calibri" panose="020F0502020204030204" pitchFamily="34" charset="0"/>
-              </a:rPr>
-              <a:t> Queue </a:t>
-            </a:r>
-            <a:r>
-              <a:rPr lang="tr-TR" sz="1800" dirty="0" err="1">
-                <a:latin typeface="Calibri" panose="020F0502020204030204" pitchFamily="34" charset="0"/>
-                <a:cs typeface="Calibri" panose="020F0502020204030204" pitchFamily="34" charset="0"/>
-              </a:rPr>
-              <a:t>Scheduling</a:t>
-            </a:r>
-            <a:endParaRPr lang="tr-TR" sz="1800" dirty="0">
-              <a:latin typeface="Calibri" panose="020F0502020204030204" pitchFamily="34" charset="0"/>
-              <a:cs typeface="Calibri" panose="020F0502020204030204" pitchFamily="34" charset="0"/>
-            </a:endParaRPr>
-          </a:p>
-          <a:p>
-            <a:pPr lvl="1"/>
-            <a:r>
-              <a:rPr lang="tr-TR" sz="1800" dirty="0" err="1">
-                <a:latin typeface="Calibri" panose="020F0502020204030204" pitchFamily="34" charset="0"/>
-                <a:cs typeface="Calibri" panose="020F0502020204030204" pitchFamily="34" charset="0"/>
-              </a:rPr>
-              <a:t>Multilevel</a:t>
-            </a:r>
-            <a:r>
-              <a:rPr lang="tr-TR" sz="1800" dirty="0">
-                <a:latin typeface="Calibri" panose="020F0502020204030204" pitchFamily="34" charset="0"/>
-                <a:cs typeface="Calibri" panose="020F0502020204030204" pitchFamily="34" charset="0"/>
-              </a:rPr>
-              <a:t> Feedback Queue </a:t>
-            </a:r>
-            <a:r>
-              <a:rPr lang="tr-TR" sz="1800" dirty="0" err="1">
-                <a:latin typeface="Calibri" panose="020F0502020204030204" pitchFamily="34" charset="0"/>
-                <a:cs typeface="Calibri" panose="020F0502020204030204" pitchFamily="34" charset="0"/>
-              </a:rPr>
-              <a:t>Scheduling</a:t>
-            </a:r>
-            <a:endParaRPr lang="tr-TR" sz="1800" dirty="0">
-              <a:latin typeface="Calibri" panose="020F0502020204030204" pitchFamily="34" charset="0"/>
-              <a:cs typeface="Calibri" panose="020F0502020204030204" pitchFamily="34" charset="0"/>
-            </a:endParaRPr>
+              <a:t> Feedback Queue Scheduling</a:t>
+            </a:r>
           </a:p>
           <a:p>
             <a:endParaRPr lang="tr-TR" dirty="0"/>
@@ -9822,15 +9544,7 @@
           <a:p>
             <a:r>
               <a:rPr lang="tr-TR" dirty="0"/>
-              <a:t>Planlama (</a:t>
-            </a:r>
-            <a:r>
-              <a:rPr lang="tr-TR" dirty="0" err="1"/>
-              <a:t>Scheduling</a:t>
-            </a:r>
-            <a:r>
-              <a:rPr lang="tr-TR" dirty="0"/>
-              <a:t>)</a:t>
+              <a:t>Planlama (Scheduling)</a:t>
             </a:r>
             <a:r>
               <a:rPr lang="tr-TR" sz="1800" b="0" i="0" u="none" strike="noStrike" baseline="0" dirty="0">
@@ -9905,6 +9619,44 @@
                 <a:latin typeface="Calibri" panose="020F0502020204030204" pitchFamily="34" charset="0"/>
                 <a:cs typeface="Calibri" panose="020F0502020204030204" pitchFamily="34" charset="0"/>
               </a:rPr>
+              <a:t> Scheduling</a:t>
+            </a:r>
+          </a:p>
+          <a:p>
+            <a:pPr algn="just"/>
+            <a:r>
+              <a:rPr lang="tr-TR" sz="2200" dirty="0">
+                <a:latin typeface="Calibri" panose="020F0502020204030204" pitchFamily="34" charset="0"/>
+                <a:cs typeface="Calibri" panose="020F0502020204030204" pitchFamily="34" charset="0"/>
+              </a:rPr>
+              <a:t>En basit CPU </a:t>
+            </a:r>
+            <a:r>
+              <a:rPr lang="tr-TR" sz="2200" dirty="0" err="1">
+                <a:latin typeface="Calibri" panose="020F0502020204030204" pitchFamily="34" charset="0"/>
+                <a:cs typeface="Calibri" panose="020F0502020204030204" pitchFamily="34" charset="0"/>
+              </a:rPr>
+              <a:t>scheduling</a:t>
+            </a:r>
+            <a:r>
+              <a:rPr lang="tr-TR" sz="2200" dirty="0">
+                <a:latin typeface="Calibri" panose="020F0502020204030204" pitchFamily="34" charset="0"/>
+                <a:cs typeface="Calibri" panose="020F0502020204030204" pitchFamily="34" charset="0"/>
+              </a:rPr>
+              <a:t> algoritmasıdır ve </a:t>
+            </a:r>
+            <a:r>
+              <a:rPr lang="tr-TR" sz="2200" dirty="0" err="1">
+                <a:latin typeface="Calibri" panose="020F0502020204030204" pitchFamily="34" charset="0"/>
+                <a:cs typeface="Calibri" panose="020F0502020204030204" pitchFamily="34" charset="0"/>
+              </a:rPr>
+              <a:t>first-come</a:t>
+            </a:r>
+            <a:r>
+              <a:rPr lang="tr-TR" sz="2200" dirty="0">
+                <a:latin typeface="Calibri" panose="020F0502020204030204" pitchFamily="34" charset="0"/>
+                <a:cs typeface="Calibri" panose="020F0502020204030204" pitchFamily="34" charset="0"/>
+              </a:rPr>
               <a:t> </a:t>
             </a:r>
             <a:r>
@@ -9912,12 +9664,29 @@
                 <a:latin typeface="Calibri" panose="020F0502020204030204" pitchFamily="34" charset="0"/>
                 <a:cs typeface="Calibri" panose="020F0502020204030204" pitchFamily="34" charset="0"/>
               </a:rPr>
-              <a:t>Scheduling</a:t>
-            </a:r>
-            <a:endParaRPr lang="tr-TR" sz="2200" dirty="0">
-              <a:latin typeface="Calibri" panose="020F0502020204030204" pitchFamily="34" charset="0"/>
-              <a:cs typeface="Calibri" panose="020F0502020204030204" pitchFamily="34" charset="0"/>
-            </a:endParaRPr>
+              <a:t>first</a:t>
+            </a:r>
+            <a:r>
+              <a:rPr lang="tr-TR" sz="2200" dirty="0">
+                <a:latin typeface="Calibri" panose="020F0502020204030204" pitchFamily="34" charset="0"/>
+                <a:cs typeface="Calibri" panose="020F0502020204030204" pitchFamily="34" charset="0"/>
+              </a:rPr>
+              <a:t> </a:t>
+            </a:r>
+            <a:r>
+              <a:rPr lang="tr-TR" sz="2200" dirty="0" err="1">
+                <a:latin typeface="Calibri" panose="020F0502020204030204" pitchFamily="34" charset="0"/>
+                <a:cs typeface="Calibri" panose="020F0502020204030204" pitchFamily="34" charset="0"/>
+              </a:rPr>
+              <a:t>served</a:t>
+            </a:r>
+            <a:r>
+              <a:rPr lang="tr-TR" sz="2200" dirty="0">
+                <a:latin typeface="Calibri" panose="020F0502020204030204" pitchFamily="34" charset="0"/>
+                <a:cs typeface="Calibri" panose="020F0502020204030204" pitchFamily="34" charset="0"/>
+              </a:rPr>
+              <a:t> (FCFS) şeklinde çalışır.</a:t>
+            </a:r>
           </a:p>
           <a:p>
             <a:pPr algn="just"/>
@@ -9926,145 +9695,51 @@
                 <a:latin typeface="Calibri" panose="020F0502020204030204" pitchFamily="34" charset="0"/>
                 <a:cs typeface="Calibri" panose="020F0502020204030204" pitchFamily="34" charset="0"/>
               </a:rPr>
-              <a:t>En basit CPU </a:t>
+              <a:t>CPU’ya ilk istek yapan process, CPU’ya ilk atanan </a:t>
             </a:r>
             <a:r>
               <a:rPr lang="tr-TR" sz="2200" dirty="0" err="1">
                 <a:latin typeface="Calibri" panose="020F0502020204030204" pitchFamily="34" charset="0"/>
                 <a:cs typeface="Calibri" panose="020F0502020204030204" pitchFamily="34" charset="0"/>
               </a:rPr>
-              <a:t>scheduling</a:t>
+              <a:t>process’tir</a:t>
             </a:r>
             <a:r>
               <a:rPr lang="tr-TR" sz="2200" dirty="0">
                 <a:latin typeface="Calibri" panose="020F0502020204030204" pitchFamily="34" charset="0"/>
                 <a:cs typeface="Calibri" panose="020F0502020204030204" pitchFamily="34" charset="0"/>
               </a:rPr>
-              <a:t> algoritmasıdır ve </a:t>
-            </a:r>
-            <a:r>
-              <a:rPr lang="tr-TR" sz="2200" dirty="0" err="1">
-                <a:latin typeface="Calibri" panose="020F0502020204030204" pitchFamily="34" charset="0"/>
-                <a:cs typeface="Calibri" panose="020F0502020204030204" pitchFamily="34" charset="0"/>
-              </a:rPr>
-              <a:t>first-come</a:t>
-            </a:r>
+              <a:t>.</a:t>
+            </a:r>
+          </a:p>
+          <a:p>
+            <a:pPr algn="just"/>
             <a:r>
               <a:rPr lang="tr-TR" sz="2200" dirty="0">
                 <a:latin typeface="Calibri" panose="020F0502020204030204" pitchFamily="34" charset="0"/>
                 <a:cs typeface="Calibri" panose="020F0502020204030204" pitchFamily="34" charset="0"/>
               </a:rPr>
-              <a:t> </a:t>
-            </a:r>
-            <a:r>
-              <a:rPr lang="tr-TR" sz="2200" dirty="0" err="1">
-                <a:latin typeface="Calibri" panose="020F0502020204030204" pitchFamily="34" charset="0"/>
-                <a:cs typeface="Calibri" panose="020F0502020204030204" pitchFamily="34" charset="0"/>
-              </a:rPr>
-              <a:t>first</a:t>
-            </a:r>
+              <a:t>FIFO kuyruk yapısıyla yönetilebilir.</a:t>
+            </a:r>
+          </a:p>
+          <a:p>
+            <a:pPr algn="just"/>
+            <a:r>
+              <a:rPr lang="sv-SE" sz="2200" dirty="0">
+                <a:latin typeface="Calibri" panose="020F0502020204030204" pitchFamily="34" charset="0"/>
+                <a:cs typeface="Calibri" panose="020F0502020204030204" pitchFamily="34" charset="0"/>
+              </a:rPr>
+              <a:t>FCFS algoritmasıyla ortalama bekleme süresi genellikle yüksektir.</a:t>
+            </a:r>
+          </a:p>
+          <a:p>
+            <a:pPr algn="just"/>
             <a:r>
               <a:rPr lang="tr-TR" sz="2200" dirty="0">
                 <a:latin typeface="Calibri" panose="020F0502020204030204" pitchFamily="34" charset="0"/>
                 <a:cs typeface="Calibri" panose="020F0502020204030204" pitchFamily="34" charset="0"/>
               </a:rPr>
-              <a:t> </a:t>
-            </a:r>
-            <a:r>
-              <a:rPr lang="tr-TR" sz="2200" dirty="0" err="1">
-                <a:latin typeface="Calibri" panose="020F0502020204030204" pitchFamily="34" charset="0"/>
-                <a:cs typeface="Calibri" panose="020F0502020204030204" pitchFamily="34" charset="0"/>
-              </a:rPr>
-              <a:t>served</a:t>
-            </a:r>
-            <a:r>
-              <a:rPr lang="tr-TR" sz="2200" dirty="0">
-                <a:latin typeface="Calibri" panose="020F0502020204030204" pitchFamily="34" charset="0"/>
-                <a:cs typeface="Calibri" panose="020F0502020204030204" pitchFamily="34" charset="0"/>
-              </a:rPr>
-              <a:t> (FCFS) şeklinde çalışır.</a:t>
-            </a:r>
-          </a:p>
-          <a:p>
-            <a:pPr algn="just"/>
-            <a:r>
-              <a:rPr lang="tr-TR" sz="2200" dirty="0">
-                <a:latin typeface="Calibri" panose="020F0502020204030204" pitchFamily="34" charset="0"/>
-                <a:cs typeface="Calibri" panose="020F0502020204030204" pitchFamily="34" charset="0"/>
-              </a:rPr>
-              <a:t>CPU’ya ilk istek yapan </a:t>
-            </a:r>
-            <a:r>
-              <a:rPr lang="tr-TR" sz="2200" dirty="0" err="1">
-                <a:latin typeface="Calibri" panose="020F0502020204030204" pitchFamily="34" charset="0"/>
-                <a:cs typeface="Calibri" panose="020F0502020204030204" pitchFamily="34" charset="0"/>
-              </a:rPr>
-              <a:t>process</a:t>
-            </a:r>
-            <a:r>
-              <a:rPr lang="tr-TR" sz="2200" dirty="0">
-                <a:latin typeface="Calibri" panose="020F0502020204030204" pitchFamily="34" charset="0"/>
-                <a:cs typeface="Calibri" panose="020F0502020204030204" pitchFamily="34" charset="0"/>
-              </a:rPr>
-              <a:t>, CPU’ya ilk atanan </a:t>
-            </a:r>
-            <a:r>
-              <a:rPr lang="tr-TR" sz="2200" dirty="0" err="1">
-                <a:latin typeface="Calibri" panose="020F0502020204030204" pitchFamily="34" charset="0"/>
-                <a:cs typeface="Calibri" panose="020F0502020204030204" pitchFamily="34" charset="0"/>
-              </a:rPr>
-              <a:t>process’tir</a:t>
-            </a:r>
-            <a:r>
-              <a:rPr lang="tr-TR" sz="2200" dirty="0">
-                <a:latin typeface="Calibri" panose="020F0502020204030204" pitchFamily="34" charset="0"/>
-                <a:cs typeface="Calibri" panose="020F0502020204030204" pitchFamily="34" charset="0"/>
-              </a:rPr>
-              <a:t>.</a:t>
-            </a:r>
-          </a:p>
-          <a:p>
-            <a:pPr algn="just"/>
-            <a:r>
-              <a:rPr lang="tr-TR" sz="2200" dirty="0">
-                <a:latin typeface="Calibri" panose="020F0502020204030204" pitchFamily="34" charset="0"/>
-                <a:cs typeface="Calibri" panose="020F0502020204030204" pitchFamily="34" charset="0"/>
-              </a:rPr>
-              <a:t>FIFO kuyruk yapısıyla yönetilebilir.</a:t>
-            </a:r>
-          </a:p>
-          <a:p>
-            <a:pPr algn="just"/>
-            <a:r>
-              <a:rPr lang="sv-SE" sz="2200" dirty="0">
-                <a:latin typeface="Calibri" panose="020F0502020204030204" pitchFamily="34" charset="0"/>
-                <a:cs typeface="Calibri" panose="020F0502020204030204" pitchFamily="34" charset="0"/>
-              </a:rPr>
-              <a:t>FCFS algoritmasıyla ortalama bekleme süresi genellikle yüksektir.</a:t>
-            </a:r>
-          </a:p>
-          <a:p>
-            <a:pPr algn="just"/>
-            <a:r>
-              <a:rPr lang="tr-TR" sz="2200" dirty="0">
-                <a:latin typeface="Calibri" panose="020F0502020204030204" pitchFamily="34" charset="0"/>
-                <a:cs typeface="Calibri" panose="020F0502020204030204" pitchFamily="34" charset="0"/>
-              </a:rPr>
-              <a:t>Bekleme süreleri </a:t>
-            </a:r>
-            <a:r>
-              <a:rPr lang="tr-TR" sz="2200" dirty="0" err="1">
-                <a:latin typeface="Calibri" panose="020F0502020204030204" pitchFamily="34" charset="0"/>
-                <a:cs typeface="Calibri" panose="020F0502020204030204" pitchFamily="34" charset="0"/>
-              </a:rPr>
-              <a:t>process’lerin</a:t>
-            </a:r>
-            <a:r>
-              <a:rPr lang="tr-TR" sz="2200" dirty="0">
-                <a:latin typeface="Calibri" panose="020F0502020204030204" pitchFamily="34" charset="0"/>
-                <a:cs typeface="Calibri" panose="020F0502020204030204" pitchFamily="34" charset="0"/>
-              </a:rPr>
-              <a:t> kuyruğa geliş sırasına göre çok değişmektedir.</a:t>
+              <a:t>Bekleme süreleri process’lerin kuyruğa geliş sırasına göre çok değişmektedir.</a:t>
             </a:r>
           </a:p>
           <a:p>
@@ -10126,15 +9801,7 @@
           <a:p>
             <a:r>
               <a:rPr lang="tr-TR" dirty="0"/>
-              <a:t>Planlama (</a:t>
-            </a:r>
-            <a:r>
-              <a:rPr lang="tr-TR" dirty="0" err="1"/>
-              <a:t>Scheduling</a:t>
-            </a:r>
-            <a:r>
-              <a:rPr lang="tr-TR" dirty="0"/>
-              <a:t>)</a:t>
+              <a:t>Planlama (Scheduling)</a:t>
             </a:r>
             <a:r>
               <a:rPr lang="tr-TR" sz="1800" b="0" i="0" u="none" strike="noStrike" baseline="0" dirty="0">
@@ -10216,19 +9883,8 @@
                 <a:latin typeface="Calibri" panose="020F0502020204030204" pitchFamily="34" charset="0"/>
                 <a:cs typeface="Calibri" panose="020F0502020204030204" pitchFamily="34" charset="0"/>
               </a:rPr>
-              <a:t> </a:t>
-            </a:r>
-            <a:r>
-              <a:rPr lang="tr-TR" sz="1800" dirty="0" err="1">
-                <a:latin typeface="Calibri" panose="020F0502020204030204" pitchFamily="34" charset="0"/>
-                <a:cs typeface="Calibri" panose="020F0502020204030204" pitchFamily="34" charset="0"/>
-              </a:rPr>
-              <a:t>Scheduling</a:t>
-            </a:r>
-            <a:endParaRPr lang="tr-TR" sz="1800" dirty="0">
-              <a:latin typeface="Calibri" panose="020F0502020204030204" pitchFamily="34" charset="0"/>
-              <a:cs typeface="Calibri" panose="020F0502020204030204" pitchFamily="34" charset="0"/>
-            </a:endParaRPr>
+              <a:t> Scheduling</a:t>
+            </a:r>
           </a:p>
           <a:p>
             <a:pPr algn="just"/>
@@ -10237,21 +9893,7 @@
                 <a:latin typeface="Calibri" panose="020F0502020204030204" pitchFamily="34" charset="0"/>
                 <a:cs typeface="Calibri" panose="020F0502020204030204" pitchFamily="34" charset="0"/>
               </a:rPr>
-              <a:t>Aşağıdaki 3 </a:t>
-            </a:r>
-            <a:r>
-              <a:rPr lang="tr-TR" sz="1800" dirty="0" err="1">
-                <a:latin typeface="Calibri" panose="020F0502020204030204" pitchFamily="34" charset="0"/>
-                <a:cs typeface="Calibri" panose="020F0502020204030204" pitchFamily="34" charset="0"/>
-              </a:rPr>
-              <a:t>process</a:t>
-            </a:r>
-            <a:r>
-              <a:rPr lang="tr-TR" sz="1800" dirty="0">
-                <a:latin typeface="Calibri" panose="020F0502020204030204" pitchFamily="34" charset="0"/>
-                <a:cs typeface="Calibri" panose="020F0502020204030204" pitchFamily="34" charset="0"/>
-              </a:rPr>
-              <a:t> için CPU’da çalışma süreleri </a:t>
+              <a:t>Aşağıdaki 3 process için CPU’da çalışma süreleri </a:t>
             </a:r>
             <a:r>
               <a:rPr lang="tr-TR" sz="1800" dirty="0" err="1">
@@ -10292,18 +9934,11 @@
           <a:p>
             <a:pPr algn="just"/>
             <a:r>
-              <a:rPr lang="tr-TR" sz="1800" dirty="0" err="1">
-                <a:latin typeface="Calibri" panose="020F0502020204030204" pitchFamily="34" charset="0"/>
-                <a:cs typeface="Calibri" panose="020F0502020204030204" pitchFamily="34" charset="0"/>
-              </a:rPr>
-              <a:t>Process’ler</a:t>
-            </a:r>
-            <a:r>
               <a:rPr lang="tr-TR" sz="1800" dirty="0">
                 <a:latin typeface="Calibri" panose="020F0502020204030204" pitchFamily="34" charset="0"/>
                 <a:cs typeface="Calibri" panose="020F0502020204030204" pitchFamily="34" charset="0"/>
               </a:rPr>
-              <a:t> P1, P2, P3 sırasıyla gelirse </a:t>
+              <a:t>Process’ler P1, P2, P3 sırasıyla gelirse </a:t>
             </a:r>
             <a:r>
               <a:rPr lang="tr-TR" sz="1800" dirty="0" err="1">
@@ -10330,110 +9965,92 @@
           <a:p>
             <a:pPr algn="just"/>
             <a:r>
-              <a:rPr lang="tr-TR" sz="1800" dirty="0" smtClean="0">
+              <a:rPr lang="tr-TR" sz="1800" dirty="0">
+                <a:latin typeface="Calibri" panose="020F0502020204030204" pitchFamily="34" charset="0"/>
+                <a:cs typeface="Calibri" panose="020F0502020204030204" pitchFamily="34" charset="0"/>
+              </a:rPr>
+              <a:t>Ortalama bekleme süresi (0+ 24 + 27) / 3 = 17 </a:t>
+            </a:r>
+            <a:r>
+              <a:rPr lang="tr-TR" sz="1800" dirty="0" err="1">
+                <a:latin typeface="Calibri" panose="020F0502020204030204" pitchFamily="34" charset="0"/>
+                <a:cs typeface="Calibri" panose="020F0502020204030204" pitchFamily="34" charset="0"/>
+              </a:rPr>
+              <a:t>ms</a:t>
+            </a:r>
+            <a:r>
+              <a:rPr lang="tr-TR" sz="1800" dirty="0">
+                <a:latin typeface="Calibri" panose="020F0502020204030204" pitchFamily="34" charset="0"/>
+                <a:cs typeface="Calibri" panose="020F0502020204030204" pitchFamily="34" charset="0"/>
+              </a:rPr>
+              <a:t> olur. (</a:t>
+            </a:r>
+            <a:r>
+              <a:rPr lang="tr-TR" sz="1800" dirty="0" err="1">
+                <a:latin typeface="Calibri" panose="020F0502020204030204" pitchFamily="34" charset="0"/>
+                <a:cs typeface="Calibri" panose="020F0502020204030204" pitchFamily="34" charset="0"/>
+              </a:rPr>
+              <a:t>waiting</a:t>
+            </a:r>
+            <a:r>
+              <a:rPr lang="tr-TR" sz="1800" dirty="0">
+                <a:latin typeface="Calibri" panose="020F0502020204030204" pitchFamily="34" charset="0"/>
+                <a:cs typeface="Calibri" panose="020F0502020204030204" pitchFamily="34" charset="0"/>
+              </a:rPr>
+              <a:t> time)</a:t>
+            </a:r>
+          </a:p>
+          <a:p>
+            <a:pPr algn="just"/>
+            <a:r>
+              <a:rPr lang="tr-TR" sz="1800" dirty="0">
                 <a:latin typeface="Calibri" panose="020F0502020204030204" pitchFamily="34" charset="0"/>
                 <a:cs typeface="Calibri" panose="020F0502020204030204" pitchFamily="34" charset="0"/>
               </a:rPr>
               <a:t>Ortalama </a:t>
             </a:r>
             <a:r>
+              <a:rPr lang="tr-TR" sz="1800" dirty="0" err="1">
+                <a:latin typeface="Calibri" panose="020F0502020204030204" pitchFamily="34" charset="0"/>
+                <a:cs typeface="Calibri" panose="020F0502020204030204" pitchFamily="34" charset="0"/>
+              </a:rPr>
+              <a:t>turnaround</a:t>
+            </a:r>
+            <a:r>
               <a:rPr lang="tr-TR" sz="1800" dirty="0">
                 <a:latin typeface="Calibri" panose="020F0502020204030204" pitchFamily="34" charset="0"/>
                 <a:cs typeface="Calibri" panose="020F0502020204030204" pitchFamily="34" charset="0"/>
               </a:rPr>
-              <a:t>bekleme süresi (0+ 24 + 27) / 3 = 17 </a:t>
+              <a:t> time (</a:t>
             </a:r>
             <a:r>
               <a:rPr lang="tr-TR" sz="1800" dirty="0" err="1">
                 <a:latin typeface="Calibri" panose="020F0502020204030204" pitchFamily="34" charset="0"/>
                 <a:cs typeface="Calibri" panose="020F0502020204030204" pitchFamily="34" charset="0"/>
               </a:rPr>
-              <a:t>ms</a:t>
+              <a:t>waiting</a:t>
             </a:r>
             <a:r>
               <a:rPr lang="tr-TR" sz="1800" dirty="0">
                 <a:latin typeface="Calibri" panose="020F0502020204030204" pitchFamily="34" charset="0"/>
                 <a:cs typeface="Calibri" panose="020F0502020204030204" pitchFamily="34" charset="0"/>
               </a:rPr>
-              <a:t> olur</a:t>
-            </a:r>
-            <a:r>
-              <a:rPr lang="tr-TR" sz="1800" dirty="0" smtClean="0">
-                <a:latin typeface="Calibri" panose="020F0502020204030204" pitchFamily="34" charset="0"/>
-                <a:cs typeface="Calibri" panose="020F0502020204030204" pitchFamily="34" charset="0"/>
-              </a:rPr>
-              <a:t>. (</a:t>
-            </a:r>
-            <a:r>
-              <a:rPr lang="tr-TR" sz="1800" dirty="0" err="1" smtClean="0">
-                <a:latin typeface="Calibri" panose="020F0502020204030204" pitchFamily="34" charset="0"/>
-                <a:cs typeface="Calibri" panose="020F0502020204030204" pitchFamily="34" charset="0"/>
-              </a:rPr>
-              <a:t>waiting</a:t>
-            </a:r>
-            <a:r>
-              <a:rPr lang="tr-TR" sz="1800" dirty="0" smtClean="0">
-                <a:latin typeface="Calibri" panose="020F0502020204030204" pitchFamily="34" charset="0"/>
-                <a:cs typeface="Calibri" panose="020F0502020204030204" pitchFamily="34" charset="0"/>
-              </a:rPr>
-              <a:t> time)</a:t>
-            </a:r>
-          </a:p>
-          <a:p>
-            <a:pPr algn="just"/>
-            <a:r>
-              <a:rPr lang="tr-TR" sz="1800" dirty="0" smtClean="0">
-                <a:latin typeface="Calibri" panose="020F0502020204030204" pitchFamily="34" charset="0"/>
-                <a:cs typeface="Calibri" panose="020F0502020204030204" pitchFamily="34" charset="0"/>
-              </a:rPr>
-              <a:t>Ortalama </a:t>
-            </a:r>
-            <a:r>
-              <a:rPr lang="tr-TR" sz="1800" dirty="0" err="1" smtClean="0">
-                <a:latin typeface="Calibri" panose="020F0502020204030204" pitchFamily="34" charset="0"/>
-                <a:cs typeface="Calibri" panose="020F0502020204030204" pitchFamily="34" charset="0"/>
-              </a:rPr>
-              <a:t>turnaround</a:t>
-            </a:r>
-            <a:r>
-              <a:rPr lang="tr-TR" sz="1800" dirty="0" smtClean="0">
-                <a:latin typeface="Calibri" panose="020F0502020204030204" pitchFamily="34" charset="0"/>
-                <a:cs typeface="Calibri" panose="020F0502020204030204" pitchFamily="34" charset="0"/>
-              </a:rPr>
-              <a:t> time (</a:t>
-            </a:r>
-            <a:r>
-              <a:rPr lang="tr-TR" sz="1800" dirty="0" err="1" smtClean="0">
-                <a:latin typeface="Calibri" panose="020F0502020204030204" pitchFamily="34" charset="0"/>
-                <a:cs typeface="Calibri" panose="020F0502020204030204" pitchFamily="34" charset="0"/>
-              </a:rPr>
-              <a:t>waiting</a:t>
-            </a:r>
-            <a:r>
-              <a:rPr lang="tr-TR" sz="1800" dirty="0" smtClean="0">
-                <a:latin typeface="Calibri" panose="020F0502020204030204" pitchFamily="34" charset="0"/>
-                <a:cs typeface="Calibri" panose="020F0502020204030204" pitchFamily="34" charset="0"/>
-              </a:rPr>
               <a:t> </a:t>
             </a:r>
             <a:r>
-              <a:rPr lang="tr-TR" sz="1800" dirty="0" err="1" smtClean="0">
+              <a:rPr lang="tr-TR" sz="1800" dirty="0" err="1">
                 <a:latin typeface="Calibri" panose="020F0502020204030204" pitchFamily="34" charset="0"/>
                 <a:cs typeface="Calibri" panose="020F0502020204030204" pitchFamily="34" charset="0"/>
               </a:rPr>
               <a:t>time+burst</a:t>
             </a:r>
             <a:r>
-              <a:rPr lang="tr-TR" sz="1800" dirty="0" smtClean="0">
+              <a:rPr lang="tr-TR" sz="1800" dirty="0">
                 <a:latin typeface="Calibri" panose="020F0502020204030204" pitchFamily="34" charset="0"/>
                 <a:cs typeface="Calibri" panose="020F0502020204030204" pitchFamily="34" charset="0"/>
               </a:rPr>
               <a:t> time)/proses sayısı: (51+30)/3=27ms</a:t>
             </a:r>
-            <a:endParaRPr lang="tr-TR" sz="1800" dirty="0">
-              <a:latin typeface="Calibri" panose="020F0502020204030204" pitchFamily="34" charset="0"/>
-              <a:cs typeface="Calibri" panose="020F0502020204030204" pitchFamily="34" charset="0"/>
-            </a:endParaRPr>
           </a:p>
           <a:p>
             <a:pPr algn="just"/>
@@ -10469,73 +10086,59 @@
           <a:p>
             <a:pPr algn="just"/>
             <a:r>
-              <a:rPr lang="tr-TR" sz="1800" dirty="0" smtClean="0">
+              <a:rPr lang="tr-TR" sz="1800" dirty="0">
+                <a:latin typeface="Calibri" panose="020F0502020204030204" pitchFamily="34" charset="0"/>
+                <a:cs typeface="Calibri" panose="020F0502020204030204" pitchFamily="34" charset="0"/>
+              </a:rPr>
+              <a:t>Ortalama bekleme süresi (0+ 3 + 6) / 3 = 3 </a:t>
+            </a:r>
+            <a:r>
+              <a:rPr lang="tr-TR" sz="1800" dirty="0" err="1">
+                <a:latin typeface="Calibri" panose="020F0502020204030204" pitchFamily="34" charset="0"/>
+                <a:cs typeface="Calibri" panose="020F0502020204030204" pitchFamily="34" charset="0"/>
+              </a:rPr>
+              <a:t>ms</a:t>
+            </a:r>
+            <a:r>
+              <a:rPr lang="tr-TR" sz="1800" dirty="0">
+                <a:latin typeface="Calibri" panose="020F0502020204030204" pitchFamily="34" charset="0"/>
+                <a:cs typeface="Calibri" panose="020F0502020204030204" pitchFamily="34" charset="0"/>
+              </a:rPr>
+              <a:t> olur.</a:t>
+            </a:r>
+          </a:p>
+          <a:p>
+            <a:pPr algn="just"/>
+            <a:r>
+              <a:rPr lang="tr-TR" sz="1800" dirty="0">
                 <a:latin typeface="Calibri" panose="020F0502020204030204" pitchFamily="34" charset="0"/>
                 <a:cs typeface="Calibri" panose="020F0502020204030204" pitchFamily="34" charset="0"/>
               </a:rPr>
               <a:t>Ortalama </a:t>
             </a:r>
             <a:r>
+              <a:rPr lang="tr-TR" sz="1800" dirty="0" err="1">
+                <a:latin typeface="Calibri" panose="020F0502020204030204" pitchFamily="34" charset="0"/>
+                <a:cs typeface="Calibri" panose="020F0502020204030204" pitchFamily="34" charset="0"/>
+              </a:rPr>
+              <a:t>turnaround</a:t>
+            </a:r>
+            <a:r>
               <a:rPr lang="tr-TR" sz="1800" dirty="0">
                 <a:latin typeface="Calibri" panose="020F0502020204030204" pitchFamily="34" charset="0"/>
                 <a:cs typeface="Calibri" panose="020F0502020204030204" pitchFamily="34" charset="0"/>
               </a:rPr>
-              <a:t>bekleme süresi (0+ 3 + 6) / 3 = 3 </a:t>
-            </a:r>
-            <a:r>
-              <a:rPr lang="tr-TR" sz="1800" dirty="0" err="1">
-                <a:latin typeface="Calibri" panose="020F0502020204030204" pitchFamily="34" charset="0"/>
-                <a:cs typeface="Calibri" panose="020F0502020204030204" pitchFamily="34" charset="0"/>
-              </a:rPr>
-              <a:t>ms</a:t>
-            </a:r>
-            <a:r>
-              <a:rPr lang="tr-TR" sz="1800" dirty="0">
-                <a:latin typeface="Calibri" panose="020F0502020204030204" pitchFamily="34" charset="0"/>
-                <a:cs typeface="Calibri" panose="020F0502020204030204" pitchFamily="34" charset="0"/>
-              </a:rPr>
-              <a:t> olur.</a:t>
-            </a:r>
-          </a:p>
-          <a:p>
-            <a:pPr algn="just"/>
-            <a:r>
-              <a:rPr lang="tr-TR" sz="1800" dirty="0">
-                <a:latin typeface="Calibri" panose="020F0502020204030204" pitchFamily="34" charset="0"/>
-                <a:cs typeface="Calibri" panose="020F0502020204030204" pitchFamily="34" charset="0"/>
-              </a:rPr>
-              <a:t>Ortalama </a:t>
-            </a:r>
-            <a:r>
-              <a:rPr lang="tr-TR" sz="1800" dirty="0" err="1">
-                <a:latin typeface="Calibri" panose="020F0502020204030204" pitchFamily="34" charset="0"/>
-                <a:cs typeface="Calibri" panose="020F0502020204030204" pitchFamily="34" charset="0"/>
-              </a:rPr>
-              <a:t>turnaround</a:t>
-            </a:r>
-            <a:r>
-              <a:rPr lang="tr-TR" sz="1800" dirty="0">
-                <a:latin typeface="Calibri" panose="020F0502020204030204" pitchFamily="34" charset="0"/>
-                <a:cs typeface="Calibri" panose="020F0502020204030204" pitchFamily="34" charset="0"/>
-              </a:rPr>
-              <a:t> </a:t>
-            </a:r>
-            <a:r>
-              <a:rPr lang="tr-TR" sz="1800" dirty="0" smtClean="0">
-                <a:latin typeface="Calibri" panose="020F0502020204030204" pitchFamily="34" charset="0"/>
-                <a:cs typeface="Calibri" panose="020F0502020204030204" pitchFamily="34" charset="0"/>
-              </a:rPr>
-              <a:t>time</a:t>
-            </a:r>
-            <a:r>
-              <a:rPr lang="en-US" sz="1800" dirty="0" smtClean="0">
+              <a:t> time</a:t>
+            </a:r>
+            <a:r>
+              <a:rPr lang="en-US" sz="1800" dirty="0">
                 <a:latin typeface="Calibri" panose="020F0502020204030204" pitchFamily="34" charset="0"/>
                 <a:cs typeface="Calibri" panose="020F0502020204030204" pitchFamily="34" charset="0"/>
               </a:rPr>
               <a:t> (30+9)/3=13 </a:t>
             </a:r>
             <a:r>
-              <a:rPr lang="en-US" sz="1800" dirty="0" err="1" smtClean="0">
+              <a:rPr lang="en-US" sz="1800" dirty="0" err="1">
                 <a:latin typeface="Calibri" panose="020F0502020204030204" pitchFamily="34" charset="0"/>
                 <a:cs typeface="Calibri" panose="020F0502020204030204" pitchFamily="34" charset="0"/>
               </a:rPr>
@@ -10708,15 +10311,7 @@
           <a:p>
             <a:r>
               <a:rPr lang="tr-TR" dirty="0"/>
-              <a:t>Planlama (</a:t>
-            </a:r>
-            <a:r>
-              <a:rPr lang="tr-TR" dirty="0" err="1"/>
-              <a:t>Scheduling</a:t>
-            </a:r>
-            <a:r>
-              <a:rPr lang="tr-TR" dirty="0"/>
-              <a:t>)</a:t>
+              <a:t>Planlama (Scheduling)</a:t>
             </a:r>
             <a:r>
               <a:rPr lang="tr-TR" sz="1800" b="0" i="0" u="none" strike="noStrike" baseline="0" dirty="0">
@@ -10765,47 +10360,28 @@
                 <a:latin typeface="Calibri" panose="020F0502020204030204" pitchFamily="34" charset="0"/>
                 <a:cs typeface="Calibri" panose="020F0502020204030204" pitchFamily="34" charset="0"/>
               </a:rPr>
-              <a:t>First-</a:t>
-            </a:r>
-            <a:r>
-              <a:rPr lang="tr-TR" sz="2000" dirty="0" err="1">
-                <a:latin typeface="Calibri" panose="020F0502020204030204" pitchFamily="34" charset="0"/>
-                <a:cs typeface="Calibri" panose="020F0502020204030204" pitchFamily="34" charset="0"/>
-              </a:rPr>
-              <a:t>Come</a:t>
-            </a:r>
+              <a:t>First-Come, First-Served Scheduling</a:t>
+            </a:r>
+          </a:p>
+          <a:p>
+            <a:pPr algn="just"/>
             <a:r>
               <a:rPr lang="tr-TR" sz="2000" dirty="0">
                 <a:latin typeface="Calibri" panose="020F0502020204030204" pitchFamily="34" charset="0"/>
                 <a:cs typeface="Calibri" panose="020F0502020204030204" pitchFamily="34" charset="0"/>
               </a:rPr>
-              <a:t>, First-</a:t>
-            </a:r>
-            <a:r>
-              <a:rPr lang="tr-TR" sz="2000" dirty="0" err="1">
-                <a:latin typeface="Calibri" panose="020F0502020204030204" pitchFamily="34" charset="0"/>
-                <a:cs typeface="Calibri" panose="020F0502020204030204" pitchFamily="34" charset="0"/>
-              </a:rPr>
-              <a:t>Served</a:t>
-            </a:r>
+              <a:t>FCFS algoritmasında, process’lerin çalışma süreleri çok farklıysa ortalama bekleme süreleri çok değişken olur.</a:t>
+            </a:r>
+          </a:p>
+          <a:p>
+            <a:pPr algn="just"/>
             <a:r>
               <a:rPr lang="tr-TR" sz="2000" dirty="0">
                 <a:latin typeface="Calibri" panose="020F0502020204030204" pitchFamily="34" charset="0"/>
                 <a:cs typeface="Calibri" panose="020F0502020204030204" pitchFamily="34" charset="0"/>
               </a:rPr>
-              <a:t> </a:t>
-            </a:r>
-            <a:r>
-              <a:rPr lang="tr-TR" sz="2000" dirty="0" err="1">
-                <a:latin typeface="Calibri" panose="020F0502020204030204" pitchFamily="34" charset="0"/>
-                <a:cs typeface="Calibri" panose="020F0502020204030204" pitchFamily="34" charset="0"/>
-              </a:rPr>
-              <a:t>Scheduling</a:t>
-            </a:r>
-            <a:endParaRPr lang="tr-TR" sz="2000" dirty="0">
-              <a:latin typeface="Calibri" panose="020F0502020204030204" pitchFamily="34" charset="0"/>
-              <a:cs typeface="Calibri" panose="020F0502020204030204" pitchFamily="34" charset="0"/>
-            </a:endParaRPr>
+              <a:t>Bir CPU-bound process ile çok sayıda I/O bound process varsa, CPU-bound process CPU’da çalışırken tüm I/O bound process’ler hazır kuyruğunda bekler, I/O cihazları boş kalır.</a:t>
+            </a:r>
           </a:p>
           <a:p>
             <a:pPr algn="just"/>
@@ -10814,21 +10390,17 @@
                 <a:latin typeface="Calibri" panose="020F0502020204030204" pitchFamily="34" charset="0"/>
                 <a:cs typeface="Calibri" panose="020F0502020204030204" pitchFamily="34" charset="0"/>
               </a:rPr>
-              <a:t>FCFS algoritmasında, </a:t>
-            </a:r>
-            <a:r>
-              <a:rPr lang="tr-TR" sz="2000" dirty="0" err="1">
-                <a:latin typeface="Calibri" panose="020F0502020204030204" pitchFamily="34" charset="0"/>
-                <a:cs typeface="Calibri" panose="020F0502020204030204" pitchFamily="34" charset="0"/>
-              </a:rPr>
-              <a:t>process’lerin</a:t>
-            </a:r>
+              <a:t>Çok sayıda küçük process’in büyük bir process’in CPU’yu terketmesini beklemesine convoy effect denilmektedir.</a:t>
+            </a:r>
+          </a:p>
+          <a:p>
+            <a:pPr algn="just"/>
             <a:r>
               <a:rPr lang="tr-TR" sz="2000" dirty="0">
                 <a:latin typeface="Calibri" panose="020F0502020204030204" pitchFamily="34" charset="0"/>
                 <a:cs typeface="Calibri" panose="020F0502020204030204" pitchFamily="34" charset="0"/>
               </a:rPr>
-              <a:t> çalışma süreleri çok farklıysa ortalama bekleme süreleri çok değişken olur.</a:t>
+              <a:t>Bir process’e CPU tahsis edildiğinde sonlanana veya I/O isteği yapana kadar CPU’yu elinde tutar.</a:t>
             </a:r>
           </a:p>
           <a:p>
@@ -10838,247 +10410,7 @@
                 <a:latin typeface="Calibri" panose="020F0502020204030204" pitchFamily="34" charset="0"/>
                 <a:cs typeface="Calibri" panose="020F0502020204030204" pitchFamily="34" charset="0"/>
               </a:rPr>
-              <a:t>Bir CPU-</a:t>
-            </a:r>
-            <a:r>
-              <a:rPr lang="tr-TR" sz="2000" dirty="0" err="1">
-                <a:latin typeface="Calibri" panose="020F0502020204030204" pitchFamily="34" charset="0"/>
-                <a:cs typeface="Calibri" panose="020F0502020204030204" pitchFamily="34" charset="0"/>
-              </a:rPr>
-              <a:t>bound</a:t>
-            </a:r>
-            <a:r>
-              <a:rPr lang="tr-TR" sz="2000" dirty="0">
-                <a:latin typeface="Calibri" panose="020F0502020204030204" pitchFamily="34" charset="0"/>
-                <a:cs typeface="Calibri" panose="020F0502020204030204" pitchFamily="34" charset="0"/>
-              </a:rPr>
-              <a:t> </a:t>
-            </a:r>
-            <a:r>
-              <a:rPr lang="tr-TR" sz="2000" dirty="0" err="1">
-                <a:latin typeface="Calibri" panose="020F0502020204030204" pitchFamily="34" charset="0"/>
-                <a:cs typeface="Calibri" panose="020F0502020204030204" pitchFamily="34" charset="0"/>
-              </a:rPr>
-              <a:t>process</a:t>
-            </a:r>
-            <a:r>
-              <a:rPr lang="tr-TR" sz="2000" dirty="0">
-                <a:latin typeface="Calibri" panose="020F0502020204030204" pitchFamily="34" charset="0"/>
-                <a:cs typeface="Calibri" panose="020F0502020204030204" pitchFamily="34" charset="0"/>
-              </a:rPr>
-              <a:t> ile çok sayıda I/O </a:t>
-            </a:r>
-            <a:r>
-              <a:rPr lang="tr-TR" sz="2000" dirty="0" err="1">
-                <a:latin typeface="Calibri" panose="020F0502020204030204" pitchFamily="34" charset="0"/>
-                <a:cs typeface="Calibri" panose="020F0502020204030204" pitchFamily="34" charset="0"/>
-              </a:rPr>
-              <a:t>bound</a:t>
-            </a:r>
-            <a:r>
-              <a:rPr lang="tr-TR" sz="2000" dirty="0">
-                <a:latin typeface="Calibri" panose="020F0502020204030204" pitchFamily="34" charset="0"/>
-                <a:cs typeface="Calibri" panose="020F0502020204030204" pitchFamily="34" charset="0"/>
-              </a:rPr>
-              <a:t> </a:t>
-            </a:r>
-            <a:r>
-              <a:rPr lang="tr-TR" sz="2000" dirty="0" err="1">
-                <a:latin typeface="Calibri" panose="020F0502020204030204" pitchFamily="34" charset="0"/>
-                <a:cs typeface="Calibri" panose="020F0502020204030204" pitchFamily="34" charset="0"/>
-              </a:rPr>
-              <a:t>process</a:t>
-            </a:r>
-            <a:r>
-              <a:rPr lang="tr-TR" sz="2000" dirty="0">
-                <a:latin typeface="Calibri" panose="020F0502020204030204" pitchFamily="34" charset="0"/>
-                <a:cs typeface="Calibri" panose="020F0502020204030204" pitchFamily="34" charset="0"/>
-              </a:rPr>
-              <a:t> varsa, CPU-</a:t>
-            </a:r>
-            <a:r>
-              <a:rPr lang="tr-TR" sz="2000" dirty="0" err="1">
-                <a:latin typeface="Calibri" panose="020F0502020204030204" pitchFamily="34" charset="0"/>
-                <a:cs typeface="Calibri" panose="020F0502020204030204" pitchFamily="34" charset="0"/>
-              </a:rPr>
-              <a:t>bound</a:t>
-            </a:r>
-            <a:r>
-              <a:rPr lang="tr-TR" sz="2000" dirty="0">
-                <a:latin typeface="Calibri" panose="020F0502020204030204" pitchFamily="34" charset="0"/>
-                <a:cs typeface="Calibri" panose="020F0502020204030204" pitchFamily="34" charset="0"/>
-              </a:rPr>
-              <a:t> </a:t>
-            </a:r>
-            <a:r>
-              <a:rPr lang="tr-TR" sz="2000" dirty="0" err="1">
-                <a:latin typeface="Calibri" panose="020F0502020204030204" pitchFamily="34" charset="0"/>
-                <a:cs typeface="Calibri" panose="020F0502020204030204" pitchFamily="34" charset="0"/>
-              </a:rPr>
-              <a:t>process</a:t>
-            </a:r>
-            <a:r>
-              <a:rPr lang="tr-TR" sz="2000" dirty="0">
-                <a:latin typeface="Calibri" panose="020F0502020204030204" pitchFamily="34" charset="0"/>
-                <a:cs typeface="Calibri" panose="020F0502020204030204" pitchFamily="34" charset="0"/>
-              </a:rPr>
-              <a:t> CPU’da çalışırken tüm I/O </a:t>
-            </a:r>
-            <a:r>
-              <a:rPr lang="tr-TR" sz="2000" dirty="0" err="1">
-                <a:latin typeface="Calibri" panose="020F0502020204030204" pitchFamily="34" charset="0"/>
-                <a:cs typeface="Calibri" panose="020F0502020204030204" pitchFamily="34" charset="0"/>
-              </a:rPr>
-              <a:t>bound</a:t>
-            </a:r>
-            <a:r>
-              <a:rPr lang="tr-TR" sz="2000" dirty="0">
-                <a:latin typeface="Calibri" panose="020F0502020204030204" pitchFamily="34" charset="0"/>
-                <a:cs typeface="Calibri" panose="020F0502020204030204" pitchFamily="34" charset="0"/>
-              </a:rPr>
-              <a:t> </a:t>
-            </a:r>
-            <a:r>
-              <a:rPr lang="tr-TR" sz="2000" dirty="0" err="1">
-                <a:latin typeface="Calibri" panose="020F0502020204030204" pitchFamily="34" charset="0"/>
-                <a:cs typeface="Calibri" panose="020F0502020204030204" pitchFamily="34" charset="0"/>
-              </a:rPr>
-              <a:t>process’ler</a:t>
-            </a:r>
-            <a:r>
-              <a:rPr lang="tr-TR" sz="2000" dirty="0">
-                <a:latin typeface="Calibri" panose="020F0502020204030204" pitchFamily="34" charset="0"/>
-                <a:cs typeface="Calibri" panose="020F0502020204030204" pitchFamily="34" charset="0"/>
-              </a:rPr>
-              <a:t> hazır kuyruğunda bekler, I/O cihazları boş kalır.</a:t>
-            </a:r>
-          </a:p>
-          <a:p>
-            <a:pPr algn="just"/>
-            <a:r>
-              <a:rPr lang="tr-TR" sz="2000" dirty="0">
-                <a:latin typeface="Calibri" panose="020F0502020204030204" pitchFamily="34" charset="0"/>
-                <a:cs typeface="Calibri" panose="020F0502020204030204" pitchFamily="34" charset="0"/>
-              </a:rPr>
-              <a:t>Çok sayıda küçük </a:t>
-            </a:r>
-            <a:r>
-              <a:rPr lang="tr-TR" sz="2000" dirty="0" err="1">
-                <a:latin typeface="Calibri" panose="020F0502020204030204" pitchFamily="34" charset="0"/>
-                <a:cs typeface="Calibri" panose="020F0502020204030204" pitchFamily="34" charset="0"/>
-              </a:rPr>
-              <a:t>process’in</a:t>
-            </a:r>
-            <a:r>
-              <a:rPr lang="tr-TR" sz="2000" dirty="0">
-                <a:latin typeface="Calibri" panose="020F0502020204030204" pitchFamily="34" charset="0"/>
-                <a:cs typeface="Calibri" panose="020F0502020204030204" pitchFamily="34" charset="0"/>
-              </a:rPr>
-              <a:t> büyük bir </a:t>
-            </a:r>
-            <a:r>
-              <a:rPr lang="tr-TR" sz="2000" dirty="0" err="1">
-                <a:latin typeface="Calibri" panose="020F0502020204030204" pitchFamily="34" charset="0"/>
-                <a:cs typeface="Calibri" panose="020F0502020204030204" pitchFamily="34" charset="0"/>
-              </a:rPr>
-              <a:t>process’in</a:t>
-            </a:r>
-            <a:r>
-              <a:rPr lang="tr-TR" sz="2000" dirty="0">
-                <a:latin typeface="Calibri" panose="020F0502020204030204" pitchFamily="34" charset="0"/>
-                <a:cs typeface="Calibri" panose="020F0502020204030204" pitchFamily="34" charset="0"/>
-              </a:rPr>
-              <a:t> CPU’yu </a:t>
-            </a:r>
-            <a:r>
-              <a:rPr lang="tr-TR" sz="2000" dirty="0" err="1">
-                <a:latin typeface="Calibri" panose="020F0502020204030204" pitchFamily="34" charset="0"/>
-                <a:cs typeface="Calibri" panose="020F0502020204030204" pitchFamily="34" charset="0"/>
-              </a:rPr>
-              <a:t>terketmesini</a:t>
-            </a:r>
-            <a:r>
-              <a:rPr lang="tr-TR" sz="2000" dirty="0">
-                <a:latin typeface="Calibri" panose="020F0502020204030204" pitchFamily="34" charset="0"/>
-                <a:cs typeface="Calibri" panose="020F0502020204030204" pitchFamily="34" charset="0"/>
-              </a:rPr>
-              <a:t> beklemesine </a:t>
-            </a:r>
-            <a:r>
-              <a:rPr lang="tr-TR" sz="2000" dirty="0" err="1">
-                <a:latin typeface="Calibri" panose="020F0502020204030204" pitchFamily="34" charset="0"/>
-                <a:cs typeface="Calibri" panose="020F0502020204030204" pitchFamily="34" charset="0"/>
-              </a:rPr>
-              <a:t>convoy</a:t>
-            </a:r>
-            <a:r>
-              <a:rPr lang="tr-TR" sz="2000" dirty="0">
-                <a:latin typeface="Calibri" panose="020F0502020204030204" pitchFamily="34" charset="0"/>
-                <a:cs typeface="Calibri" panose="020F0502020204030204" pitchFamily="34" charset="0"/>
-              </a:rPr>
-              <a:t> </a:t>
-            </a:r>
-            <a:r>
-              <a:rPr lang="tr-TR" sz="2000" dirty="0" err="1">
-                <a:latin typeface="Calibri" panose="020F0502020204030204" pitchFamily="34" charset="0"/>
-                <a:cs typeface="Calibri" panose="020F0502020204030204" pitchFamily="34" charset="0"/>
-              </a:rPr>
-              <a:t>effect</a:t>
-            </a:r>
-            <a:r>
-              <a:rPr lang="tr-TR" sz="2000" dirty="0">
-                <a:latin typeface="Calibri" panose="020F0502020204030204" pitchFamily="34" charset="0"/>
-                <a:cs typeface="Calibri" panose="020F0502020204030204" pitchFamily="34" charset="0"/>
-              </a:rPr>
-              <a:t> denilmektedir.</a:t>
-            </a:r>
-          </a:p>
-          <a:p>
-            <a:pPr algn="just"/>
-            <a:r>
-              <a:rPr lang="tr-TR" sz="2000" dirty="0">
-                <a:latin typeface="Calibri" panose="020F0502020204030204" pitchFamily="34" charset="0"/>
-                <a:cs typeface="Calibri" panose="020F0502020204030204" pitchFamily="34" charset="0"/>
-              </a:rPr>
-              <a:t>Bir </a:t>
-            </a:r>
-            <a:r>
-              <a:rPr lang="tr-TR" sz="2000" dirty="0" err="1">
-                <a:latin typeface="Calibri" panose="020F0502020204030204" pitchFamily="34" charset="0"/>
-                <a:cs typeface="Calibri" panose="020F0502020204030204" pitchFamily="34" charset="0"/>
-              </a:rPr>
-              <a:t>process’e</a:t>
-            </a:r>
-            <a:r>
-              <a:rPr lang="tr-TR" sz="2000" dirty="0">
-                <a:latin typeface="Calibri" panose="020F0502020204030204" pitchFamily="34" charset="0"/>
-                <a:cs typeface="Calibri" panose="020F0502020204030204" pitchFamily="34" charset="0"/>
-              </a:rPr>
-              <a:t> CPU tahsis edildiğinde sonlanana veya I/O isteği yapana kadar CPU’yu elinde tutar.</a:t>
-            </a:r>
-          </a:p>
-          <a:p>
-            <a:pPr algn="just"/>
-            <a:r>
-              <a:rPr lang="tr-TR" sz="2000" dirty="0">
-                <a:latin typeface="Calibri" panose="020F0502020204030204" pitchFamily="34" charset="0"/>
-                <a:cs typeface="Calibri" panose="020F0502020204030204" pitchFamily="34" charset="0"/>
-              </a:rPr>
-              <a:t>FCFS algoritması belirli zaman aralıklarıyla CPU’yu paylaşan time-</a:t>
-            </a:r>
-            <a:r>
-              <a:rPr lang="tr-TR" sz="2000" dirty="0" err="1">
-                <a:latin typeface="Calibri" panose="020F0502020204030204" pitchFamily="34" charset="0"/>
-                <a:cs typeface="Calibri" panose="020F0502020204030204" pitchFamily="34" charset="0"/>
-              </a:rPr>
-              <a:t>sharing</a:t>
-            </a:r>
-            <a:r>
-              <a:rPr lang="tr-TR" sz="2000" dirty="0">
-                <a:latin typeface="Calibri" panose="020F0502020204030204" pitchFamily="34" charset="0"/>
-                <a:cs typeface="Calibri" panose="020F0502020204030204" pitchFamily="34" charset="0"/>
-              </a:rPr>
-              <a:t> sistemler için uygun değildir.</a:t>
+              <a:t>FCFS algoritması belirli zaman aralıklarıyla CPU’yu paylaşan time-sharing sistemler için uygun değildir.</a:t>
             </a:r>
           </a:p>
           <a:p>
@@ -11140,15 +10472,7 @@
           <a:p>
             <a:r>
               <a:rPr lang="tr-TR" dirty="0"/>
-              <a:t>Planlama (</a:t>
-            </a:r>
-            <a:r>
-              <a:rPr lang="tr-TR" dirty="0" err="1"/>
-              <a:t>Scheduling</a:t>
-            </a:r>
-            <a:r>
-              <a:rPr lang="tr-TR" dirty="0"/>
-              <a:t>)</a:t>
+              <a:t>Planlama (Scheduling)</a:t>
             </a:r>
             <a:r>
               <a:rPr lang="tr-TR" sz="1800" b="0" i="0" u="none" strike="noStrike" baseline="0" dirty="0">
@@ -11198,10 +10522,34 @@
               <a:buNone/>
             </a:pPr>
             <a:r>
+              <a:rPr lang="tr-TR" sz="2900" dirty="0">
+                <a:latin typeface="Calibri" panose="020F0502020204030204" pitchFamily="34" charset="0"/>
+                <a:cs typeface="Calibri" panose="020F0502020204030204" pitchFamily="34" charset="0"/>
+              </a:rPr>
+              <a:t>Shortest-</a:t>
+            </a:r>
+            <a:r>
               <a:rPr lang="tr-TR" sz="2900" dirty="0" err="1">
                 <a:latin typeface="Calibri" panose="020F0502020204030204" pitchFamily="34" charset="0"/>
                 <a:cs typeface="Calibri" panose="020F0502020204030204" pitchFamily="34" charset="0"/>
               </a:rPr>
+              <a:t>Job</a:t>
+            </a:r>
+            <a:r>
+              <a:rPr lang="tr-TR" sz="2900" dirty="0">
+                <a:latin typeface="Calibri" panose="020F0502020204030204" pitchFamily="34" charset="0"/>
+                <a:cs typeface="Calibri" panose="020F0502020204030204" pitchFamily="34" charset="0"/>
+              </a:rPr>
+              <a:t>-First Scheduling</a:t>
+            </a:r>
+          </a:p>
+          <a:p>
+            <a:pPr algn="just"/>
+            <a:r>
+              <a:rPr lang="tr-TR" sz="2900" dirty="0" err="1">
+                <a:latin typeface="Calibri" panose="020F0502020204030204" pitchFamily="34" charset="0"/>
+                <a:cs typeface="Calibri" panose="020F0502020204030204" pitchFamily="34" charset="0"/>
+              </a:rPr>
               <a:t>Shortest</a:t>
             </a:r>
             <a:r>
@@ -11223,119 +10571,49 @@
                 <a:latin typeface="Calibri" panose="020F0502020204030204" pitchFamily="34" charset="0"/>
                 <a:cs typeface="Calibri" panose="020F0502020204030204" pitchFamily="34" charset="0"/>
               </a:rPr>
-              <a:t>-First </a:t>
+              <a:t>-First Scheduling (SJF) algoritmasında, CPU’ya bir sonraki işlem süresi en kısa olan (</a:t>
             </a:r>
             <a:r>
               <a:rPr lang="tr-TR" sz="2900" dirty="0" err="1">
                 <a:latin typeface="Calibri" panose="020F0502020204030204" pitchFamily="34" charset="0"/>
                 <a:cs typeface="Calibri" panose="020F0502020204030204" pitchFamily="34" charset="0"/>
               </a:rPr>
-              <a:t>Scheduling</a:t>
-            </a:r>
-            <a:endParaRPr lang="tr-TR" sz="2900" dirty="0">
-              <a:latin typeface="Calibri" panose="020F0502020204030204" pitchFamily="34" charset="0"/>
-              <a:cs typeface="Calibri" panose="020F0502020204030204" pitchFamily="34" charset="0"/>
-            </a:endParaRPr>
-          </a:p>
-          <a:p>
-            <a:pPr algn="just"/>
+              <a:t>shortest</a:t>
+            </a:r>
+            <a:r>
+              <a:rPr lang="tr-TR" sz="2900" dirty="0">
+                <a:latin typeface="Calibri" panose="020F0502020204030204" pitchFamily="34" charset="0"/>
+                <a:cs typeface="Calibri" panose="020F0502020204030204" pitchFamily="34" charset="0"/>
+              </a:rPr>
+              <a:t>-</a:t>
+            </a:r>
             <a:r>
               <a:rPr lang="tr-TR" sz="2900" dirty="0" err="1">
                 <a:latin typeface="Calibri" panose="020F0502020204030204" pitchFamily="34" charset="0"/>
                 <a:cs typeface="Calibri" panose="020F0502020204030204" pitchFamily="34" charset="0"/>
               </a:rPr>
-              <a:t>Shortest</a:t>
+              <a:t>next</a:t>
             </a:r>
             <a:r>
               <a:rPr lang="tr-TR" sz="2900" dirty="0">
                 <a:latin typeface="Calibri" panose="020F0502020204030204" pitchFamily="34" charset="0"/>
                 <a:cs typeface="Calibri" panose="020F0502020204030204" pitchFamily="34" charset="0"/>
               </a:rPr>
-              <a:t>-</a:t>
+              <a:t>-CPU-</a:t>
             </a:r>
             <a:r>
               <a:rPr lang="tr-TR" sz="2900" dirty="0" err="1">
                 <a:latin typeface="Calibri" panose="020F0502020204030204" pitchFamily="34" charset="0"/>
                 <a:cs typeface="Calibri" panose="020F0502020204030204" pitchFamily="34" charset="0"/>
               </a:rPr>
-              <a:t>Job</a:t>
+              <a:t>burst</a:t>
             </a:r>
             <a:r>
               <a:rPr lang="tr-TR" sz="2900" dirty="0">
                 <a:latin typeface="Calibri" panose="020F0502020204030204" pitchFamily="34" charset="0"/>
                 <a:cs typeface="Calibri" panose="020F0502020204030204" pitchFamily="34" charset="0"/>
               </a:rPr>
-              <a:t>-First </a:t>
-            </a:r>
-            <a:r>
-              <a:rPr lang="tr-TR" sz="2900" dirty="0" err="1">
-                <a:latin typeface="Calibri" panose="020F0502020204030204" pitchFamily="34" charset="0"/>
-                <a:cs typeface="Calibri" panose="020F0502020204030204" pitchFamily="34" charset="0"/>
-              </a:rPr>
-              <a:t>Scheduling</a:t>
-            </a:r>
-            <a:r>
-              <a:rPr lang="tr-TR" sz="2900" dirty="0">
-                <a:latin typeface="Calibri" panose="020F0502020204030204" pitchFamily="34" charset="0"/>
-                <a:cs typeface="Calibri" panose="020F0502020204030204" pitchFamily="34" charset="0"/>
-              </a:rPr>
-              <a:t> (SJF) algoritmasında, CPU’ya bir sonraki işlem süresi en kısa olan (</a:t>
-            </a:r>
-            <a:r>
-              <a:rPr lang="tr-TR" sz="2900" dirty="0" err="1">
-                <a:latin typeface="Calibri" panose="020F0502020204030204" pitchFamily="34" charset="0"/>
-                <a:cs typeface="Calibri" panose="020F0502020204030204" pitchFamily="34" charset="0"/>
-              </a:rPr>
-              <a:t>shortest</a:t>
-            </a:r>
-            <a:r>
-              <a:rPr lang="tr-TR" sz="2900" dirty="0">
-                <a:latin typeface="Calibri" panose="020F0502020204030204" pitchFamily="34" charset="0"/>
-                <a:cs typeface="Calibri" panose="020F0502020204030204" pitchFamily="34" charset="0"/>
-              </a:rPr>
-              <a:t>-</a:t>
-            </a:r>
-            <a:r>
-              <a:rPr lang="tr-TR" sz="2900" dirty="0" err="1">
-                <a:latin typeface="Calibri" panose="020F0502020204030204" pitchFamily="34" charset="0"/>
-                <a:cs typeface="Calibri" panose="020F0502020204030204" pitchFamily="34" charset="0"/>
-              </a:rPr>
-              <a:t>next</a:t>
-            </a:r>
-            <a:r>
-              <a:rPr lang="tr-TR" sz="2900" dirty="0">
-                <a:latin typeface="Calibri" panose="020F0502020204030204" pitchFamily="34" charset="0"/>
-                <a:cs typeface="Calibri" panose="020F0502020204030204" pitchFamily="34" charset="0"/>
-              </a:rPr>
-              <a:t>-CPU-</a:t>
-            </a:r>
-            <a:r>
-              <a:rPr lang="tr-TR" sz="2900" dirty="0" err="1">
-                <a:latin typeface="Calibri" panose="020F0502020204030204" pitchFamily="34" charset="0"/>
-                <a:cs typeface="Calibri" panose="020F0502020204030204" pitchFamily="34" charset="0"/>
-              </a:rPr>
-              <a:t>burst</a:t>
-            </a:r>
-            <a:r>
-              <a:rPr lang="tr-TR" sz="2900" dirty="0">
-                <a:latin typeface="Calibri" panose="020F0502020204030204" pitchFamily="34" charset="0"/>
-                <a:cs typeface="Calibri" panose="020F0502020204030204" pitchFamily="34" charset="0"/>
-              </a:rPr>
-              <a:t>) </a:t>
-            </a:r>
-            <a:r>
-              <a:rPr lang="tr-TR" sz="2900" dirty="0" err="1">
-                <a:latin typeface="Calibri" panose="020F0502020204030204" pitchFamily="34" charset="0"/>
-                <a:cs typeface="Calibri" panose="020F0502020204030204" pitchFamily="34" charset="0"/>
-              </a:rPr>
-              <a:t>process</a:t>
-            </a:r>
-            <a:r>
-              <a:rPr lang="tr-TR" sz="2900" dirty="0">
-                <a:latin typeface="Calibri" panose="020F0502020204030204" pitchFamily="34" charset="0"/>
-                <a:cs typeface="Calibri" panose="020F0502020204030204" pitchFamily="34" charset="0"/>
-              </a:rPr>
-              <a:t> atanır.</a:t>
+              <a:t>) process atanır.</a:t>
             </a:r>
           </a:p>
           <a:p>
@@ -11401,24 +10679,17 @@
                 <a:latin typeface="Calibri" panose="020F0502020204030204" pitchFamily="34" charset="0"/>
                 <a:cs typeface="Calibri" panose="020F0502020204030204" pitchFamily="34" charset="0"/>
               </a:rPr>
-              <a:t>. </a:t>
-            </a:r>
-            <a:r>
-              <a:rPr lang="tr-TR" sz="2900" dirty="0" smtClean="0">
-                <a:latin typeface="Calibri" panose="020F0502020204030204" pitchFamily="34" charset="0"/>
-                <a:cs typeface="Calibri" panose="020F0502020204030204" pitchFamily="34" charset="0"/>
-              </a:rPr>
-              <a:t> (</a:t>
-            </a:r>
-            <a:r>
-              <a:rPr lang="tr-TR" sz="2900" dirty="0" err="1" smtClean="0">
+              <a:t>.  (</a:t>
+            </a:r>
+            <a:r>
+              <a:rPr lang="tr-TR" sz="2900" dirty="0" err="1">
                 <a:latin typeface="Calibri" panose="020F0502020204030204" pitchFamily="34" charset="0"/>
                 <a:cs typeface="Calibri" panose="020F0502020204030204" pitchFamily="34" charset="0"/>
               </a:rPr>
               <a:t>waiting</a:t>
             </a:r>
             <a:r>
-              <a:rPr lang="tr-TR" sz="2900" dirty="0" smtClean="0">
+              <a:rPr lang="tr-TR" sz="2900" dirty="0">
                 <a:latin typeface="Calibri" panose="020F0502020204030204" pitchFamily="34" charset="0"/>
                 <a:cs typeface="Calibri" panose="020F0502020204030204" pitchFamily="34" charset="0"/>
               </a:rPr>
@@ -11428,30 +10699,26 @@
           <a:p>
             <a:pPr algn="just"/>
             <a:r>
-              <a:rPr lang="tr-TR" sz="2900" dirty="0" smtClean="0">
+              <a:rPr lang="tr-TR" sz="2900" dirty="0">
                 <a:latin typeface="Calibri" panose="020F0502020204030204" pitchFamily="34" charset="0"/>
                 <a:cs typeface="Calibri" panose="020F0502020204030204" pitchFamily="34" charset="0"/>
               </a:rPr>
               <a:t>Ort. </a:t>
             </a:r>
             <a:r>
-              <a:rPr lang="tr-TR" sz="2900" dirty="0" err="1" smtClean="0">
+              <a:rPr lang="tr-TR" sz="2900" dirty="0" err="1">
                 <a:latin typeface="Calibri" panose="020F0502020204030204" pitchFamily="34" charset="0"/>
                 <a:cs typeface="Calibri" panose="020F0502020204030204" pitchFamily="34" charset="0"/>
               </a:rPr>
               <a:t>Turnaround</a:t>
             </a:r>
             <a:r>
-              <a:rPr lang="tr-TR" sz="2900" dirty="0" smtClean="0">
+              <a:rPr lang="tr-TR" sz="2900" dirty="0">
                 <a:latin typeface="Calibri" panose="020F0502020204030204" pitchFamily="34" charset="0"/>
                 <a:cs typeface="Calibri" panose="020F0502020204030204" pitchFamily="34" charset="0"/>
               </a:rPr>
               <a:t> time=(28+24)/4=13ms</a:t>
             </a:r>
-            <a:endParaRPr lang="tr-TR" sz="2900" dirty="0">
-              <a:latin typeface="Calibri" panose="020F0502020204030204" pitchFamily="34" charset="0"/>
-              <a:cs typeface="Calibri" panose="020F0502020204030204" pitchFamily="34" charset="0"/>
-            </a:endParaRPr>
           </a:p>
           <a:p>
             <a:pPr algn="just"/>
@@ -11559,46 +10826,6 @@
           </a:prstGeom>
         </p:spPr>
       </p:pic>
-      <p:sp>
-        <p:nvSpPr>
-          <p:cNvPr id="4" name="Dikdörtgen 3"/>
-          <p:cNvSpPr/>
-          <p:nvPr/>
-        </p:nvSpPr>
-        <p:spPr>
-          <a:xfrm>
-            <a:off x="2857499" y="5952392"/>
-            <a:ext cx="4202724" cy="272562"/>
-          </a:xfrm>
-          <a:prstGeom prst="rect">
-            <a:avLst/>
-          </a:prstGeom>
-        </p:spPr>
-        <p:style>
-          <a:lnRef idx="2">
-            <a:schemeClr val="accent1">
-              <a:shade val="50000"/>
-            </a:schemeClr>
-          </a:lnRef>
-          <a:fillRef idx="1">
-            <a:schemeClr val="accent1"/>
-          </a:fillRef>
-          <a:effectRef idx="0">
-            <a:schemeClr val="accent1"/>
-          </a:effectRef>
-          <a:fontRef idx="minor">
-            <a:schemeClr val="lt1"/>
-          </a:fontRef>
-        </p:style>
-        <p:txBody>
-          <a:bodyPr rtlCol="0" anchor="ctr"/>
-          <a:lstStyle/>
-          <a:p>
-            <a:pPr algn="ctr"/>
-            <a:endParaRPr lang="tr-TR"/>
-          </a:p>
-        </p:txBody>
-      </p:sp>
     </p:spTree>
     <p:extLst>
       <p:ext uri="{BB962C8B-B14F-4D97-AF65-F5344CB8AC3E}">
@@ -11652,15 +10879,7 @@
           <a:p>
             <a:r>
               <a:rPr lang="tr-TR" dirty="0"/>
-              <a:t>Planlama (</a:t>
-            </a:r>
-            <a:r>
-              <a:rPr lang="tr-TR" dirty="0" err="1"/>
-              <a:t>Scheduling</a:t>
-            </a:r>
-            <a:r>
-              <a:rPr lang="tr-TR" dirty="0"/>
-              <a:t>)</a:t>
+              <a:t>Planlama (Scheduling)</a:t>
             </a:r>
             <a:r>
               <a:rPr lang="tr-TR" sz="1800" b="0" i="0" u="none" strike="noStrike" baseline="0" dirty="0">
@@ -11730,19 +10949,70 @@
                 <a:latin typeface="Calibri" panose="020F0502020204030204" pitchFamily="34" charset="0"/>
                 <a:cs typeface="Calibri" panose="020F0502020204030204" pitchFamily="34" charset="0"/>
               </a:rPr>
-              <a:t>-First </a:t>
+              <a:t>-First Scheduling</a:t>
+            </a:r>
+          </a:p>
+          <a:p>
+            <a:pPr algn="just"/>
+            <a:r>
+              <a:rPr lang="tr-TR" sz="2200" dirty="0">
+                <a:latin typeface="Calibri" panose="020F0502020204030204" pitchFamily="34" charset="0"/>
+                <a:cs typeface="Calibri" panose="020F0502020204030204" pitchFamily="34" charset="0"/>
+              </a:rPr>
+              <a:t>SJF algoritmasındaki en büyük zorluk, sonraki çalışma süresini tahmin etmektir.</a:t>
+            </a:r>
+          </a:p>
+          <a:p>
+            <a:pPr algn="just"/>
+            <a:r>
+              <a:rPr lang="tr-TR" sz="2200" dirty="0">
+                <a:latin typeface="Calibri" panose="020F0502020204030204" pitchFamily="34" charset="0"/>
+                <a:cs typeface="Calibri" panose="020F0502020204030204" pitchFamily="34" charset="0"/>
+              </a:rPr>
+              <a:t>Long-</a:t>
             </a:r>
             <a:r>
               <a:rPr lang="tr-TR" sz="2200" dirty="0" err="1">
                 <a:latin typeface="Calibri" panose="020F0502020204030204" pitchFamily="34" charset="0"/>
                 <a:cs typeface="Calibri" panose="020F0502020204030204" pitchFamily="34" charset="0"/>
               </a:rPr>
-              <a:t>Scheduling</a:t>
-            </a:r>
-            <a:endParaRPr lang="tr-TR" sz="2200" dirty="0">
-              <a:latin typeface="Calibri" panose="020F0502020204030204" pitchFamily="34" charset="0"/>
-              <a:cs typeface="Calibri" panose="020F0502020204030204" pitchFamily="34" charset="0"/>
-            </a:endParaRPr>
+              <a:t>term</a:t>
+            </a:r>
+            <a:r>
+              <a:rPr lang="tr-TR" sz="2200" dirty="0">
+                <a:latin typeface="Calibri" panose="020F0502020204030204" pitchFamily="34" charset="0"/>
+                <a:cs typeface="Calibri" panose="020F0502020204030204" pitchFamily="34" charset="0"/>
+              </a:rPr>
+              <a:t> (</a:t>
+            </a:r>
+            <a:r>
+              <a:rPr lang="tr-TR" sz="2200" dirty="0" err="1">
+                <a:latin typeface="Calibri" panose="020F0502020204030204" pitchFamily="34" charset="0"/>
+                <a:cs typeface="Calibri" panose="020F0502020204030204" pitchFamily="34" charset="0"/>
+              </a:rPr>
+              <a:t>job</a:t>
+            </a:r>
+            <a:r>
+              <a:rPr lang="tr-TR" sz="2200" dirty="0">
+                <a:latin typeface="Calibri" panose="020F0502020204030204" pitchFamily="34" charset="0"/>
+                <a:cs typeface="Calibri" panose="020F0502020204030204" pitchFamily="34" charset="0"/>
+              </a:rPr>
+              <a:t>) </a:t>
+            </a:r>
+            <a:r>
+              <a:rPr lang="tr-TR" sz="2200" dirty="0" err="1">
+                <a:latin typeface="Calibri" panose="020F0502020204030204" pitchFamily="34" charset="0"/>
+                <a:cs typeface="Calibri" panose="020F0502020204030204" pitchFamily="34" charset="0"/>
+              </a:rPr>
+              <a:t>scheduling</a:t>
+            </a:r>
+            <a:r>
+              <a:rPr lang="tr-TR" sz="2200" dirty="0">
+                <a:latin typeface="Calibri" panose="020F0502020204030204" pitchFamily="34" charset="0"/>
+                <a:cs typeface="Calibri" panose="020F0502020204030204" pitchFamily="34" charset="0"/>
+              </a:rPr>
+              <a:t> için kullanıcının belirlediği süre alınabilir.</a:t>
+            </a:r>
           </a:p>
           <a:p>
             <a:pPr algn="just"/>
@@ -11751,107 +11021,52 @@
                 <a:latin typeface="Calibri" panose="020F0502020204030204" pitchFamily="34" charset="0"/>
                 <a:cs typeface="Calibri" panose="020F0502020204030204" pitchFamily="34" charset="0"/>
               </a:rPr>
-              <a:t>SJF algoritmasındaki en büyük zorluk, sonraki çalışma süresini tahmin etmektir.</a:t>
+              <a:t>SJF algoritması genellikle long-</a:t>
+            </a:r>
+            <a:r>
+              <a:rPr lang="tr-TR" sz="2200" dirty="0" err="1">
+                <a:latin typeface="Calibri" panose="020F0502020204030204" pitchFamily="34" charset="0"/>
+                <a:cs typeface="Calibri" panose="020F0502020204030204" pitchFamily="34" charset="0"/>
+              </a:rPr>
+              <a:t>term</a:t>
+            </a:r>
+            <a:r>
+              <a:rPr lang="tr-TR" sz="2200" dirty="0">
+                <a:latin typeface="Calibri" panose="020F0502020204030204" pitchFamily="34" charset="0"/>
+                <a:cs typeface="Calibri" panose="020F0502020204030204" pitchFamily="34" charset="0"/>
+              </a:rPr>
+              <a:t> </a:t>
+            </a:r>
+            <a:r>
+              <a:rPr lang="tr-TR" sz="2200" dirty="0" err="1">
+                <a:latin typeface="Calibri" panose="020F0502020204030204" pitchFamily="34" charset="0"/>
+                <a:cs typeface="Calibri" panose="020F0502020204030204" pitchFamily="34" charset="0"/>
+              </a:rPr>
+              <a:t>scheduling</a:t>
+            </a:r>
+            <a:r>
+              <a:rPr lang="tr-TR" sz="2200" dirty="0">
+                <a:latin typeface="Calibri" panose="020F0502020204030204" pitchFamily="34" charset="0"/>
+                <a:cs typeface="Calibri" panose="020F0502020204030204" pitchFamily="34" charset="0"/>
+              </a:rPr>
+              <a:t> için kullanılır.</a:t>
             </a:r>
           </a:p>
           <a:p>
             <a:pPr algn="just"/>
             <a:r>
+              <a:rPr lang="tr-TR" sz="2200" dirty="0">
+                <a:latin typeface="Calibri" panose="020F0502020204030204" pitchFamily="34" charset="0"/>
+                <a:cs typeface="Calibri" panose="020F0502020204030204" pitchFamily="34" charset="0"/>
+              </a:rPr>
+              <a:t>SJF algoritması short-</a:t>
+            </a:r>
+            <a:r>
               <a:rPr lang="tr-TR" sz="2200" dirty="0" err="1">
                 <a:latin typeface="Calibri" panose="020F0502020204030204" pitchFamily="34" charset="0"/>
                 <a:cs typeface="Calibri" panose="020F0502020204030204" pitchFamily="34" charset="0"/>
               </a:rPr>
-              <a:t>Long-term</a:t>
-            </a:r>
-            <a:r>
-              <a:rPr lang="tr-TR" sz="2200" dirty="0">
-                <a:latin typeface="Calibri" panose="020F0502020204030204" pitchFamily="34" charset="0"/>
-                <a:cs typeface="Calibri" panose="020F0502020204030204" pitchFamily="34" charset="0"/>
-              </a:rPr>
-              <a:t> (</a:t>
-            </a:r>
-            <a:r>
-              <a:rPr lang="tr-TR" sz="2200" dirty="0" err="1">
-                <a:latin typeface="Calibri" panose="020F0502020204030204" pitchFamily="34" charset="0"/>
-                <a:cs typeface="Calibri" panose="020F0502020204030204" pitchFamily="34" charset="0"/>
-              </a:rPr>
-              <a:t>job</a:t>
-            </a:r>
-            <a:r>
-              <a:rPr lang="tr-TR" sz="2200" dirty="0">
-                <a:latin typeface="Calibri" panose="020F0502020204030204" pitchFamily="34" charset="0"/>
-                <a:cs typeface="Calibri" panose="020F0502020204030204" pitchFamily="34" charset="0"/>
-              </a:rPr>
-              <a:t>) </a:t>
-            </a:r>
-            <a:r>
-              <a:rPr lang="tr-TR" sz="2200" dirty="0" err="1">
-                <a:latin typeface="Calibri" panose="020F0502020204030204" pitchFamily="34" charset="0"/>
-                <a:cs typeface="Calibri" panose="020F0502020204030204" pitchFamily="34" charset="0"/>
-              </a:rPr>
-              <a:t>scheduling</a:t>
-            </a:r>
-            <a:r>
-              <a:rPr lang="tr-TR" sz="2200" dirty="0">
-                <a:latin typeface="Calibri" panose="020F0502020204030204" pitchFamily="34" charset="0"/>
-                <a:cs typeface="Calibri" panose="020F0502020204030204" pitchFamily="34" charset="0"/>
-              </a:rPr>
-              <a:t> için kullanıcının belirlediği süre alınabilir.</a:t>
-            </a:r>
-          </a:p>
-          <a:p>
-            <a:pPr algn="just"/>
-            <a:r>
-              <a:rPr lang="tr-TR" sz="2200" dirty="0">
-                <a:latin typeface="Calibri" panose="020F0502020204030204" pitchFamily="34" charset="0"/>
-                <a:cs typeface="Calibri" panose="020F0502020204030204" pitchFamily="34" charset="0"/>
-              </a:rPr>
-              <a:t>SJF algoritması genellikle </a:t>
-            </a:r>
-            <a:r>
-              <a:rPr lang="tr-TR" sz="2200" dirty="0" err="1">
-                <a:latin typeface="Calibri" panose="020F0502020204030204" pitchFamily="34" charset="0"/>
-                <a:cs typeface="Calibri" panose="020F0502020204030204" pitchFamily="34" charset="0"/>
-              </a:rPr>
-              <a:t>long-term</a:t>
-            </a:r>
-            <a:r>
-              <a:rPr lang="tr-TR" sz="2200" dirty="0">
-                <a:latin typeface="Calibri" panose="020F0502020204030204" pitchFamily="34" charset="0"/>
-                <a:cs typeface="Calibri" panose="020F0502020204030204" pitchFamily="34" charset="0"/>
-              </a:rPr>
-              <a:t> </a:t>
-            </a:r>
-            <a:r>
-              <a:rPr lang="tr-TR" sz="2200" dirty="0" err="1">
-                <a:latin typeface="Calibri" panose="020F0502020204030204" pitchFamily="34" charset="0"/>
-                <a:cs typeface="Calibri" panose="020F0502020204030204" pitchFamily="34" charset="0"/>
-              </a:rPr>
-              <a:t>scheduling</a:t>
-            </a:r>
-            <a:r>
-              <a:rPr lang="tr-TR" sz="2200" dirty="0">
-                <a:latin typeface="Calibri" panose="020F0502020204030204" pitchFamily="34" charset="0"/>
-                <a:cs typeface="Calibri" panose="020F0502020204030204" pitchFamily="34" charset="0"/>
-              </a:rPr>
-              <a:t> için kullanılır.</a:t>
-            </a:r>
-          </a:p>
-          <a:p>
-            <a:pPr algn="just"/>
-            <a:r>
-              <a:rPr lang="tr-TR" sz="2200" dirty="0">
-                <a:latin typeface="Calibri" panose="020F0502020204030204" pitchFamily="34" charset="0"/>
-                <a:cs typeface="Calibri" panose="020F0502020204030204" pitchFamily="34" charset="0"/>
-              </a:rPr>
-              <a:t>SJF algoritması </a:t>
-            </a:r>
-            <a:r>
-              <a:rPr lang="tr-TR" sz="2200" dirty="0" err="1">
-                <a:latin typeface="Calibri" panose="020F0502020204030204" pitchFamily="34" charset="0"/>
-                <a:cs typeface="Calibri" panose="020F0502020204030204" pitchFamily="34" charset="0"/>
-              </a:rPr>
-              <a:t>short-term</a:t>
+              <a:t>term</a:t>
             </a:r>
             <a:r>
               <a:rPr lang="tr-TR" sz="2200" dirty="0">
@@ -12050,35 +11265,21 @@
                 <a:latin typeface="Calibri" panose="020F0502020204030204" pitchFamily="34" charset="0"/>
                 <a:cs typeface="Calibri" panose="020F0502020204030204" pitchFamily="34" charset="0"/>
               </a:rPr>
-              <a:t>Semafor ve monitör arasındaki temel fark, semafor bir tamsayı </a:t>
-            </a:r>
-            <a:r>
-              <a:rPr lang="tr-TR" sz="2100" dirty="0" smtClean="0">
-                <a:latin typeface="Calibri" panose="020F0502020204030204" pitchFamily="34" charset="0"/>
-                <a:cs typeface="Calibri" panose="020F0502020204030204" pitchFamily="34" charset="0"/>
-              </a:rPr>
-              <a:t>değişkeni</a:t>
-            </a:r>
-            <a:r>
-              <a:rPr lang="en-US" sz="2100" dirty="0" smtClean="0">
+              <a:t>Semafor ve monitör arasındaki temel fark, semafor bir tamsayı değişkeni</a:t>
+            </a:r>
+            <a:r>
+              <a:rPr lang="en-US" sz="2100" dirty="0">
                 <a:latin typeface="Calibri" panose="020F0502020204030204" pitchFamily="34" charset="0"/>
                 <a:cs typeface="Calibri" panose="020F0502020204030204" pitchFamily="34" charset="0"/>
               </a:rPr>
               <a:t>,</a:t>
             </a:r>
             <a:r>
-              <a:rPr lang="tr-TR" sz="2100" dirty="0" smtClean="0">
-                <a:latin typeface="Calibri" panose="020F0502020204030204" pitchFamily="34" charset="0"/>
-                <a:cs typeface="Calibri" panose="020F0502020204030204" pitchFamily="34" charset="0"/>
-              </a:rPr>
-              <a:t> </a:t>
-            </a:r>
-            <a:r>
               <a:rPr lang="tr-TR" sz="2100" dirty="0">
                 <a:latin typeface="Calibri" panose="020F0502020204030204" pitchFamily="34" charset="0"/>
                 <a:cs typeface="Calibri" panose="020F0502020204030204" pitchFamily="34" charset="0"/>
               </a:rPr>
-              <a:t>S sistemde mevcut kaynakların sayısını belirtirken, monitör soyut veri türüdür.  Bu, bir kerede yalnızca bir işlemin kritik bölümde yürütülmesine izin verir.</a:t>
+              <a:t> S sistemde mevcut kaynakların sayısını belirtirken, monitör soyut veri türüdür.  Bu, bir kerede yalnızca bir işlemin kritik bölümde yürütülmesine izin verir.</a:t>
             </a:r>
           </a:p>
           <a:p>
@@ -12111,13 +11312,6 @@
           </a:p>
           <a:p>
             <a:pPr algn="just"/>
-            <a:r>
-              <a:rPr lang="tr-TR" sz="2100" dirty="0">
-                <a:latin typeface="Calibri" panose="020F0502020204030204" pitchFamily="34" charset="0"/>
-                <a:cs typeface="Calibri" panose="020F0502020204030204" pitchFamily="34" charset="0"/>
-              </a:rPr>
-              <a:t/>
-            </a:r>
             <a:br>
               <a:rPr lang="tr-TR" sz="2100" dirty="0">
                 <a:latin typeface="Calibri" panose="020F0502020204030204" pitchFamily="34" charset="0"/>
@@ -12184,15 +11378,7 @@
           <a:p>
             <a:r>
               <a:rPr lang="tr-TR" dirty="0"/>
-              <a:t>Planlama (</a:t>
-            </a:r>
-            <a:r>
-              <a:rPr lang="tr-TR" dirty="0" err="1"/>
-              <a:t>Scheduling</a:t>
-            </a:r>
-            <a:r>
-              <a:rPr lang="tr-TR" dirty="0"/>
-              <a:t>)</a:t>
+              <a:t>Planlama (Scheduling)</a:t>
             </a:r>
             <a:r>
               <a:rPr lang="tr-TR" sz="1800" b="0" i="0" u="none" strike="noStrike" baseline="0" dirty="0">
@@ -12262,19 +11448,8 @@
                 <a:latin typeface="Calibri" panose="020F0502020204030204" pitchFamily="34" charset="0"/>
                 <a:cs typeface="Calibri" panose="020F0502020204030204" pitchFamily="34" charset="0"/>
               </a:rPr>
-              <a:t>-First </a:t>
-            </a:r>
-            <a:r>
-              <a:rPr lang="tr-TR" dirty="0" err="1">
-                <a:latin typeface="Calibri" panose="020F0502020204030204" pitchFamily="34" charset="0"/>
-                <a:cs typeface="Calibri" panose="020F0502020204030204" pitchFamily="34" charset="0"/>
-              </a:rPr>
-              <a:t>Scheduling</a:t>
-            </a:r>
-            <a:endParaRPr lang="tr-TR" dirty="0">
-              <a:latin typeface="Calibri" panose="020F0502020204030204" pitchFamily="34" charset="0"/>
-              <a:cs typeface="Calibri" panose="020F0502020204030204" pitchFamily="34" charset="0"/>
-            </a:endParaRPr>
+              <a:t>-First Scheduling</a:t>
+            </a:r>
           </a:p>
           <a:p>
             <a:pPr algn="just"/>
@@ -12481,21 +11656,7 @@
                 <a:latin typeface="Calibri" panose="020F0502020204030204" pitchFamily="34" charset="0"/>
                 <a:cs typeface="Calibri" panose="020F0502020204030204" pitchFamily="34" charset="0"/>
               </a:rPr>
-              <a:t> daha kısa süreye sahip yeni bir </a:t>
-            </a:r>
-            <a:r>
-              <a:rPr lang="tr-TR" dirty="0" err="1">
-                <a:latin typeface="Calibri" panose="020F0502020204030204" pitchFamily="34" charset="0"/>
-                <a:cs typeface="Calibri" panose="020F0502020204030204" pitchFamily="34" charset="0"/>
-              </a:rPr>
-              <a:t>process</a:t>
-            </a:r>
-            <a:r>
-              <a:rPr lang="tr-TR" dirty="0">
-                <a:latin typeface="Calibri" panose="020F0502020204030204" pitchFamily="34" charset="0"/>
-                <a:cs typeface="Calibri" panose="020F0502020204030204" pitchFamily="34" charset="0"/>
-              </a:rPr>
-              <a:t> geldiğinde, </a:t>
+              <a:t> daha kısa süreye sahip yeni bir process geldiğinde, </a:t>
             </a:r>
             <a:r>
               <a:rPr lang="tr-TR" dirty="0" err="1">
@@ -12659,15 +11820,7 @@
           <a:p>
             <a:r>
               <a:rPr lang="tr-TR" dirty="0"/>
-              <a:t>Planlama (</a:t>
-            </a:r>
-            <a:r>
-              <a:rPr lang="tr-TR" dirty="0" err="1"/>
-              <a:t>Scheduling</a:t>
-            </a:r>
-            <a:r>
-              <a:rPr lang="tr-TR" dirty="0"/>
-              <a:t>)</a:t>
+              <a:t>Planlama (Scheduling)</a:t>
             </a:r>
             <a:r>
               <a:rPr lang="tr-TR" sz="1800" b="0" i="0" u="none" strike="noStrike" baseline="0" dirty="0">
@@ -12721,6 +11874,37 @@
                 <a:latin typeface="Calibri" panose="020F0502020204030204" pitchFamily="34" charset="0"/>
                 <a:cs typeface="Calibri" panose="020F0502020204030204" pitchFamily="34" charset="0"/>
               </a:rPr>
+              <a:t> Scheduling</a:t>
+            </a:r>
+          </a:p>
+          <a:p>
+            <a:pPr algn="just"/>
+            <a:r>
+              <a:rPr lang="tr-TR" sz="2000" dirty="0" err="1">
+                <a:latin typeface="Calibri" panose="020F0502020204030204" pitchFamily="34" charset="0"/>
+                <a:cs typeface="Calibri" panose="020F0502020204030204" pitchFamily="34" charset="0"/>
+              </a:rPr>
+              <a:t>Shortest-job-first</a:t>
+            </a:r>
+            <a:r>
+              <a:rPr lang="tr-TR" sz="2000" dirty="0">
+                <a:latin typeface="Calibri" panose="020F0502020204030204" pitchFamily="34" charset="0"/>
+                <a:cs typeface="Calibri" panose="020F0502020204030204" pitchFamily="34" charset="0"/>
+              </a:rPr>
+              <a:t> (SJF) algoritması, </a:t>
+            </a:r>
+            <a:r>
+              <a:rPr lang="tr-TR" sz="2000" dirty="0" err="1">
+                <a:latin typeface="Calibri" panose="020F0502020204030204" pitchFamily="34" charset="0"/>
+                <a:cs typeface="Calibri" panose="020F0502020204030204" pitchFamily="34" charset="0"/>
+              </a:rPr>
+              <a:t>priority</a:t>
+            </a:r>
+            <a:r>
+              <a:rPr lang="tr-TR" sz="2000" dirty="0">
+                <a:latin typeface="Calibri" panose="020F0502020204030204" pitchFamily="34" charset="0"/>
+                <a:cs typeface="Calibri" panose="020F0502020204030204" pitchFamily="34" charset="0"/>
+              </a:rPr>
               <a:t> </a:t>
             </a:r>
             <a:r>
@@ -12728,80 +11912,24 @@
                 <a:latin typeface="Calibri" panose="020F0502020204030204" pitchFamily="34" charset="0"/>
                 <a:cs typeface="Calibri" panose="020F0502020204030204" pitchFamily="34" charset="0"/>
               </a:rPr>
-              <a:t>Scheduling</a:t>
-            </a:r>
-            <a:endParaRPr lang="tr-TR" sz="2000" dirty="0">
-              <a:latin typeface="Calibri" panose="020F0502020204030204" pitchFamily="34" charset="0"/>
-              <a:cs typeface="Calibri" panose="020F0502020204030204" pitchFamily="34" charset="0"/>
-            </a:endParaRPr>
+              <a:t>scheduling</a:t>
+            </a:r>
+            <a:r>
+              <a:rPr lang="tr-TR" sz="2000" dirty="0">
+                <a:latin typeface="Calibri" panose="020F0502020204030204" pitchFamily="34" charset="0"/>
+                <a:cs typeface="Calibri" panose="020F0502020204030204" pitchFamily="34" charset="0"/>
+              </a:rPr>
+              <a:t> algoritmalarının özel bir durumudur.</a:t>
+            </a:r>
           </a:p>
           <a:p>
             <a:pPr algn="just"/>
             <a:r>
-              <a:rPr lang="tr-TR" sz="2000" dirty="0" err="1">
-                <a:latin typeface="Calibri" panose="020F0502020204030204" pitchFamily="34" charset="0"/>
-                <a:cs typeface="Calibri" panose="020F0502020204030204" pitchFamily="34" charset="0"/>
-              </a:rPr>
-              <a:t>Shortest-job-first</a:t>
-            </a:r>
-            <a:r>
               <a:rPr lang="tr-TR" sz="2000" dirty="0">
                 <a:latin typeface="Calibri" panose="020F0502020204030204" pitchFamily="34" charset="0"/>
                 <a:cs typeface="Calibri" panose="020F0502020204030204" pitchFamily="34" charset="0"/>
               </a:rPr>
-              <a:t> (SJF) algoritması, </a:t>
-            </a:r>
-            <a:r>
-              <a:rPr lang="tr-TR" sz="2000" dirty="0" err="1">
-                <a:latin typeface="Calibri" panose="020F0502020204030204" pitchFamily="34" charset="0"/>
-                <a:cs typeface="Calibri" panose="020F0502020204030204" pitchFamily="34" charset="0"/>
-              </a:rPr>
-              <a:t>priority</a:t>
-            </a:r>
-            <a:r>
-              <a:rPr lang="tr-TR" sz="2000" dirty="0">
-                <a:latin typeface="Calibri" panose="020F0502020204030204" pitchFamily="34" charset="0"/>
-                <a:cs typeface="Calibri" panose="020F0502020204030204" pitchFamily="34" charset="0"/>
-              </a:rPr>
-              <a:t> </a:t>
-            </a:r>
-            <a:r>
-              <a:rPr lang="tr-TR" sz="2000" dirty="0" err="1">
-                <a:latin typeface="Calibri" panose="020F0502020204030204" pitchFamily="34" charset="0"/>
-                <a:cs typeface="Calibri" panose="020F0502020204030204" pitchFamily="34" charset="0"/>
-              </a:rPr>
-              <a:t>scheduling</a:t>
-            </a:r>
-            <a:r>
-              <a:rPr lang="tr-TR" sz="2000" dirty="0">
-                <a:latin typeface="Calibri" panose="020F0502020204030204" pitchFamily="34" charset="0"/>
-                <a:cs typeface="Calibri" panose="020F0502020204030204" pitchFamily="34" charset="0"/>
-              </a:rPr>
-              <a:t> algoritmalarının özel bir durumudur.</a:t>
-            </a:r>
-          </a:p>
-          <a:p>
-            <a:pPr algn="just"/>
-            <a:r>
-              <a:rPr lang="tr-TR" sz="2000" dirty="0">
-                <a:latin typeface="Calibri" panose="020F0502020204030204" pitchFamily="34" charset="0"/>
-                <a:cs typeface="Calibri" panose="020F0502020204030204" pitchFamily="34" charset="0"/>
-              </a:rPr>
-              <a:t>CPU en yüksek önceliğe sahip </a:t>
-            </a:r>
-            <a:r>
-              <a:rPr lang="tr-TR" sz="2000" dirty="0" err="1">
-                <a:latin typeface="Calibri" panose="020F0502020204030204" pitchFamily="34" charset="0"/>
-                <a:cs typeface="Calibri" panose="020F0502020204030204" pitchFamily="34" charset="0"/>
-              </a:rPr>
-              <a:t>process’e</a:t>
-            </a:r>
-            <a:r>
-              <a:rPr lang="tr-TR" sz="2000" dirty="0">
-                <a:latin typeface="Calibri" panose="020F0502020204030204" pitchFamily="34" charset="0"/>
-                <a:cs typeface="Calibri" panose="020F0502020204030204" pitchFamily="34" charset="0"/>
-              </a:rPr>
-              <a:t> atanır.</a:t>
+              <a:t>CPU en yüksek önceliğe sahip process’e atanır.</a:t>
             </a:r>
           </a:p>
           <a:p>
@@ -12948,15 +12076,7 @@
           <a:p>
             <a:r>
               <a:rPr lang="tr-TR" dirty="0"/>
-              <a:t>Planlama (</a:t>
-            </a:r>
-            <a:r>
-              <a:rPr lang="tr-TR" dirty="0" err="1"/>
-              <a:t>Scheduling</a:t>
-            </a:r>
-            <a:r>
-              <a:rPr lang="tr-TR" dirty="0"/>
-              <a:t>)</a:t>
+              <a:t>Planlama (Scheduling)</a:t>
             </a:r>
             <a:r>
               <a:rPr lang="tr-TR" sz="1800" b="0" i="0" u="none" strike="noStrike" baseline="0" dirty="0">
@@ -13020,16 +12140,12 @@
               <a:t> </a:t>
             </a:r>
             <a:r>
-              <a:rPr lang="tr-TR" sz="2200" dirty="0" err="1">
+              <a:rPr lang="tr-TR" sz="2200" dirty="0">
                 <a:latin typeface="Calibri" panose="020F0502020204030204" pitchFamily="34" charset="0"/>
                 <a:cs typeface="Calibri" panose="020F0502020204030204" pitchFamily="34" charset="0"/>
               </a:rPr>
               <a:t>Scheduling</a:t>
             </a:r>
-            <a:endParaRPr lang="tr-TR" sz="2200" dirty="0">
-              <a:latin typeface="Calibri" panose="020F0502020204030204" pitchFamily="34" charset="0"/>
-              <a:cs typeface="Calibri" panose="020F0502020204030204" pitchFamily="34" charset="0"/>
-            </a:endParaRPr>
           </a:p>
           <a:p>
             <a:pPr algn="just"/>
@@ -13038,21 +12154,7 @@
                 <a:latin typeface="Calibri" panose="020F0502020204030204" pitchFamily="34" charset="0"/>
                 <a:cs typeface="Calibri" panose="020F0502020204030204" pitchFamily="34" charset="0"/>
               </a:rPr>
-              <a:t>Aşağıda 5 </a:t>
-            </a:r>
-            <a:r>
-              <a:rPr lang="tr-TR" sz="2000" dirty="0" err="1">
-                <a:latin typeface="Calibri" panose="020F0502020204030204" pitchFamily="34" charset="0"/>
-                <a:cs typeface="Calibri" panose="020F0502020204030204" pitchFamily="34" charset="0"/>
-              </a:rPr>
-              <a:t>process</a:t>
-            </a:r>
-            <a:r>
-              <a:rPr lang="tr-TR" sz="2000" dirty="0">
-                <a:latin typeface="Calibri" panose="020F0502020204030204" pitchFamily="34" charset="0"/>
-                <a:cs typeface="Calibri" panose="020F0502020204030204" pitchFamily="34" charset="0"/>
-              </a:rPr>
-              <a:t> için öncelik değerine göre </a:t>
+              <a:t>Aşağıda 5 process için öncelik değerine göre </a:t>
             </a:r>
             <a:r>
               <a:rPr lang="tr-TR" sz="2000" dirty="0" err="1">
@@ -13139,43 +12241,32 @@
                 <a:latin typeface="Calibri" panose="020F0502020204030204" pitchFamily="34" charset="0"/>
                 <a:cs typeface="Calibri" panose="020F0502020204030204" pitchFamily="34" charset="0"/>
               </a:rPr>
-              <a:t> olur</a:t>
-            </a:r>
-            <a:r>
-              <a:rPr lang="tr-TR" sz="2000" dirty="0" smtClean="0">
-                <a:latin typeface="Calibri" panose="020F0502020204030204" pitchFamily="34" charset="0"/>
-                <a:cs typeface="Calibri" panose="020F0502020204030204" pitchFamily="34" charset="0"/>
-              </a:rPr>
-              <a:t>.</a:t>
+              <a:t> olur.</a:t>
             </a:r>
           </a:p>
           <a:p>
             <a:pPr algn="just"/>
             <a:r>
-              <a:rPr lang="tr-TR" sz="2000" dirty="0" smtClean="0">
+              <a:rPr lang="tr-TR" sz="2000" dirty="0">
                 <a:latin typeface="Calibri" panose="020F0502020204030204" pitchFamily="34" charset="0"/>
                 <a:cs typeface="Calibri" panose="020F0502020204030204" pitchFamily="34" charset="0"/>
               </a:rPr>
               <a:t>Ort. </a:t>
             </a:r>
             <a:r>
-              <a:rPr lang="tr-TR" sz="2000" dirty="0" err="1" smtClean="0">
+              <a:rPr lang="tr-TR" sz="2000" dirty="0" err="1">
                 <a:latin typeface="Calibri" panose="020F0502020204030204" pitchFamily="34" charset="0"/>
                 <a:cs typeface="Calibri" panose="020F0502020204030204" pitchFamily="34" charset="0"/>
               </a:rPr>
               <a:t>turnaround</a:t>
             </a:r>
             <a:r>
-              <a:rPr lang="tr-TR" sz="2000" dirty="0" smtClean="0">
+              <a:rPr lang="tr-TR" sz="2000" dirty="0">
                 <a:latin typeface="Calibri" panose="020F0502020204030204" pitchFamily="34" charset="0"/>
                 <a:cs typeface="Calibri" panose="020F0502020204030204" pitchFamily="34" charset="0"/>
               </a:rPr>
               <a:t> time=(41+19)/5=12ms</a:t>
             </a:r>
-            <a:endParaRPr lang="tr-TR" sz="2000" dirty="0">
-              <a:latin typeface="Calibri" panose="020F0502020204030204" pitchFamily="34" charset="0"/>
-              <a:cs typeface="Calibri" panose="020F0502020204030204" pitchFamily="34" charset="0"/>
-            </a:endParaRPr>
           </a:p>
           <a:p>
             <a:endParaRPr lang="tr-TR" sz="1800" b="0" i="0" u="none" strike="noStrike" baseline="0" dirty="0">
@@ -13303,15 +12394,7 @@
           <a:p>
             <a:r>
               <a:rPr lang="tr-TR" dirty="0"/>
-              <a:t>Planlama (</a:t>
-            </a:r>
-            <a:r>
-              <a:rPr lang="tr-TR" dirty="0" err="1"/>
-              <a:t>Scheduling</a:t>
-            </a:r>
-            <a:r>
-              <a:rPr lang="tr-TR" dirty="0"/>
-              <a:t>)</a:t>
+              <a:t>Planlama (Scheduling)</a:t>
             </a:r>
             <a:r>
               <a:rPr lang="tr-TR" sz="1800" b="0" i="0" u="none" strike="noStrike" baseline="0" dirty="0">
@@ -13367,19 +12450,186 @@
                 <a:latin typeface="Calibri" panose="020F0502020204030204" pitchFamily="34" charset="0"/>
                 <a:cs typeface="Calibri" panose="020F0502020204030204" pitchFamily="34" charset="0"/>
               </a:rPr>
+              <a:t> Scheduling</a:t>
+            </a:r>
+          </a:p>
+          <a:p>
+            <a:pPr algn="just"/>
+            <a:r>
+              <a:rPr lang="tr-TR" sz="2000" dirty="0" err="1">
+                <a:latin typeface="Calibri" panose="020F0502020204030204" pitchFamily="34" charset="0"/>
+                <a:cs typeface="Calibri" panose="020F0502020204030204" pitchFamily="34" charset="0"/>
+              </a:rPr>
+              <a:t>Önceliklendirme</a:t>
+            </a:r>
+            <a:r>
+              <a:rPr lang="tr-TR" sz="2000" dirty="0">
+                <a:latin typeface="Calibri" panose="020F0502020204030204" pitchFamily="34" charset="0"/>
+                <a:cs typeface="Calibri" panose="020F0502020204030204" pitchFamily="34" charset="0"/>
+              </a:rPr>
+              <a:t> kriterleri aşağıdakilerden bir veya birkaç tanesi olabilir:</a:t>
+            </a:r>
+          </a:p>
+          <a:p>
+            <a:pPr lvl="1" algn="just"/>
+            <a:r>
+              <a:rPr lang="tr-TR" dirty="0">
+                <a:latin typeface="Calibri" panose="020F0502020204030204" pitchFamily="34" charset="0"/>
+                <a:cs typeface="Calibri" panose="020F0502020204030204" pitchFamily="34" charset="0"/>
+              </a:rPr>
+              <a:t>Zaman sınırı</a:t>
+            </a:r>
+          </a:p>
+          <a:p>
+            <a:pPr lvl="1" algn="just"/>
+            <a:r>
+              <a:rPr lang="tr-TR" dirty="0">
+                <a:latin typeface="Calibri" panose="020F0502020204030204" pitchFamily="34" charset="0"/>
+                <a:cs typeface="Calibri" panose="020F0502020204030204" pitchFamily="34" charset="0"/>
+              </a:rPr>
+              <a:t>Hafıza gereksinimi</a:t>
+            </a:r>
+          </a:p>
+          <a:p>
+            <a:pPr lvl="1" algn="just"/>
+            <a:r>
+              <a:rPr lang="tr-TR" dirty="0">
+                <a:latin typeface="Calibri" panose="020F0502020204030204" pitchFamily="34" charset="0"/>
+                <a:cs typeface="Calibri" panose="020F0502020204030204" pitchFamily="34" charset="0"/>
+              </a:rPr>
+              <a:t>Açılan dosya sayısı</a:t>
+            </a:r>
+          </a:p>
+          <a:p>
+            <a:pPr lvl="1" algn="just"/>
+            <a:r>
+              <a:rPr lang="tr-TR" dirty="0">
+                <a:latin typeface="Calibri" panose="020F0502020204030204" pitchFamily="34" charset="0"/>
+                <a:cs typeface="Calibri" panose="020F0502020204030204" pitchFamily="34" charset="0"/>
+              </a:rPr>
+              <a:t>I/O </a:t>
+            </a:r>
+            <a:r>
+              <a:rPr lang="tr-TR" dirty="0" err="1">
+                <a:latin typeface="Calibri" panose="020F0502020204030204" pitchFamily="34" charset="0"/>
+                <a:cs typeface="Calibri" panose="020F0502020204030204" pitchFamily="34" charset="0"/>
+              </a:rPr>
+              <a:t>burst</a:t>
+            </a:r>
+            <a:r>
+              <a:rPr lang="tr-TR" dirty="0">
+                <a:latin typeface="Calibri" panose="020F0502020204030204" pitchFamily="34" charset="0"/>
+                <a:cs typeface="Calibri" panose="020F0502020204030204" pitchFamily="34" charset="0"/>
+              </a:rPr>
+              <a:t> ve CPU </a:t>
+            </a:r>
+            <a:r>
+              <a:rPr lang="tr-TR" dirty="0" err="1">
+                <a:latin typeface="Calibri" panose="020F0502020204030204" pitchFamily="34" charset="0"/>
+                <a:cs typeface="Calibri" panose="020F0502020204030204" pitchFamily="34" charset="0"/>
+              </a:rPr>
+              <a:t>burst</a:t>
+            </a:r>
+            <a:r>
+              <a:rPr lang="tr-TR" dirty="0">
+                <a:latin typeface="Calibri" panose="020F0502020204030204" pitchFamily="34" charset="0"/>
+                <a:cs typeface="Calibri" panose="020F0502020204030204" pitchFamily="34" charset="0"/>
+              </a:rPr>
+              <a:t> oranı</a:t>
+            </a:r>
+          </a:p>
+          <a:p>
+            <a:pPr lvl="1" algn="just"/>
+            <a:r>
+              <a:rPr lang="tr-TR" dirty="0">
+                <a:latin typeface="Calibri" panose="020F0502020204030204" pitchFamily="34" charset="0"/>
+                <a:cs typeface="Calibri" panose="020F0502020204030204" pitchFamily="34" charset="0"/>
+              </a:rPr>
+              <a:t>Process‘in önemi</a:t>
+            </a:r>
+          </a:p>
+          <a:p>
+            <a:pPr algn="just"/>
+            <a:r>
+              <a:rPr lang="en-US" sz="2000" dirty="0">
+                <a:latin typeface="Calibri" panose="020F0502020204030204" pitchFamily="34" charset="0"/>
+                <a:cs typeface="Calibri" panose="020F0502020204030204" pitchFamily="34" charset="0"/>
+              </a:rPr>
+              <a:t>Priority scheduling preemptive </a:t>
+            </a:r>
+            <a:r>
+              <a:rPr lang="en-US" sz="2000" dirty="0" err="1">
+                <a:latin typeface="Calibri" panose="020F0502020204030204" pitchFamily="34" charset="0"/>
+                <a:cs typeface="Calibri" panose="020F0502020204030204" pitchFamily="34" charset="0"/>
+              </a:rPr>
+              <a:t>veya</a:t>
+            </a:r>
+            <a:r>
+              <a:rPr lang="en-US" sz="2000" dirty="0">
+                <a:latin typeface="Calibri" panose="020F0502020204030204" pitchFamily="34" charset="0"/>
+                <a:cs typeface="Calibri" panose="020F0502020204030204" pitchFamily="34" charset="0"/>
+              </a:rPr>
               <a:t> </a:t>
             </a:r>
             <a:r>
+              <a:rPr lang="en-US" sz="2000" dirty="0" err="1">
+                <a:latin typeface="Calibri" panose="020F0502020204030204" pitchFamily="34" charset="0"/>
+                <a:cs typeface="Calibri" panose="020F0502020204030204" pitchFamily="34" charset="0"/>
+              </a:rPr>
+              <a:t>nonpreemptive</a:t>
+            </a:r>
+            <a:r>
+              <a:rPr lang="en-US" sz="2000" dirty="0">
+                <a:latin typeface="Calibri" panose="020F0502020204030204" pitchFamily="34" charset="0"/>
+                <a:cs typeface="Calibri" panose="020F0502020204030204" pitchFamily="34" charset="0"/>
+              </a:rPr>
+              <a:t> </a:t>
+            </a:r>
+            <a:r>
+              <a:rPr lang="en-US" sz="2000" dirty="0" err="1">
+                <a:latin typeface="Calibri" panose="020F0502020204030204" pitchFamily="34" charset="0"/>
+                <a:cs typeface="Calibri" panose="020F0502020204030204" pitchFamily="34" charset="0"/>
+              </a:rPr>
+              <a:t>olabilir</a:t>
+            </a:r>
+            <a:r>
+              <a:rPr lang="en-US" sz="2000" dirty="0">
+                <a:latin typeface="Calibri" panose="020F0502020204030204" pitchFamily="34" charset="0"/>
+                <a:cs typeface="Calibri" panose="020F0502020204030204" pitchFamily="34" charset="0"/>
+              </a:rPr>
+              <a:t>.</a:t>
+            </a:r>
+          </a:p>
+          <a:p>
+            <a:pPr algn="just"/>
+            <a:r>
               <a:rPr lang="tr-TR" sz="2000" dirty="0" err="1">
                 <a:latin typeface="Calibri" panose="020F0502020204030204" pitchFamily="34" charset="0"/>
                 <a:cs typeface="Calibri" panose="020F0502020204030204" pitchFamily="34" charset="0"/>
               </a:rPr>
-              <a:t>Scheduling</a:t>
-            </a:r>
-            <a:endParaRPr lang="tr-TR" sz="2000" dirty="0">
-              <a:latin typeface="Calibri" panose="020F0502020204030204" pitchFamily="34" charset="0"/>
-              <a:cs typeface="Calibri" panose="020F0502020204030204" pitchFamily="34" charset="0"/>
-            </a:endParaRPr>
+              <a:t>Preemptive</a:t>
+            </a:r>
+            <a:r>
+              <a:rPr lang="tr-TR" sz="2000" dirty="0">
+                <a:latin typeface="Calibri" panose="020F0502020204030204" pitchFamily="34" charset="0"/>
+                <a:cs typeface="Calibri" panose="020F0502020204030204" pitchFamily="34" charset="0"/>
+              </a:rPr>
+              <a:t> yönteminde, bir process hazır kuyruğuna geldiğinde, çalışmakta olan </a:t>
+            </a:r>
+            <a:r>
+              <a:rPr lang="tr-TR" sz="2000" dirty="0" err="1">
+                <a:latin typeface="Calibri" panose="020F0502020204030204" pitchFamily="34" charset="0"/>
+                <a:cs typeface="Calibri" panose="020F0502020204030204" pitchFamily="34" charset="0"/>
+              </a:rPr>
+              <a:t>process’ten</a:t>
+            </a:r>
+            <a:r>
+              <a:rPr lang="tr-TR" sz="2000" dirty="0">
+                <a:latin typeface="Calibri" panose="020F0502020204030204" pitchFamily="34" charset="0"/>
+                <a:cs typeface="Calibri" panose="020F0502020204030204" pitchFamily="34" charset="0"/>
+              </a:rPr>
+              <a:t> daha öncelikli ise, çalışmakta olan kesilir.</a:t>
+            </a:r>
           </a:p>
           <a:p>
             <a:pPr algn="just"/>
@@ -13388,227 +12638,14 @@
                 <a:latin typeface="Calibri" panose="020F0502020204030204" pitchFamily="34" charset="0"/>
                 <a:cs typeface="Calibri" panose="020F0502020204030204" pitchFamily="34" charset="0"/>
               </a:rPr>
-              <a:t>Önceliklendirme</a:t>
+              <a:t>Nonpreemptive</a:t>
             </a:r>
             <a:r>
               <a:rPr lang="tr-TR" sz="2000" dirty="0">
                 <a:latin typeface="Calibri" panose="020F0502020204030204" pitchFamily="34" charset="0"/>
                 <a:cs typeface="Calibri" panose="020F0502020204030204" pitchFamily="34" charset="0"/>
               </a:rPr>
-              <a:t> kriterleri aşağıdakilerden bir veya birkaç tanesi olabilir:</a:t>
-            </a:r>
-          </a:p>
-          <a:p>
-            <a:pPr lvl="1" algn="just"/>
-            <a:r>
-              <a:rPr lang="tr-TR" dirty="0">
-                <a:latin typeface="Calibri" panose="020F0502020204030204" pitchFamily="34" charset="0"/>
-                <a:cs typeface="Calibri" panose="020F0502020204030204" pitchFamily="34" charset="0"/>
-              </a:rPr>
-              <a:t>Zaman sınırı</a:t>
-            </a:r>
-          </a:p>
-          <a:p>
-            <a:pPr lvl="1" algn="just"/>
-            <a:r>
-              <a:rPr lang="tr-TR" dirty="0">
-                <a:latin typeface="Calibri" panose="020F0502020204030204" pitchFamily="34" charset="0"/>
-                <a:cs typeface="Calibri" panose="020F0502020204030204" pitchFamily="34" charset="0"/>
-              </a:rPr>
-              <a:t>Hafıza gereksinimi</a:t>
-            </a:r>
-          </a:p>
-          <a:p>
-            <a:pPr lvl="1" algn="just"/>
-            <a:r>
-              <a:rPr lang="tr-TR" dirty="0">
-                <a:latin typeface="Calibri" panose="020F0502020204030204" pitchFamily="34" charset="0"/>
-                <a:cs typeface="Calibri" panose="020F0502020204030204" pitchFamily="34" charset="0"/>
-              </a:rPr>
-              <a:t>Açılan dosya sayısı</a:t>
-            </a:r>
-          </a:p>
-          <a:p>
-            <a:pPr lvl="1" algn="just"/>
-            <a:r>
-              <a:rPr lang="tr-TR" dirty="0">
-                <a:latin typeface="Calibri" panose="020F0502020204030204" pitchFamily="34" charset="0"/>
-                <a:cs typeface="Calibri" panose="020F0502020204030204" pitchFamily="34" charset="0"/>
-              </a:rPr>
-              <a:t>I/O </a:t>
-            </a:r>
-            <a:r>
-              <a:rPr lang="tr-TR" dirty="0" err="1">
-                <a:latin typeface="Calibri" panose="020F0502020204030204" pitchFamily="34" charset="0"/>
-                <a:cs typeface="Calibri" panose="020F0502020204030204" pitchFamily="34" charset="0"/>
-              </a:rPr>
-              <a:t>burst</a:t>
-            </a:r>
-            <a:r>
-              <a:rPr lang="tr-TR" dirty="0">
-                <a:latin typeface="Calibri" panose="020F0502020204030204" pitchFamily="34" charset="0"/>
-                <a:cs typeface="Calibri" panose="020F0502020204030204" pitchFamily="34" charset="0"/>
-              </a:rPr>
-              <a:t> ve CPU </a:t>
-            </a:r>
-            <a:r>
-              <a:rPr lang="tr-TR" dirty="0" err="1">
-                <a:latin typeface="Calibri" panose="020F0502020204030204" pitchFamily="34" charset="0"/>
-                <a:cs typeface="Calibri" panose="020F0502020204030204" pitchFamily="34" charset="0"/>
-              </a:rPr>
-              <a:t>burst</a:t>
-            </a:r>
-            <a:r>
-              <a:rPr lang="tr-TR" dirty="0">
-                <a:latin typeface="Calibri" panose="020F0502020204030204" pitchFamily="34" charset="0"/>
-                <a:cs typeface="Calibri" panose="020F0502020204030204" pitchFamily="34" charset="0"/>
-              </a:rPr>
-              <a:t> oranı</a:t>
-            </a:r>
-          </a:p>
-          <a:p>
-            <a:pPr lvl="1" algn="just"/>
-            <a:r>
-              <a:rPr lang="tr-TR" dirty="0" err="1">
-                <a:latin typeface="Calibri" panose="020F0502020204030204" pitchFamily="34" charset="0"/>
-                <a:cs typeface="Calibri" panose="020F0502020204030204" pitchFamily="34" charset="0"/>
-              </a:rPr>
-              <a:t>Process‘in</a:t>
-            </a:r>
-            <a:r>
-              <a:rPr lang="tr-TR" dirty="0">
-                <a:latin typeface="Calibri" panose="020F0502020204030204" pitchFamily="34" charset="0"/>
-                <a:cs typeface="Calibri" panose="020F0502020204030204" pitchFamily="34" charset="0"/>
-              </a:rPr>
-              <a:t> önemi</a:t>
-            </a:r>
-          </a:p>
-          <a:p>
-            <a:pPr algn="just"/>
-            <a:r>
-              <a:rPr lang="en-US" sz="2000" dirty="0">
-                <a:latin typeface="Calibri" panose="020F0502020204030204" pitchFamily="34" charset="0"/>
-                <a:cs typeface="Calibri" panose="020F0502020204030204" pitchFamily="34" charset="0"/>
-              </a:rPr>
-              <a:t>Priority scheduling preemptive </a:t>
-            </a:r>
-            <a:r>
-              <a:rPr lang="en-US" sz="2000" dirty="0" err="1">
-                <a:latin typeface="Calibri" panose="020F0502020204030204" pitchFamily="34" charset="0"/>
-                <a:cs typeface="Calibri" panose="020F0502020204030204" pitchFamily="34" charset="0"/>
-              </a:rPr>
-              <a:t>veya</a:t>
-            </a:r>
-            <a:r>
-              <a:rPr lang="en-US" sz="2000" dirty="0">
-                <a:latin typeface="Calibri" panose="020F0502020204030204" pitchFamily="34" charset="0"/>
-                <a:cs typeface="Calibri" panose="020F0502020204030204" pitchFamily="34" charset="0"/>
-              </a:rPr>
-              <a:t> </a:t>
-            </a:r>
-            <a:r>
-              <a:rPr lang="en-US" sz="2000" dirty="0" err="1">
-                <a:latin typeface="Calibri" panose="020F0502020204030204" pitchFamily="34" charset="0"/>
-                <a:cs typeface="Calibri" panose="020F0502020204030204" pitchFamily="34" charset="0"/>
-              </a:rPr>
-              <a:t>nonpreemptive</a:t>
-            </a:r>
-            <a:r>
-              <a:rPr lang="en-US" sz="2000" dirty="0">
-                <a:latin typeface="Calibri" panose="020F0502020204030204" pitchFamily="34" charset="0"/>
-                <a:cs typeface="Calibri" panose="020F0502020204030204" pitchFamily="34" charset="0"/>
-              </a:rPr>
-              <a:t> </a:t>
-            </a:r>
-            <a:r>
-              <a:rPr lang="en-US" sz="2000" dirty="0" err="1">
-                <a:latin typeface="Calibri" panose="020F0502020204030204" pitchFamily="34" charset="0"/>
-                <a:cs typeface="Calibri" panose="020F0502020204030204" pitchFamily="34" charset="0"/>
-              </a:rPr>
-              <a:t>olabilir</a:t>
-            </a:r>
-            <a:r>
-              <a:rPr lang="en-US" sz="2000" dirty="0">
-                <a:latin typeface="Calibri" panose="020F0502020204030204" pitchFamily="34" charset="0"/>
-                <a:cs typeface="Calibri" panose="020F0502020204030204" pitchFamily="34" charset="0"/>
-              </a:rPr>
-              <a:t>.</a:t>
-            </a:r>
-          </a:p>
-          <a:p>
-            <a:pPr algn="just"/>
-            <a:r>
-              <a:rPr lang="tr-TR" sz="2000" dirty="0" err="1">
-                <a:latin typeface="Calibri" panose="020F0502020204030204" pitchFamily="34" charset="0"/>
-                <a:cs typeface="Calibri" panose="020F0502020204030204" pitchFamily="34" charset="0"/>
-              </a:rPr>
-              <a:t>Preemptive</a:t>
-            </a:r>
-            <a:r>
-              <a:rPr lang="tr-TR" sz="2000" dirty="0">
-                <a:latin typeface="Calibri" panose="020F0502020204030204" pitchFamily="34" charset="0"/>
-                <a:cs typeface="Calibri" panose="020F0502020204030204" pitchFamily="34" charset="0"/>
-              </a:rPr>
-              <a:t> yönteminde, bir </a:t>
-            </a:r>
-            <a:r>
-              <a:rPr lang="tr-TR" sz="2000" dirty="0" err="1">
-                <a:latin typeface="Calibri" panose="020F0502020204030204" pitchFamily="34" charset="0"/>
-                <a:cs typeface="Calibri" panose="020F0502020204030204" pitchFamily="34" charset="0"/>
-              </a:rPr>
-              <a:t>process</a:t>
-            </a:r>
-            <a:r>
-              <a:rPr lang="tr-TR" sz="2000" dirty="0">
-                <a:latin typeface="Calibri" panose="020F0502020204030204" pitchFamily="34" charset="0"/>
-                <a:cs typeface="Calibri" panose="020F0502020204030204" pitchFamily="34" charset="0"/>
-              </a:rPr>
-              <a:t> hazır kuyruğuna geldiğinde, çalışmakta olan </a:t>
-            </a:r>
-            <a:r>
-              <a:rPr lang="tr-TR" sz="2000" dirty="0" err="1">
-                <a:latin typeface="Calibri" panose="020F0502020204030204" pitchFamily="34" charset="0"/>
-                <a:cs typeface="Calibri" panose="020F0502020204030204" pitchFamily="34" charset="0"/>
-              </a:rPr>
-              <a:t>process’ten</a:t>
-            </a:r>
-            <a:r>
-              <a:rPr lang="tr-TR" sz="2000" dirty="0">
-                <a:latin typeface="Calibri" panose="020F0502020204030204" pitchFamily="34" charset="0"/>
-                <a:cs typeface="Calibri" panose="020F0502020204030204" pitchFamily="34" charset="0"/>
-              </a:rPr>
-              <a:t> daha öncelikli ise, çalışmakta olan kesilir.</a:t>
-            </a:r>
-          </a:p>
-          <a:p>
-            <a:pPr algn="just"/>
-            <a:r>
-              <a:rPr lang="tr-TR" sz="2000" dirty="0" err="1">
-                <a:latin typeface="Calibri" panose="020F0502020204030204" pitchFamily="34" charset="0"/>
-                <a:cs typeface="Calibri" panose="020F0502020204030204" pitchFamily="34" charset="0"/>
-              </a:rPr>
-              <a:t>Nonpreemptive</a:t>
-            </a:r>
-            <a:r>
-              <a:rPr lang="tr-TR" sz="2000" dirty="0">
-                <a:latin typeface="Calibri" panose="020F0502020204030204" pitchFamily="34" charset="0"/>
-                <a:cs typeface="Calibri" panose="020F0502020204030204" pitchFamily="34" charset="0"/>
-              </a:rPr>
-              <a:t> yönteminde, bir </a:t>
-            </a:r>
-            <a:r>
-              <a:rPr lang="tr-TR" sz="2000" dirty="0" err="1">
-                <a:latin typeface="Calibri" panose="020F0502020204030204" pitchFamily="34" charset="0"/>
-                <a:cs typeface="Calibri" panose="020F0502020204030204" pitchFamily="34" charset="0"/>
-              </a:rPr>
-              <a:t>process</a:t>
-            </a:r>
-            <a:r>
-              <a:rPr lang="tr-TR" sz="2000" dirty="0">
-                <a:latin typeface="Calibri" panose="020F0502020204030204" pitchFamily="34" charset="0"/>
-                <a:cs typeface="Calibri" panose="020F0502020204030204" pitchFamily="34" charset="0"/>
-              </a:rPr>
-              <a:t> hazır kuyruğuna geldiğinde, çalışmakta olan </a:t>
+              <a:t> yönteminde, bir process hazır kuyruğuna geldiğinde, çalışmakta olan </a:t>
             </a:r>
             <a:r>
               <a:rPr lang="tr-TR" sz="2000" dirty="0" err="1">
@@ -13684,15 +12721,7 @@
           <a:p>
             <a:r>
               <a:rPr lang="tr-TR" dirty="0"/>
-              <a:t>Planlama (</a:t>
-            </a:r>
-            <a:r>
-              <a:rPr lang="tr-TR" dirty="0" err="1"/>
-              <a:t>Scheduling</a:t>
-            </a:r>
-            <a:r>
-              <a:rPr lang="tr-TR" dirty="0"/>
-              <a:t>)</a:t>
+              <a:t>Planlama (Scheduling)</a:t>
             </a:r>
             <a:r>
               <a:rPr lang="tr-TR" sz="1800" b="0" i="0" u="none" strike="noStrike" baseline="0" dirty="0">
@@ -13746,6 +12775,23 @@
                 <a:latin typeface="Calibri" panose="020F0502020204030204" pitchFamily="34" charset="0"/>
                 <a:cs typeface="Calibri" panose="020F0502020204030204" pitchFamily="34" charset="0"/>
               </a:rPr>
+              <a:t> Scheduling</a:t>
+            </a:r>
+          </a:p>
+          <a:p>
+            <a:pPr algn="just"/>
+            <a:r>
+              <a:rPr lang="tr-TR" sz="2000" dirty="0" err="1">
+                <a:latin typeface="Calibri" panose="020F0502020204030204" pitchFamily="34" charset="0"/>
+                <a:cs typeface="Calibri" panose="020F0502020204030204" pitchFamily="34" charset="0"/>
+              </a:rPr>
+              <a:t>Priority</a:t>
+            </a:r>
+            <a:r>
+              <a:rPr lang="tr-TR" sz="2000" dirty="0">
+                <a:latin typeface="Calibri" panose="020F0502020204030204" pitchFamily="34" charset="0"/>
+                <a:cs typeface="Calibri" panose="020F0502020204030204" pitchFamily="34" charset="0"/>
+              </a:rPr>
               <a:t> </a:t>
             </a:r>
             <a:r>
@@ -13753,188 +12799,118 @@
                 <a:latin typeface="Calibri" panose="020F0502020204030204" pitchFamily="34" charset="0"/>
                 <a:cs typeface="Calibri" panose="020F0502020204030204" pitchFamily="34" charset="0"/>
               </a:rPr>
-              <a:t>Scheduling</a:t>
-            </a:r>
-            <a:endParaRPr lang="tr-TR" sz="2000" dirty="0">
-              <a:latin typeface="Calibri" panose="020F0502020204030204" pitchFamily="34" charset="0"/>
-              <a:cs typeface="Calibri" panose="020F0502020204030204" pitchFamily="34" charset="0"/>
-            </a:endParaRPr>
+              <a:t>scheduling</a:t>
+            </a:r>
+            <a:r>
+              <a:rPr lang="tr-TR" sz="2000" dirty="0">
+                <a:latin typeface="Calibri" panose="020F0502020204030204" pitchFamily="34" charset="0"/>
+                <a:cs typeface="Calibri" panose="020F0502020204030204" pitchFamily="34" charset="0"/>
+              </a:rPr>
+              <a:t> algoritmasında, CPU sürekli yüksek öncelikli </a:t>
+            </a:r>
+            <a:r>
+              <a:rPr lang="tr-TR" sz="2000" dirty="0" err="1">
+                <a:latin typeface="Calibri" panose="020F0502020204030204" pitchFamily="34" charset="0"/>
+                <a:cs typeface="Calibri" panose="020F0502020204030204" pitchFamily="34" charset="0"/>
+              </a:rPr>
+              <a:t>process’leri</a:t>
+            </a:r>
+            <a:r>
+              <a:rPr lang="tr-TR" sz="2000" dirty="0">
+                <a:latin typeface="Calibri" panose="020F0502020204030204" pitchFamily="34" charset="0"/>
+                <a:cs typeface="Calibri" panose="020F0502020204030204" pitchFamily="34" charset="0"/>
+              </a:rPr>
+              <a:t> çalıştırabilir ve bazı </a:t>
+            </a:r>
+            <a:r>
+              <a:rPr lang="tr-TR" sz="2000" dirty="0" err="1">
+                <a:latin typeface="Calibri" panose="020F0502020204030204" pitchFamily="34" charset="0"/>
+                <a:cs typeface="Calibri" panose="020F0502020204030204" pitchFamily="34" charset="0"/>
+              </a:rPr>
+              <a:t>processler</a:t>
+            </a:r>
+            <a:r>
+              <a:rPr lang="tr-TR" sz="2000" dirty="0">
+                <a:latin typeface="Calibri" panose="020F0502020204030204" pitchFamily="34" charset="0"/>
+                <a:cs typeface="Calibri" panose="020F0502020204030204" pitchFamily="34" charset="0"/>
+              </a:rPr>
+              <a:t> sürekli hazır kuyruğunda bekleyebilir (</a:t>
+            </a:r>
+            <a:r>
+              <a:rPr lang="tr-TR" sz="2000" dirty="0" err="1">
+                <a:latin typeface="Calibri" panose="020F0502020204030204" pitchFamily="34" charset="0"/>
+                <a:cs typeface="Calibri" panose="020F0502020204030204" pitchFamily="34" charset="0"/>
+              </a:rPr>
+              <a:t>indefinite</a:t>
+            </a:r>
+            <a:r>
+              <a:rPr lang="tr-TR" sz="2000" dirty="0">
+                <a:latin typeface="Calibri" panose="020F0502020204030204" pitchFamily="34" charset="0"/>
+                <a:cs typeface="Calibri" panose="020F0502020204030204" pitchFamily="34" charset="0"/>
+              </a:rPr>
+              <a:t> </a:t>
+            </a:r>
+            <a:r>
+              <a:rPr lang="tr-TR" sz="2000" dirty="0" err="1">
+                <a:latin typeface="Calibri" panose="020F0502020204030204" pitchFamily="34" charset="0"/>
+                <a:cs typeface="Calibri" panose="020F0502020204030204" pitchFamily="34" charset="0"/>
+              </a:rPr>
+              <a:t>blocking</a:t>
+            </a:r>
+            <a:r>
+              <a:rPr lang="tr-TR" sz="2000" dirty="0">
+                <a:latin typeface="Calibri" panose="020F0502020204030204" pitchFamily="34" charset="0"/>
+                <a:cs typeface="Calibri" panose="020F0502020204030204" pitchFamily="34" charset="0"/>
+              </a:rPr>
+              <a:t>, </a:t>
+            </a:r>
+            <a:r>
+              <a:rPr lang="tr-TR" sz="2000" dirty="0" err="1">
+                <a:latin typeface="Calibri" panose="020F0502020204030204" pitchFamily="34" charset="0"/>
+                <a:cs typeface="Calibri" panose="020F0502020204030204" pitchFamily="34" charset="0"/>
+              </a:rPr>
+              <a:t>starvation</a:t>
+            </a:r>
+            <a:r>
+              <a:rPr lang="tr-TR" sz="2000" dirty="0">
+                <a:latin typeface="Calibri" panose="020F0502020204030204" pitchFamily="34" charset="0"/>
+                <a:cs typeface="Calibri" panose="020F0502020204030204" pitchFamily="34" charset="0"/>
+              </a:rPr>
+              <a:t>).</a:t>
+            </a:r>
           </a:p>
           <a:p>
             <a:pPr algn="just"/>
             <a:r>
+              <a:rPr lang="tr-TR" sz="2000" dirty="0">
+                <a:latin typeface="Calibri" panose="020F0502020204030204" pitchFamily="34" charset="0"/>
+                <a:cs typeface="Calibri" panose="020F0502020204030204" pitchFamily="34" charset="0"/>
+              </a:rPr>
+              <a:t>Sınırsız beklemeyi engellemek için düşük öncelikli process’ler kuyrukta beklerken öncelik seviyesi artırılır (</a:t>
+            </a:r>
+            <a:r>
               <a:rPr lang="tr-TR" sz="2000" dirty="0" err="1">
                 <a:latin typeface="Calibri" panose="020F0502020204030204" pitchFamily="34" charset="0"/>
                 <a:cs typeface="Calibri" panose="020F0502020204030204" pitchFamily="34" charset="0"/>
               </a:rPr>
-              <a:t>Priority</a:t>
+              <a:t>Örn</a:t>
             </a:r>
             <a:r>
               <a:rPr lang="tr-TR" sz="2000" dirty="0">
                 <a:latin typeface="Calibri" panose="020F0502020204030204" pitchFamily="34" charset="0"/>
                 <a:cs typeface="Calibri" panose="020F0502020204030204" pitchFamily="34" charset="0"/>
               </a:rPr>
-              <a:t> </a:t>
-            </a:r>
-            <a:r>
-              <a:rPr lang="tr-TR" sz="2000" dirty="0" err="1">
-                <a:latin typeface="Calibri" panose="020F0502020204030204" pitchFamily="34" charset="0"/>
-                <a:cs typeface="Calibri" panose="020F0502020204030204" pitchFamily="34" charset="0"/>
-              </a:rPr>
-              <a:t>scheduling</a:t>
-            </a:r>
+              <a:t>. her 15 saniyede öncelik 1 artırılır).</a:t>
+            </a:r>
+          </a:p>
+          <a:p>
+            <a:pPr algn="just"/>
             <a:r>
               <a:rPr lang="tr-TR" sz="2000" dirty="0">
                 <a:latin typeface="Calibri" panose="020F0502020204030204" pitchFamily="34" charset="0"/>
                 <a:cs typeface="Calibri" panose="020F0502020204030204" pitchFamily="34" charset="0"/>
               </a:rPr>
-              <a:t> algoritmasında, CPU sürekli yüksek öncelikli </a:t>
-            </a:r>
-            <a:r>
-              <a:rPr lang="tr-TR" sz="2000" dirty="0" err="1">
-                <a:latin typeface="Calibri" panose="020F0502020204030204" pitchFamily="34" charset="0"/>
-                <a:cs typeface="Calibri" panose="020F0502020204030204" pitchFamily="34" charset="0"/>
-              </a:rPr>
-              <a:t>process’leri</a:t>
-            </a:r>
-            <a:r>
-              <a:rPr lang="tr-TR" sz="2000" dirty="0">
-                <a:latin typeface="Calibri" panose="020F0502020204030204" pitchFamily="34" charset="0"/>
-                <a:cs typeface="Calibri" panose="020F0502020204030204" pitchFamily="34" charset="0"/>
-              </a:rPr>
-              <a:t> çalıştırabilir ve bazı </a:t>
-            </a:r>
-            <a:r>
-              <a:rPr lang="tr-TR" sz="2000" dirty="0" err="1">
-                <a:latin typeface="Calibri" panose="020F0502020204030204" pitchFamily="34" charset="0"/>
-                <a:cs typeface="Calibri" panose="020F0502020204030204" pitchFamily="34" charset="0"/>
-              </a:rPr>
-              <a:t>processler</a:t>
-            </a:r>
-            <a:r>
-              <a:rPr lang="tr-TR" sz="2000" dirty="0">
-                <a:latin typeface="Calibri" panose="020F0502020204030204" pitchFamily="34" charset="0"/>
-                <a:cs typeface="Calibri" panose="020F0502020204030204" pitchFamily="34" charset="0"/>
-              </a:rPr>
-              <a:t> sürekli hazır kuyruğunda bekleyebilir (</a:t>
-            </a:r>
-            <a:r>
-              <a:rPr lang="tr-TR" sz="2000" dirty="0" err="1">
-                <a:latin typeface="Calibri" panose="020F0502020204030204" pitchFamily="34" charset="0"/>
-                <a:cs typeface="Calibri" panose="020F0502020204030204" pitchFamily="34" charset="0"/>
-              </a:rPr>
-              <a:t>indefinite</a:t>
-            </a:r>
-            <a:r>
-              <a:rPr lang="tr-TR" sz="2000" dirty="0">
-                <a:latin typeface="Calibri" panose="020F0502020204030204" pitchFamily="34" charset="0"/>
-                <a:cs typeface="Calibri" panose="020F0502020204030204" pitchFamily="34" charset="0"/>
-              </a:rPr>
-              <a:t> </a:t>
-            </a:r>
-            <a:r>
-              <a:rPr lang="tr-TR" sz="2000" dirty="0" err="1">
-                <a:latin typeface="Calibri" panose="020F0502020204030204" pitchFamily="34" charset="0"/>
-                <a:cs typeface="Calibri" panose="020F0502020204030204" pitchFamily="34" charset="0"/>
-              </a:rPr>
-              <a:t>blocking</a:t>
-            </a:r>
-            <a:r>
-              <a:rPr lang="tr-TR" sz="2000" dirty="0">
-                <a:latin typeface="Calibri" panose="020F0502020204030204" pitchFamily="34" charset="0"/>
-                <a:cs typeface="Calibri" panose="020F0502020204030204" pitchFamily="34" charset="0"/>
-              </a:rPr>
-              <a:t>, </a:t>
-            </a:r>
-            <a:r>
-              <a:rPr lang="tr-TR" sz="2000" dirty="0" err="1">
-                <a:latin typeface="Calibri" panose="020F0502020204030204" pitchFamily="34" charset="0"/>
-                <a:cs typeface="Calibri" panose="020F0502020204030204" pitchFamily="34" charset="0"/>
-              </a:rPr>
-              <a:t>starvation</a:t>
-            </a:r>
-            <a:r>
-              <a:rPr lang="tr-TR" sz="2000" dirty="0">
-                <a:latin typeface="Calibri" panose="020F0502020204030204" pitchFamily="34" charset="0"/>
-                <a:cs typeface="Calibri" panose="020F0502020204030204" pitchFamily="34" charset="0"/>
-              </a:rPr>
-              <a:t>).</a:t>
-            </a:r>
-          </a:p>
-          <a:p>
-            <a:pPr algn="just"/>
-            <a:r>
-              <a:rPr lang="tr-TR" sz="2000" dirty="0">
-                <a:latin typeface="Calibri" panose="020F0502020204030204" pitchFamily="34" charset="0"/>
-                <a:cs typeface="Calibri" panose="020F0502020204030204" pitchFamily="34" charset="0"/>
-              </a:rPr>
-              <a:t>Sınırsız beklemeyi engellemek için düşük öncelikli </a:t>
-            </a:r>
-            <a:r>
-              <a:rPr lang="tr-TR" sz="2000" dirty="0" err="1">
-                <a:latin typeface="Calibri" panose="020F0502020204030204" pitchFamily="34" charset="0"/>
-                <a:cs typeface="Calibri" panose="020F0502020204030204" pitchFamily="34" charset="0"/>
-              </a:rPr>
-              <a:t>process’ler</a:t>
-            </a:r>
-            <a:r>
-              <a:rPr lang="tr-TR" sz="2000" dirty="0">
-                <a:latin typeface="Calibri" panose="020F0502020204030204" pitchFamily="34" charset="0"/>
-                <a:cs typeface="Calibri" panose="020F0502020204030204" pitchFamily="34" charset="0"/>
-              </a:rPr>
-              <a:t> kuyrukta beklerken öncelik seviyesi artırılır (</a:t>
-            </a:r>
-            <a:r>
-              <a:rPr lang="tr-TR" sz="2000" dirty="0" err="1">
-                <a:latin typeface="Calibri" panose="020F0502020204030204" pitchFamily="34" charset="0"/>
-                <a:cs typeface="Calibri" panose="020F0502020204030204" pitchFamily="34" charset="0"/>
-              </a:rPr>
-              <a:t>Örn</a:t>
-            </a:r>
-            <a:r>
-              <a:rPr lang="tr-TR" sz="2000" dirty="0">
-                <a:latin typeface="Calibri" panose="020F0502020204030204" pitchFamily="34" charset="0"/>
-                <a:cs typeface="Calibri" panose="020F0502020204030204" pitchFamily="34" charset="0"/>
-              </a:rPr>
-              <a:t>. her 15 </a:t>
-            </a:r>
-            <a:r>
-              <a:rPr lang="tr-TR" sz="2000" dirty="0" smtClean="0">
-                <a:latin typeface="Calibri" panose="020F0502020204030204" pitchFamily="34" charset="0"/>
-                <a:cs typeface="Calibri" panose="020F0502020204030204" pitchFamily="34" charset="0"/>
-              </a:rPr>
-              <a:t>saniyede öncelik 1 </a:t>
-            </a:r>
-            <a:r>
-              <a:rPr lang="tr-TR" sz="2000" dirty="0">
-                <a:latin typeface="Calibri" panose="020F0502020204030204" pitchFamily="34" charset="0"/>
-                <a:cs typeface="Calibri" panose="020F0502020204030204" pitchFamily="34" charset="0"/>
-              </a:rPr>
-              <a:t>artırılır).</a:t>
-            </a:r>
-          </a:p>
-          <a:p>
-            <a:pPr algn="just"/>
-            <a:r>
-              <a:rPr lang="tr-TR" sz="2000" dirty="0">
-                <a:latin typeface="Calibri" panose="020F0502020204030204" pitchFamily="34" charset="0"/>
-                <a:cs typeface="Calibri" panose="020F0502020204030204" pitchFamily="34" charset="0"/>
-              </a:rPr>
-              <a:t>Öncelik değeri artırılarak en düşük önceliğe sahip </a:t>
-            </a:r>
-            <a:r>
-              <a:rPr lang="tr-TR" sz="2000" dirty="0" err="1">
-                <a:latin typeface="Calibri" panose="020F0502020204030204" pitchFamily="34" charset="0"/>
-                <a:cs typeface="Calibri" panose="020F0502020204030204" pitchFamily="34" charset="0"/>
-              </a:rPr>
-              <a:t>process’in</a:t>
-            </a:r>
-            <a:r>
-              <a:rPr lang="tr-TR" sz="2000" dirty="0">
-                <a:latin typeface="Calibri" panose="020F0502020204030204" pitchFamily="34" charset="0"/>
-                <a:cs typeface="Calibri" panose="020F0502020204030204" pitchFamily="34" charset="0"/>
-              </a:rPr>
-              <a:t> bile belirli bir süre sonunda çalışması sağlanır.</a:t>
+              <a:t>Öncelik değeri artırılarak en düşük önceliğe sahip process’in bile belirli bir süre sonunda çalışması sağlanır.</a:t>
             </a:r>
           </a:p>
           <a:p>
@@ -13996,15 +12972,7 @@
           <a:p>
             <a:r>
               <a:rPr lang="tr-TR" dirty="0"/>
-              <a:t>Planlama (</a:t>
-            </a:r>
-            <a:r>
-              <a:rPr lang="tr-TR" dirty="0" err="1"/>
-              <a:t>Scheduling</a:t>
-            </a:r>
-            <a:r>
-              <a:rPr lang="tr-TR" dirty="0"/>
-              <a:t>)</a:t>
+              <a:t>Planlama (Scheduling)</a:t>
             </a:r>
             <a:r>
               <a:rPr lang="tr-TR" sz="1800" b="0" i="0" u="none" strike="noStrike" baseline="0" dirty="0">
@@ -14051,212 +13019,159 @@
                 <a:latin typeface="Calibri" panose="020F0502020204030204" pitchFamily="34" charset="0"/>
                 <a:cs typeface="Calibri" panose="020F0502020204030204" pitchFamily="34" charset="0"/>
               </a:rPr>
-              <a:t>Round-Robin</a:t>
+              <a:t>Round</a:t>
             </a:r>
             <a:r>
               <a:rPr lang="tr-TR" sz="2000" dirty="0">
                 <a:latin typeface="Calibri" panose="020F0502020204030204" pitchFamily="34" charset="0"/>
                 <a:cs typeface="Calibri" panose="020F0502020204030204" pitchFamily="34" charset="0"/>
               </a:rPr>
+              <a:t>-Robin Scheduling</a:t>
+            </a:r>
+          </a:p>
+          <a:p>
+            <a:pPr algn="just"/>
+            <a:r>
+              <a:rPr lang="tr-TR" sz="2000" dirty="0" err="1">
+                <a:latin typeface="Calibri" panose="020F0502020204030204" pitchFamily="34" charset="0"/>
+                <a:cs typeface="Calibri" panose="020F0502020204030204" pitchFamily="34" charset="0"/>
+              </a:rPr>
+              <a:t>Round-robin</a:t>
+            </a:r>
+            <a:r>
+              <a:rPr lang="tr-TR" sz="2000" dirty="0">
+                <a:latin typeface="Calibri" panose="020F0502020204030204" pitchFamily="34" charset="0"/>
+                <a:cs typeface="Calibri" panose="020F0502020204030204" pitchFamily="34" charset="0"/>
+              </a:rPr>
+              <a:t> (RR) </a:t>
+            </a:r>
+            <a:r>
+              <a:rPr lang="tr-TR" sz="2000" dirty="0" err="1">
+                <a:latin typeface="Calibri" panose="020F0502020204030204" pitchFamily="34" charset="0"/>
+                <a:cs typeface="Calibri" panose="020F0502020204030204" pitchFamily="34" charset="0"/>
+              </a:rPr>
+              <a:t>scheduling</a:t>
+            </a:r>
+            <a:r>
+              <a:rPr lang="tr-TR" sz="2000" dirty="0">
+                <a:latin typeface="Calibri" panose="020F0502020204030204" pitchFamily="34" charset="0"/>
+                <a:cs typeface="Calibri" panose="020F0502020204030204" pitchFamily="34" charset="0"/>
+              </a:rPr>
+              <a:t>, genellikle time-</a:t>
+            </a:r>
+            <a:r>
+              <a:rPr lang="tr-TR" sz="2000" dirty="0" err="1">
+                <a:latin typeface="Calibri" panose="020F0502020204030204" pitchFamily="34" charset="0"/>
+                <a:cs typeface="Calibri" panose="020F0502020204030204" pitchFamily="34" charset="0"/>
+              </a:rPr>
+              <a:t>sharing</a:t>
+            </a:r>
+            <a:r>
+              <a:rPr lang="tr-TR" sz="2000" dirty="0">
+                <a:latin typeface="Calibri" panose="020F0502020204030204" pitchFamily="34" charset="0"/>
+                <a:cs typeface="Calibri" panose="020F0502020204030204" pitchFamily="34" charset="0"/>
+              </a:rPr>
+              <a:t> sistemlerde kullanılır.</a:t>
+            </a:r>
+          </a:p>
+          <a:p>
+            <a:pPr algn="just"/>
+            <a:r>
+              <a:rPr lang="tr-TR" sz="2000" dirty="0">
+                <a:latin typeface="Calibri" panose="020F0502020204030204" pitchFamily="34" charset="0"/>
+                <a:cs typeface="Calibri" panose="020F0502020204030204" pitchFamily="34" charset="0"/>
+              </a:rPr>
+              <a:t>Hazır kuyruğundaki process’ler belirli bir zaman aralığında</a:t>
+            </a:r>
+            <a:r>
+              <a:rPr lang="en-US" sz="2000" dirty="0">
+                <a:latin typeface="Calibri" panose="020F0502020204030204" pitchFamily="34" charset="0"/>
+                <a:cs typeface="Calibri" panose="020F0502020204030204" pitchFamily="34" charset="0"/>
+              </a:rPr>
               <a:t> </a:t>
             </a:r>
             <a:r>
+              <a:rPr lang="tr-TR" sz="2000" dirty="0">
+                <a:latin typeface="Calibri" panose="020F0502020204030204" pitchFamily="34" charset="0"/>
+                <a:cs typeface="Calibri" panose="020F0502020204030204" pitchFamily="34" charset="0"/>
+              </a:rPr>
+              <a:t>(time </a:t>
+            </a:r>
+            <a:r>
               <a:rPr lang="tr-TR" sz="2000" dirty="0" err="1">
                 <a:latin typeface="Calibri" panose="020F0502020204030204" pitchFamily="34" charset="0"/>
                 <a:cs typeface="Calibri" panose="020F0502020204030204" pitchFamily="34" charset="0"/>
               </a:rPr>
-              <a:t>Scheduling</a:t>
-            </a:r>
-            <a:endParaRPr lang="tr-TR" sz="2000" dirty="0">
-              <a:latin typeface="Calibri" panose="020F0502020204030204" pitchFamily="34" charset="0"/>
-              <a:cs typeface="Calibri" panose="020F0502020204030204" pitchFamily="34" charset="0"/>
-            </a:endParaRPr>
+              <a:t>slice</a:t>
+            </a:r>
+            <a:r>
+              <a:rPr lang="tr-TR" sz="2000" dirty="0">
+                <a:latin typeface="Calibri" panose="020F0502020204030204" pitchFamily="34" charset="0"/>
+                <a:cs typeface="Calibri" panose="020F0502020204030204" pitchFamily="34" charset="0"/>
+              </a:rPr>
+              <a:t>) CPU’ya sıralı atanır.</a:t>
+            </a:r>
           </a:p>
           <a:p>
             <a:pPr algn="just"/>
             <a:r>
+              <a:rPr lang="tr-TR" sz="2000" dirty="0">
+                <a:latin typeface="Calibri" panose="020F0502020204030204" pitchFamily="34" charset="0"/>
+                <a:cs typeface="Calibri" panose="020F0502020204030204" pitchFamily="34" charset="0"/>
+              </a:rPr>
+              <a:t>Zaman aralığı genellikle 10 </a:t>
+            </a:r>
+            <a:r>
               <a:rPr lang="tr-TR" sz="2000" dirty="0" err="1">
                 <a:latin typeface="Calibri" panose="020F0502020204030204" pitchFamily="34" charset="0"/>
                 <a:cs typeface="Calibri" panose="020F0502020204030204" pitchFamily="34" charset="0"/>
               </a:rPr>
-              <a:t>Round-robin</a:t>
+              <a:t>ms</a:t>
             </a:r>
             <a:r>
               <a:rPr lang="tr-TR" sz="2000" dirty="0">
                 <a:latin typeface="Calibri" panose="020F0502020204030204" pitchFamily="34" charset="0"/>
                 <a:cs typeface="Calibri" panose="020F0502020204030204" pitchFamily="34" charset="0"/>
               </a:rPr>
-              <a:t> (RR) </a:t>
+              <a:t> ile 100 </a:t>
             </a:r>
             <a:r>
               <a:rPr lang="tr-TR" sz="2000" dirty="0" err="1">
                 <a:latin typeface="Calibri" panose="020F0502020204030204" pitchFamily="34" charset="0"/>
                 <a:cs typeface="Calibri" panose="020F0502020204030204" pitchFamily="34" charset="0"/>
               </a:rPr>
-              <a:t>scheduling</a:t>
+              <a:t>ms</a:t>
             </a:r>
             <a:r>
               <a:rPr lang="tr-TR" sz="2000" dirty="0">
                 <a:latin typeface="Calibri" panose="020F0502020204030204" pitchFamily="34" charset="0"/>
                 <a:cs typeface="Calibri" panose="020F0502020204030204" pitchFamily="34" charset="0"/>
               </a:rPr>
-              <a:t>, genellikle time-</a:t>
+              <a:t> aralığında seçilir.</a:t>
+            </a:r>
+          </a:p>
+          <a:p>
+            <a:pPr algn="just"/>
+            <a:r>
+              <a:rPr lang="tr-TR" sz="2000" dirty="0">
+                <a:latin typeface="Calibri" panose="020F0502020204030204" pitchFamily="34" charset="0"/>
+                <a:cs typeface="Calibri" panose="020F0502020204030204" pitchFamily="34" charset="0"/>
+              </a:rPr>
+              <a:t>Time </a:t>
             </a:r>
             <a:r>
               <a:rPr lang="tr-TR" sz="2000" dirty="0" err="1">
                 <a:latin typeface="Calibri" panose="020F0502020204030204" pitchFamily="34" charset="0"/>
                 <a:cs typeface="Calibri" panose="020F0502020204030204" pitchFamily="34" charset="0"/>
               </a:rPr>
-              <a:t>sharing</a:t>
+              <a:t>slice</a:t>
             </a:r>
             <a:r>
               <a:rPr lang="tr-TR" sz="2000" dirty="0">
                 <a:latin typeface="Calibri" panose="020F0502020204030204" pitchFamily="34" charset="0"/>
                 <a:cs typeface="Calibri" panose="020F0502020204030204" pitchFamily="34" charset="0"/>
               </a:rPr>
-              <a:t> sistemlerde kullanılır.</a:t>
-            </a:r>
-          </a:p>
-          <a:p>
-            <a:pPr algn="just"/>
-            <a:r>
-              <a:rPr lang="tr-TR" sz="2000" dirty="0">
-                <a:latin typeface="Calibri" panose="020F0502020204030204" pitchFamily="34" charset="0"/>
-                <a:cs typeface="Calibri" panose="020F0502020204030204" pitchFamily="34" charset="0"/>
-              </a:rPr>
-              <a:t>Hazır kuyruğundaki </a:t>
-            </a:r>
-            <a:r>
-              <a:rPr lang="tr-TR" sz="2000" dirty="0" err="1">
-                <a:latin typeface="Calibri" panose="020F0502020204030204" pitchFamily="34" charset="0"/>
-                <a:cs typeface="Calibri" panose="020F0502020204030204" pitchFamily="34" charset="0"/>
-              </a:rPr>
-              <a:t>process’ler</a:t>
-            </a:r>
-            <a:r>
-              <a:rPr lang="tr-TR" sz="2000" dirty="0">
-                <a:latin typeface="Calibri" panose="020F0502020204030204" pitchFamily="34" charset="0"/>
-                <a:cs typeface="Calibri" panose="020F0502020204030204" pitchFamily="34" charset="0"/>
-              </a:rPr>
-              <a:t> belirli bir zaman </a:t>
-            </a:r>
-            <a:r>
-              <a:rPr lang="tr-TR" sz="2000" dirty="0" smtClean="0">
-                <a:latin typeface="Calibri" panose="020F0502020204030204" pitchFamily="34" charset="0"/>
-                <a:cs typeface="Calibri" panose="020F0502020204030204" pitchFamily="34" charset="0"/>
-              </a:rPr>
-              <a:t>aralığında</a:t>
-            </a:r>
-            <a:r>
-              <a:rPr lang="en-US" sz="2000" dirty="0" smtClean="0">
-                <a:latin typeface="Calibri" panose="020F0502020204030204" pitchFamily="34" charset="0"/>
-                <a:cs typeface="Calibri" panose="020F0502020204030204" pitchFamily="34" charset="0"/>
-              </a:rPr>
-              <a:t> </a:t>
-            </a:r>
-            <a:r>
-              <a:rPr lang="tr-TR" sz="2000" dirty="0" smtClean="0">
-                <a:latin typeface="Calibri" panose="020F0502020204030204" pitchFamily="34" charset="0"/>
-                <a:cs typeface="Calibri" panose="020F0502020204030204" pitchFamily="34" charset="0"/>
-              </a:rPr>
-              <a:t>(</a:t>
-            </a:r>
-            <a:r>
-              <a:rPr lang="tr-TR" sz="2000" dirty="0">
-                <a:latin typeface="Calibri" panose="020F0502020204030204" pitchFamily="34" charset="0"/>
-                <a:cs typeface="Calibri" panose="020F0502020204030204" pitchFamily="34" charset="0"/>
-              </a:rPr>
-              <a:t>time </a:t>
-            </a:r>
-            <a:r>
-              <a:rPr lang="tr-TR" sz="2000" dirty="0" err="1">
-                <a:latin typeface="Calibri" panose="020F0502020204030204" pitchFamily="34" charset="0"/>
-                <a:cs typeface="Calibri" panose="020F0502020204030204" pitchFamily="34" charset="0"/>
-              </a:rPr>
-              <a:t>slice</a:t>
-            </a:r>
-            <a:r>
-              <a:rPr lang="tr-TR" sz="2000" dirty="0">
-                <a:latin typeface="Calibri" panose="020F0502020204030204" pitchFamily="34" charset="0"/>
-                <a:cs typeface="Calibri" panose="020F0502020204030204" pitchFamily="34" charset="0"/>
-              </a:rPr>
-              <a:t>) CPU’ya sıralı atanır.</a:t>
-            </a:r>
-          </a:p>
-          <a:p>
-            <a:pPr algn="just"/>
-            <a:r>
-              <a:rPr lang="tr-TR" sz="2000" dirty="0">
-                <a:latin typeface="Calibri" panose="020F0502020204030204" pitchFamily="34" charset="0"/>
-                <a:cs typeface="Calibri" panose="020F0502020204030204" pitchFamily="34" charset="0"/>
-              </a:rPr>
-              <a:t>Zaman aralığı genellikle 10 </a:t>
-            </a:r>
-            <a:r>
-              <a:rPr lang="tr-TR" sz="2000" dirty="0" err="1">
-                <a:latin typeface="Calibri" panose="020F0502020204030204" pitchFamily="34" charset="0"/>
-                <a:cs typeface="Calibri" panose="020F0502020204030204" pitchFamily="34" charset="0"/>
-              </a:rPr>
-              <a:t>ms</a:t>
-            </a:r>
-            <a:r>
-              <a:rPr lang="tr-TR" sz="2000" dirty="0">
-                <a:latin typeface="Calibri" panose="020F0502020204030204" pitchFamily="34" charset="0"/>
-                <a:cs typeface="Calibri" panose="020F0502020204030204" pitchFamily="34" charset="0"/>
-              </a:rPr>
-              <a:t> ile 100 </a:t>
-            </a:r>
-            <a:r>
-              <a:rPr lang="tr-TR" sz="2000" dirty="0" err="1">
-                <a:latin typeface="Calibri" panose="020F0502020204030204" pitchFamily="34" charset="0"/>
-                <a:cs typeface="Calibri" panose="020F0502020204030204" pitchFamily="34" charset="0"/>
-              </a:rPr>
-              <a:t>ms</a:t>
-            </a:r>
-            <a:r>
-              <a:rPr lang="tr-TR" sz="2000" dirty="0">
-                <a:latin typeface="Calibri" panose="020F0502020204030204" pitchFamily="34" charset="0"/>
-                <a:cs typeface="Calibri" panose="020F0502020204030204" pitchFamily="34" charset="0"/>
-              </a:rPr>
-              <a:t> aralığında seçilir.</a:t>
-            </a:r>
-          </a:p>
-          <a:p>
-            <a:pPr algn="just"/>
-            <a:r>
-              <a:rPr lang="tr-TR" sz="2000" dirty="0">
-                <a:latin typeface="Calibri" panose="020F0502020204030204" pitchFamily="34" charset="0"/>
-                <a:cs typeface="Calibri" panose="020F0502020204030204" pitchFamily="34" charset="0"/>
-              </a:rPr>
-              <a:t>Time </a:t>
-            </a:r>
-            <a:r>
-              <a:rPr lang="tr-TR" sz="2000" dirty="0" err="1">
-                <a:latin typeface="Calibri" panose="020F0502020204030204" pitchFamily="34" charset="0"/>
-                <a:cs typeface="Calibri" panose="020F0502020204030204" pitchFamily="34" charset="0"/>
-              </a:rPr>
-              <a:t>slice</a:t>
-            </a:r>
-            <a:r>
-              <a:rPr lang="tr-TR" sz="2000" dirty="0">
-                <a:latin typeface="Calibri" panose="020F0502020204030204" pitchFamily="34" charset="0"/>
-                <a:cs typeface="Calibri" panose="020F0502020204030204" pitchFamily="34" charset="0"/>
-              </a:rPr>
-              <a:t> aralığından daha kısa sürede sonlanan </a:t>
-            </a:r>
-            <a:r>
-              <a:rPr lang="tr-TR" sz="2000" dirty="0" err="1">
-                <a:latin typeface="Calibri" panose="020F0502020204030204" pitchFamily="34" charset="0"/>
-                <a:cs typeface="Calibri" panose="020F0502020204030204" pitchFamily="34" charset="0"/>
-              </a:rPr>
-              <a:t>process</a:t>
-            </a:r>
-            <a:r>
-              <a:rPr lang="tr-TR" sz="2000" dirty="0">
-                <a:latin typeface="Calibri" panose="020F0502020204030204" pitchFamily="34" charset="0"/>
-                <a:cs typeface="Calibri" panose="020F0502020204030204" pitchFamily="34" charset="0"/>
-              </a:rPr>
-              <a:t> CPU’yu serbest bırakır.</a:t>
+              <a:t> aralığından daha kısa sürede sonlanan process CPU’yu serbest bırakır.</a:t>
             </a:r>
           </a:p>
           <a:p>
@@ -14348,15 +13263,7 @@
           <a:p>
             <a:r>
               <a:rPr lang="tr-TR" dirty="0"/>
-              <a:t>Planlama (</a:t>
-            </a:r>
-            <a:r>
-              <a:rPr lang="tr-TR" dirty="0" err="1"/>
-              <a:t>Scheduling</a:t>
-            </a:r>
-            <a:r>
-              <a:rPr lang="tr-TR" dirty="0"/>
-              <a:t>)</a:t>
+              <a:t>Planlama (Scheduling)</a:t>
             </a:r>
             <a:r>
               <a:rPr lang="tr-TR" sz="1800" b="0" i="0" u="none" strike="noStrike" baseline="0" dirty="0">
@@ -14410,26 +13317,15 @@
                 <a:latin typeface="Calibri" panose="020F0502020204030204" pitchFamily="34" charset="0"/>
                 <a:cs typeface="Calibri" panose="020F0502020204030204" pitchFamily="34" charset="0"/>
               </a:rPr>
-              <a:t>Round-Robin</a:t>
+              <a:t>Round</a:t>
             </a:r>
             <a:r>
               <a:rPr lang="tr-TR" sz="4200" dirty="0">
                 <a:latin typeface="Calibri" panose="020F0502020204030204" pitchFamily="34" charset="0"/>
                 <a:cs typeface="Calibri" panose="020F0502020204030204" pitchFamily="34" charset="0"/>
               </a:rPr>
-              <a:t> </a:t>
-            </a:r>
-            <a:r>
-              <a:rPr lang="tr-TR" sz="4200" dirty="0" err="1">
-                <a:latin typeface="Calibri" panose="020F0502020204030204" pitchFamily="34" charset="0"/>
-                <a:cs typeface="Calibri" panose="020F0502020204030204" pitchFamily="34" charset="0"/>
-              </a:rPr>
-              <a:t>Scheduling</a:t>
-            </a:r>
-            <a:endParaRPr lang="tr-TR" sz="4200" dirty="0">
-              <a:latin typeface="Calibri" panose="020F0502020204030204" pitchFamily="34" charset="0"/>
-              <a:cs typeface="Calibri" panose="020F0502020204030204" pitchFamily="34" charset="0"/>
-            </a:endParaRPr>
+              <a:t>-Robin Scheduling</a:t>
+            </a:r>
           </a:p>
           <a:p>
             <a:pPr algn="just"/>
@@ -14438,21 +13334,7 @@
                 <a:latin typeface="Calibri" panose="020F0502020204030204" pitchFamily="34" charset="0"/>
                 <a:cs typeface="Calibri" panose="020F0502020204030204" pitchFamily="34" charset="0"/>
               </a:rPr>
-              <a:t>Aşağıda 3 </a:t>
-            </a:r>
-            <a:r>
-              <a:rPr lang="tr-TR" sz="4200" dirty="0" err="1">
-                <a:latin typeface="Calibri" panose="020F0502020204030204" pitchFamily="34" charset="0"/>
-                <a:cs typeface="Calibri" panose="020F0502020204030204" pitchFamily="34" charset="0"/>
-              </a:rPr>
-              <a:t>process</a:t>
-            </a:r>
-            <a:r>
-              <a:rPr lang="tr-TR" sz="4200" dirty="0">
-                <a:latin typeface="Calibri" panose="020F0502020204030204" pitchFamily="34" charset="0"/>
-                <a:cs typeface="Calibri" panose="020F0502020204030204" pitchFamily="34" charset="0"/>
-              </a:rPr>
-              <a:t> için CPU-</a:t>
+              <a:t>Aşağıda 3 process için CPU-</a:t>
             </a:r>
             <a:r>
               <a:rPr lang="tr-TR" sz="4200" dirty="0" err="1">
@@ -14597,7 +13479,7 @@
               <a:t>ms’dir</a:t>
             </a:r>
             <a:r>
-              <a:rPr lang="tr-TR" sz="4200" dirty="0" smtClean="0">
+              <a:rPr lang="tr-TR" sz="4200" dirty="0">
                 <a:latin typeface="Calibri" panose="020F0502020204030204" pitchFamily="34" charset="0"/>
                 <a:cs typeface="Calibri" panose="020F0502020204030204" pitchFamily="34" charset="0"/>
               </a:rPr>
@@ -14607,44 +13489,26 @@
           <a:p>
             <a:pPr algn="just"/>
             <a:r>
-              <a:rPr lang="tr-TR" sz="4200" dirty="0" smtClean="0">
-                <a:latin typeface="Calibri" panose="020F0502020204030204" pitchFamily="34" charset="0"/>
-                <a:cs typeface="Calibri" panose="020F0502020204030204" pitchFamily="34" charset="0"/>
-              </a:rPr>
-              <a:t>Ort</a:t>
-            </a:r>
-            <a:r>
-              <a:rPr lang="tr-TR" sz="4200" dirty="0" smtClean="0">
-                <a:latin typeface="Calibri" panose="020F0502020204030204" pitchFamily="34" charset="0"/>
-                <a:cs typeface="Calibri" panose="020F0502020204030204" pitchFamily="34" charset="0"/>
-              </a:rPr>
-              <a:t>. </a:t>
-            </a:r>
-            <a:r>
-              <a:rPr lang="tr-TR" sz="4200" dirty="0" err="1" smtClean="0">
+              <a:rPr lang="tr-TR" sz="4200" dirty="0">
+                <a:latin typeface="Calibri" panose="020F0502020204030204" pitchFamily="34" charset="0"/>
+                <a:cs typeface="Calibri" panose="020F0502020204030204" pitchFamily="34" charset="0"/>
+              </a:rPr>
+              <a:t>Ort. </a:t>
+            </a:r>
+            <a:r>
+              <a:rPr lang="tr-TR" sz="4200" dirty="0" err="1">
                 <a:latin typeface="Calibri" panose="020F0502020204030204" pitchFamily="34" charset="0"/>
                 <a:cs typeface="Calibri" panose="020F0502020204030204" pitchFamily="34" charset="0"/>
               </a:rPr>
               <a:t>turnaround</a:t>
             </a:r>
             <a:r>
-              <a:rPr lang="tr-TR" sz="4200" dirty="0" smtClean="0">
-                <a:latin typeface="Calibri" panose="020F0502020204030204" pitchFamily="34" charset="0"/>
-                <a:cs typeface="Calibri" panose="020F0502020204030204" pitchFamily="34" charset="0"/>
-              </a:rPr>
-              <a:t> </a:t>
-            </a:r>
-            <a:r>
-              <a:rPr lang="tr-TR" sz="4200" dirty="0" smtClean="0">
-                <a:latin typeface="Calibri" panose="020F0502020204030204" pitchFamily="34" charset="0"/>
-                <a:cs typeface="Calibri" panose="020F0502020204030204" pitchFamily="34" charset="0"/>
-              </a:rPr>
-              <a:t>time=(17+30)/3=15.6ms</a:t>
-            </a:r>
-            <a:endParaRPr lang="tr-TR" sz="4200" dirty="0">
-              <a:latin typeface="Calibri" panose="020F0502020204030204" pitchFamily="34" charset="0"/>
-              <a:cs typeface="Calibri" panose="020F0502020204030204" pitchFamily="34" charset="0"/>
-            </a:endParaRPr>
+              <a:rPr lang="tr-TR" sz="4200" dirty="0">
+                <a:latin typeface="Calibri" panose="020F0502020204030204" pitchFamily="34" charset="0"/>
+                <a:cs typeface="Calibri" panose="020F0502020204030204" pitchFamily="34" charset="0"/>
+              </a:rPr>
+              <a:t> time=(17+30)/3=15.6ms</a:t>
+            </a:r>
           </a:p>
           <a:p>
             <a:pPr algn="just"/>
@@ -14667,35 +13531,7 @@
                 <a:latin typeface="Calibri" panose="020F0502020204030204" pitchFamily="34" charset="0"/>
                 <a:cs typeface="Calibri" panose="020F0502020204030204" pitchFamily="34" charset="0"/>
               </a:rPr>
-              <a:t> süresiyle n </a:t>
-            </a:r>
-            <a:r>
-              <a:rPr lang="tr-TR" sz="4200" dirty="0" err="1">
-                <a:latin typeface="Calibri" panose="020F0502020204030204" pitchFamily="34" charset="0"/>
-                <a:cs typeface="Calibri" panose="020F0502020204030204" pitchFamily="34" charset="0"/>
-              </a:rPr>
-              <a:t>process</a:t>
-            </a:r>
-            <a:r>
-              <a:rPr lang="tr-TR" sz="4200" dirty="0">
-                <a:latin typeface="Calibri" panose="020F0502020204030204" pitchFamily="34" charset="0"/>
-                <a:cs typeface="Calibri" panose="020F0502020204030204" pitchFamily="34" charset="0"/>
-              </a:rPr>
-              <a:t> çalışan sistemde, bir </a:t>
-            </a:r>
-            <a:r>
-              <a:rPr lang="tr-TR" sz="4200" dirty="0" err="1">
-                <a:latin typeface="Calibri" panose="020F0502020204030204" pitchFamily="34" charset="0"/>
-                <a:cs typeface="Calibri" panose="020F0502020204030204" pitchFamily="34" charset="0"/>
-              </a:rPr>
-              <a:t>process</a:t>
-            </a:r>
-            <a:r>
-              <a:rPr lang="tr-TR" sz="4200" dirty="0">
-                <a:latin typeface="Calibri" panose="020F0502020204030204" pitchFamily="34" charset="0"/>
-                <a:cs typeface="Calibri" panose="020F0502020204030204" pitchFamily="34" charset="0"/>
-              </a:rPr>
-              <a:t> için en fazla bekleme süresi (n -1) * q olur. </a:t>
+              <a:t> süresiyle n process çalışan sistemde, bir process için en fazla bekleme süresi (n -1) * q olur. </a:t>
             </a:r>
           </a:p>
           <a:p>
@@ -14823,15 +13659,7 @@
           <a:p>
             <a:r>
               <a:rPr lang="tr-TR" dirty="0"/>
-              <a:t>Planlama (</a:t>
-            </a:r>
-            <a:r>
-              <a:rPr lang="tr-TR" dirty="0" err="1"/>
-              <a:t>Scheduling</a:t>
-            </a:r>
-            <a:r>
-              <a:rPr lang="tr-TR" dirty="0"/>
-              <a:t>)</a:t>
+              <a:t>Planlama (Scheduling)</a:t>
             </a:r>
             <a:r>
               <a:rPr lang="tr-TR" sz="1800" b="0" i="0" u="none" strike="noStrike" baseline="0" dirty="0">
@@ -14878,26 +13706,15 @@
                 <a:latin typeface="Calibri" panose="020F0502020204030204" pitchFamily="34" charset="0"/>
                 <a:cs typeface="Calibri" panose="020F0502020204030204" pitchFamily="34" charset="0"/>
               </a:rPr>
-              <a:t>Round-Robin</a:t>
+              <a:t>Round</a:t>
             </a:r>
             <a:r>
               <a:rPr lang="tr-TR" sz="2000" dirty="0">
                 <a:latin typeface="Calibri" panose="020F0502020204030204" pitchFamily="34" charset="0"/>
                 <a:cs typeface="Calibri" panose="020F0502020204030204" pitchFamily="34" charset="0"/>
               </a:rPr>
-              <a:t> </a:t>
-            </a:r>
-            <a:r>
-              <a:rPr lang="tr-TR" sz="2000" dirty="0" err="1">
-                <a:latin typeface="Calibri" panose="020F0502020204030204" pitchFamily="34" charset="0"/>
-                <a:cs typeface="Calibri" panose="020F0502020204030204" pitchFamily="34" charset="0"/>
-              </a:rPr>
-              <a:t>Scheduling</a:t>
-            </a:r>
-            <a:endParaRPr lang="tr-TR" sz="2000" dirty="0">
-              <a:latin typeface="Calibri" panose="020F0502020204030204" pitchFamily="34" charset="0"/>
-              <a:cs typeface="Calibri" panose="020F0502020204030204" pitchFamily="34" charset="0"/>
-            </a:endParaRPr>
+              <a:t>-Robin Scheduling</a:t>
+            </a:r>
           </a:p>
           <a:p>
             <a:pPr algn="just"/>
@@ -15529,35 +14346,21 @@
                 <a:latin typeface="Calibri" panose="020F0502020204030204" pitchFamily="34" charset="0"/>
                 <a:cs typeface="Calibri" panose="020F0502020204030204" pitchFamily="34" charset="0"/>
               </a:rPr>
-              <a:t> (veya semafor</a:t>
-            </a:r>
-            <a:r>
-              <a:rPr lang="tr-TR" sz="1900" dirty="0" smtClean="0">
-                <a:latin typeface="Calibri" panose="020F0502020204030204" pitchFamily="34" charset="0"/>
-                <a:cs typeface="Calibri" panose="020F0502020204030204" pitchFamily="34" charset="0"/>
-              </a:rPr>
-              <a:t>)</a:t>
-            </a:r>
-            <a:r>
-              <a:rPr lang="en-US" sz="1900" dirty="0" smtClean="0">
+              <a:t> (veya semafor)</a:t>
+            </a:r>
+            <a:r>
+              <a:rPr lang="en-US" sz="1900" dirty="0">
                 <a:latin typeface="Calibri" panose="020F0502020204030204" pitchFamily="34" charset="0"/>
                 <a:cs typeface="Calibri" panose="020F0502020204030204" pitchFamily="34" charset="0"/>
               </a:rPr>
               <a:t> </a:t>
             </a:r>
             <a:r>
-              <a:rPr lang="tr-TR" sz="1900" dirty="0" smtClean="0">
-                <a:latin typeface="Calibri" panose="020F0502020204030204" pitchFamily="34" charset="0"/>
-                <a:cs typeface="Calibri" panose="020F0502020204030204" pitchFamily="34" charset="0"/>
-              </a:rPr>
-              <a:t>kullanılarak </a:t>
-            </a:r>
-            <a:r>
               <a:rPr lang="tr-TR" sz="1900" dirty="0">
                 <a:latin typeface="Calibri" panose="020F0502020204030204" pitchFamily="34" charset="0"/>
                 <a:cs typeface="Calibri" panose="020F0502020204030204" pitchFamily="34" charset="0"/>
               </a:rPr>
-              <a:t>paylaşılmış veride güncelleme yapan </a:t>
+              <a:t>kullanılarak paylaşılmış veride güncelleme yapan </a:t>
             </a:r>
             <a:r>
               <a:rPr lang="tr-TR" sz="1900" dirty="0" err="1">
@@ -16254,25 +15057,18 @@
               <a:t> (planlama), </a:t>
             </a:r>
             <a:r>
-              <a:rPr lang="tr-TR" sz="2000" b="1" i="0" u="none" strike="noStrike" baseline="0" dirty="0" err="1" smtClean="0">
-                <a:latin typeface="Calibri" panose="020F0502020204030204" pitchFamily="34" charset="0"/>
-                <a:cs typeface="Calibri" panose="020F0502020204030204" pitchFamily="34" charset="0"/>
-              </a:rPr>
-              <a:t>multi-programming</a:t>
-            </a:r>
-            <a:r>
-              <a:rPr lang="tr-TR" sz="2000" b="1" i="0" u="none" strike="noStrike" baseline="0" dirty="0" smtClean="0">
-                <a:latin typeface="Calibri" panose="020F0502020204030204" pitchFamily="34" charset="0"/>
-                <a:cs typeface="Calibri" panose="020F0502020204030204" pitchFamily="34" charset="0"/>
-              </a:rPr>
-              <a:t> </a:t>
+              <a:rPr lang="tr-TR" sz="2000" b="1" i="0" u="none" strike="noStrike" baseline="0" dirty="0" err="1">
+                <a:latin typeface="Calibri" panose="020F0502020204030204" pitchFamily="34" charset="0"/>
+                <a:cs typeface="Calibri" panose="020F0502020204030204" pitchFamily="34" charset="0"/>
+              </a:rPr>
+              <a:t>multi</a:t>
             </a:r>
             <a:r>
               <a:rPr lang="tr-TR" sz="2000" b="1" i="0" u="none" strike="noStrike" baseline="0" dirty="0">
                 <a:latin typeface="Calibri" panose="020F0502020204030204" pitchFamily="34" charset="0"/>
                 <a:cs typeface="Calibri" panose="020F0502020204030204" pitchFamily="34" charset="0"/>
               </a:rPr>
-              <a:t>çalışan işletim sistemlerinin temelini oluşturur.</a:t>
+              <a:t>-programming çalışan işletim sistemlerinin temelini oluşturur.</a:t>
             </a:r>
             <a:endParaRPr lang="tr-TR" sz="2000" b="0" i="0" u="none" strike="noStrike" baseline="0" dirty="0">
               <a:latin typeface="Calibri" panose="020F0502020204030204" pitchFamily="34" charset="0"/>
@@ -16286,21 +15082,7 @@
                 <a:latin typeface="Calibri" panose="020F0502020204030204" pitchFamily="34" charset="0"/>
                 <a:cs typeface="Calibri" panose="020F0502020204030204" pitchFamily="34" charset="0"/>
               </a:rPr>
-              <a:t>CPU, </a:t>
-            </a:r>
-            <a:r>
-              <a:rPr lang="tr-TR" sz="2000" b="0" i="0" u="none" strike="noStrike" baseline="0" dirty="0" err="1">
-                <a:latin typeface="Calibri" panose="020F0502020204030204" pitchFamily="34" charset="0"/>
-                <a:cs typeface="Calibri" panose="020F0502020204030204" pitchFamily="34" charset="0"/>
-              </a:rPr>
-              <a:t>process’ler</a:t>
-            </a:r>
-            <a:r>
-              <a:rPr lang="tr-TR" sz="2000" b="0" i="0" u="none" strike="noStrike" baseline="0" dirty="0">
-                <a:latin typeface="Calibri" panose="020F0502020204030204" pitchFamily="34" charset="0"/>
-                <a:cs typeface="Calibri" panose="020F0502020204030204" pitchFamily="34" charset="0"/>
-              </a:rPr>
-              <a:t> arasında geçiş yaparak bilgisayarı daha verimli hale getirir.</a:t>
+              <a:t>CPU, process’ler arasında geçiş yaparak bilgisayarı daha verimli hale getirir.</a:t>
             </a:r>
           </a:p>
           <a:p>
@@ -16310,21 +15092,7 @@
                 <a:latin typeface="Calibri" panose="020F0502020204030204" pitchFamily="34" charset="0"/>
                 <a:cs typeface="Calibri" panose="020F0502020204030204" pitchFamily="34" charset="0"/>
               </a:rPr>
-              <a:t>Her zaman aralığında bir </a:t>
-            </a:r>
-            <a:r>
-              <a:rPr lang="tr-TR" sz="2000" b="1" i="0" u="none" strike="noStrike" baseline="0" dirty="0" err="1">
-                <a:latin typeface="Calibri" panose="020F0502020204030204" pitchFamily="34" charset="0"/>
-                <a:cs typeface="Calibri" panose="020F0502020204030204" pitchFamily="34" charset="0"/>
-              </a:rPr>
-              <a:t>process’in</a:t>
-            </a:r>
-            <a:r>
-              <a:rPr lang="tr-TR" sz="2000" b="1" i="0" u="none" strike="noStrike" baseline="0" dirty="0">
-                <a:latin typeface="Calibri" panose="020F0502020204030204" pitchFamily="34" charset="0"/>
-                <a:cs typeface="Calibri" panose="020F0502020204030204" pitchFamily="34" charset="0"/>
-              </a:rPr>
-              <a:t> çalıştırılması amaçlanır.</a:t>
+              <a:t>Her zaman aralığında bir process’in çalıştırılması amaçlanır.</a:t>
             </a:r>
             <a:endParaRPr lang="tr-TR" sz="2000" b="0" i="0" u="none" strike="noStrike" baseline="0" dirty="0">
               <a:latin typeface="Calibri" panose="020F0502020204030204" pitchFamily="34" charset="0"/>
@@ -16338,21 +15106,45 @@
                 <a:latin typeface="Calibri" panose="020F0502020204030204" pitchFamily="34" charset="0"/>
                 <a:cs typeface="Calibri" panose="020F0502020204030204" pitchFamily="34" charset="0"/>
               </a:rPr>
-              <a:t>Tek işlemcili sistemlerde, bir anda sadece bir </a:t>
+              <a:t>Tek işlemcili sistemlerde, bir anda sadece bir process çalıştırılabilir.</a:t>
+            </a:r>
+          </a:p>
+          <a:p>
+            <a:pPr algn="just"/>
+            <a:r>
+              <a:rPr lang="tr-TR" sz="2000" b="0" i="0" u="none" strike="noStrike" baseline="0" dirty="0">
+                <a:latin typeface="Calibri" panose="020F0502020204030204" pitchFamily="34" charset="0"/>
+                <a:cs typeface="Calibri" panose="020F0502020204030204" pitchFamily="34" charset="0"/>
+              </a:rPr>
+              <a:t>CPU, </a:t>
             </a:r>
             <a:r>
               <a:rPr lang="tr-TR" sz="2000" b="0" i="0" u="none" strike="noStrike" baseline="0" dirty="0" err="1">
                 <a:latin typeface="Calibri" panose="020F0502020204030204" pitchFamily="34" charset="0"/>
                 <a:cs typeface="Calibri" panose="020F0502020204030204" pitchFamily="34" charset="0"/>
               </a:rPr>
-              <a:t>process</a:t>
+              <a:t>process’lerde</a:t>
             </a:r>
             <a:r>
               <a:rPr lang="tr-TR" sz="2000" b="0" i="0" u="none" strike="noStrike" baseline="0" dirty="0">
                 <a:latin typeface="Calibri" panose="020F0502020204030204" pitchFamily="34" charset="0"/>
                 <a:cs typeface="Calibri" panose="020F0502020204030204" pitchFamily="34" charset="0"/>
               </a:rPr>
-              <a:t> çalıştırılabilir.</a:t>
+              <a:t> ortaya çıkacak bekleme durumlarında başka </a:t>
+            </a:r>
+            <a:r>
+              <a:rPr lang="tr-TR" sz="2000" b="0" i="0" u="none" strike="noStrike" baseline="0" dirty="0" err="1">
+                <a:latin typeface="Calibri" panose="020F0502020204030204" pitchFamily="34" charset="0"/>
+                <a:cs typeface="Calibri" panose="020F0502020204030204" pitchFamily="34" charset="0"/>
+              </a:rPr>
+              <a:t>process’leri</a:t>
+            </a:r>
+            <a:r>
+              <a:rPr lang="tr-TR" sz="2000" b="0" i="0" u="none" strike="noStrike" baseline="0" dirty="0">
+                <a:latin typeface="Calibri" panose="020F0502020204030204" pitchFamily="34" charset="0"/>
+                <a:cs typeface="Calibri" panose="020F0502020204030204" pitchFamily="34" charset="0"/>
+              </a:rPr>
+              <a:t> çalıştırır.</a:t>
             </a:r>
           </a:p>
           <a:p>
@@ -16362,97 +15154,17 @@
                 <a:latin typeface="Calibri" panose="020F0502020204030204" pitchFamily="34" charset="0"/>
                 <a:cs typeface="Calibri" panose="020F0502020204030204" pitchFamily="34" charset="0"/>
               </a:rPr>
-              <a:t>CPU, </a:t>
-            </a:r>
-            <a:r>
-              <a:rPr lang="tr-TR" sz="2000" b="0" i="0" u="none" strike="noStrike" baseline="0" dirty="0" err="1">
-                <a:latin typeface="Calibri" panose="020F0502020204030204" pitchFamily="34" charset="0"/>
-                <a:cs typeface="Calibri" panose="020F0502020204030204" pitchFamily="34" charset="0"/>
-              </a:rPr>
-              <a:t>process’lerde</a:t>
-            </a:r>
+              <a:t>Hafızada çok sayıda process bulundurulur.</a:t>
+            </a:r>
+          </a:p>
+          <a:p>
+            <a:pPr algn="just"/>
             <a:r>
               <a:rPr lang="tr-TR" sz="2000" b="0" i="0" u="none" strike="noStrike" baseline="0" dirty="0">
                 <a:latin typeface="Calibri" panose="020F0502020204030204" pitchFamily="34" charset="0"/>
                 <a:cs typeface="Calibri" panose="020F0502020204030204" pitchFamily="34" charset="0"/>
               </a:rPr>
-              <a:t> ortaya çıkacak bekleme durumlarında başka </a:t>
-            </a:r>
-            <a:r>
-              <a:rPr lang="tr-TR" sz="2000" b="0" i="0" u="none" strike="noStrike" baseline="0" dirty="0" err="1">
-                <a:latin typeface="Calibri" panose="020F0502020204030204" pitchFamily="34" charset="0"/>
-                <a:cs typeface="Calibri" panose="020F0502020204030204" pitchFamily="34" charset="0"/>
-              </a:rPr>
-              <a:t>process’leri</a:t>
-            </a:r>
-            <a:r>
-              <a:rPr lang="tr-TR" sz="2000" b="0" i="0" u="none" strike="noStrike" baseline="0" dirty="0">
-                <a:latin typeface="Calibri" panose="020F0502020204030204" pitchFamily="34" charset="0"/>
-                <a:cs typeface="Calibri" panose="020F0502020204030204" pitchFamily="34" charset="0"/>
-              </a:rPr>
-              <a:t> çalıştırır.</a:t>
-            </a:r>
-          </a:p>
-          <a:p>
-            <a:pPr algn="just"/>
-            <a:r>
-              <a:rPr lang="tr-TR" sz="2000" b="0" i="0" u="none" strike="noStrike" baseline="0" dirty="0">
-                <a:latin typeface="Calibri" panose="020F0502020204030204" pitchFamily="34" charset="0"/>
-                <a:cs typeface="Calibri" panose="020F0502020204030204" pitchFamily="34" charset="0"/>
-              </a:rPr>
-              <a:t>Hafızada çok sayıda </a:t>
-            </a:r>
-            <a:r>
-              <a:rPr lang="tr-TR" sz="2000" b="0" i="0" u="none" strike="noStrike" baseline="0" dirty="0" err="1">
-                <a:latin typeface="Calibri" panose="020F0502020204030204" pitchFamily="34" charset="0"/>
-                <a:cs typeface="Calibri" panose="020F0502020204030204" pitchFamily="34" charset="0"/>
-              </a:rPr>
-              <a:t>process</a:t>
-            </a:r>
-            <a:r>
-              <a:rPr lang="tr-TR" sz="2000" b="0" i="0" u="none" strike="noStrike" baseline="0" dirty="0">
-                <a:latin typeface="Calibri" panose="020F0502020204030204" pitchFamily="34" charset="0"/>
-                <a:cs typeface="Calibri" panose="020F0502020204030204" pitchFamily="34" charset="0"/>
-              </a:rPr>
-              <a:t> bulundurulur.</a:t>
-            </a:r>
-          </a:p>
-          <a:p>
-            <a:pPr algn="just"/>
-            <a:r>
-              <a:rPr lang="tr-TR" sz="2000" b="0" i="0" u="none" strike="noStrike" baseline="0" dirty="0">
-                <a:latin typeface="Calibri" panose="020F0502020204030204" pitchFamily="34" charset="0"/>
-                <a:cs typeface="Calibri" panose="020F0502020204030204" pitchFamily="34" charset="0"/>
-              </a:rPr>
-              <a:t>Bir </a:t>
-            </a:r>
-            <a:r>
-              <a:rPr lang="tr-TR" sz="2000" b="0" i="0" u="none" strike="noStrike" baseline="0" dirty="0" err="1">
-                <a:latin typeface="Calibri" panose="020F0502020204030204" pitchFamily="34" charset="0"/>
-                <a:cs typeface="Calibri" panose="020F0502020204030204" pitchFamily="34" charset="0"/>
-              </a:rPr>
-              <a:t>process</a:t>
-            </a:r>
-            <a:r>
-              <a:rPr lang="tr-TR" sz="2000" b="0" i="0" u="none" strike="noStrike" baseline="0" dirty="0">
-                <a:latin typeface="Calibri" panose="020F0502020204030204" pitchFamily="34" charset="0"/>
-                <a:cs typeface="Calibri" panose="020F0502020204030204" pitchFamily="34" charset="0"/>
-              </a:rPr>
-              <a:t> herhangi bir şekilde beklemeye geçtiğinde CPU başka bir </a:t>
-            </a:r>
-            <a:r>
-              <a:rPr lang="tr-TR" sz="2000" b="0" i="0" u="none" strike="noStrike" baseline="0" dirty="0" err="1">
-                <a:latin typeface="Calibri" panose="020F0502020204030204" pitchFamily="34" charset="0"/>
-                <a:cs typeface="Calibri" panose="020F0502020204030204" pitchFamily="34" charset="0"/>
-              </a:rPr>
-              <a:t>process’e</a:t>
-            </a:r>
-            <a:r>
-              <a:rPr lang="tr-TR" sz="2000" b="0" i="0" u="none" strike="noStrike" baseline="0" dirty="0">
-                <a:latin typeface="Calibri" panose="020F0502020204030204" pitchFamily="34" charset="0"/>
-                <a:cs typeface="Calibri" panose="020F0502020204030204" pitchFamily="34" charset="0"/>
-              </a:rPr>
-              <a:t> geçiş yapar.</a:t>
+              <a:t>Bir process herhangi bir şekilde beklemeye geçtiğinde CPU başka bir process’e geçiş yapar.</a:t>
             </a:r>
           </a:p>
           <a:p>
@@ -16609,80 +15321,59 @@
           <a:p>
             <a:pPr algn="just"/>
             <a:r>
+              <a:rPr lang="tr-TR" sz="2000" dirty="0">
+                <a:latin typeface="Calibri" panose="020F0502020204030204" pitchFamily="34" charset="0"/>
+                <a:cs typeface="Calibri" panose="020F0502020204030204" pitchFamily="34" charset="0"/>
+              </a:rPr>
+              <a:t>Process çalıştırma, CPU </a:t>
+            </a:r>
+            <a:r>
               <a:rPr lang="tr-TR" sz="2000" dirty="0" err="1">
                 <a:latin typeface="Calibri" panose="020F0502020204030204" pitchFamily="34" charset="0"/>
                 <a:cs typeface="Calibri" panose="020F0502020204030204" pitchFamily="34" charset="0"/>
               </a:rPr>
-              <a:t>Process</a:t>
+              <a:t>execution</a:t>
             </a:r>
             <a:r>
               <a:rPr lang="tr-TR" sz="2000" dirty="0">
                 <a:latin typeface="Calibri" panose="020F0502020204030204" pitchFamily="34" charset="0"/>
                 <a:cs typeface="Calibri" panose="020F0502020204030204" pitchFamily="34" charset="0"/>
               </a:rPr>
-              <a:t> çalıştırma, CPU </a:t>
+              <a:t> ve I/O </a:t>
             </a:r>
             <a:r>
               <a:rPr lang="tr-TR" sz="2000" dirty="0" err="1">
                 <a:latin typeface="Calibri" panose="020F0502020204030204" pitchFamily="34" charset="0"/>
                 <a:cs typeface="Calibri" panose="020F0502020204030204" pitchFamily="34" charset="0"/>
               </a:rPr>
-              <a:t>execution</a:t>
+              <a:t>wait</a:t>
             </a:r>
             <a:r>
               <a:rPr lang="tr-TR" sz="2000" dirty="0">
                 <a:latin typeface="Calibri" panose="020F0502020204030204" pitchFamily="34" charset="0"/>
                 <a:cs typeface="Calibri" panose="020F0502020204030204" pitchFamily="34" charset="0"/>
               </a:rPr>
-              <a:t> ve I/O </a:t>
-            </a:r>
-            <a:r>
-              <a:rPr lang="tr-TR" sz="2000" dirty="0" err="1">
-                <a:latin typeface="Calibri" panose="020F0502020204030204" pitchFamily="34" charset="0"/>
-                <a:cs typeface="Calibri" panose="020F0502020204030204" pitchFamily="34" charset="0"/>
-              </a:rPr>
-              <a:t>wait</a:t>
-            </a:r>
+              <a:t> döngüsünü içermektedir.</a:t>
+            </a:r>
+          </a:p>
+          <a:p>
+            <a:pPr algn="just"/>
             <a:r>
               <a:rPr lang="tr-TR" sz="2000" dirty="0">
                 <a:latin typeface="Calibri" panose="020F0502020204030204" pitchFamily="34" charset="0"/>
                 <a:cs typeface="Calibri" panose="020F0502020204030204" pitchFamily="34" charset="0"/>
               </a:rPr>
-              <a:t> döngüsünü içermektedir.</a:t>
+              <a:t>Process’ler bu iki durum arasında geçiş yaparlar.</a:t>
             </a:r>
           </a:p>
           <a:p>
             <a:pPr algn="just"/>
             <a:r>
-              <a:rPr lang="tr-TR" sz="2000" dirty="0" err="1">
-                <a:latin typeface="Calibri" panose="020F0502020204030204" pitchFamily="34" charset="0"/>
-                <a:cs typeface="Calibri" panose="020F0502020204030204" pitchFamily="34" charset="0"/>
-              </a:rPr>
-              <a:t>Process’ler</a:t>
-            </a:r>
-            <a:r>
               <a:rPr lang="tr-TR" sz="2000" dirty="0">
                 <a:latin typeface="Calibri" panose="020F0502020204030204" pitchFamily="34" charset="0"/>
                 <a:cs typeface="Calibri" panose="020F0502020204030204" pitchFamily="34" charset="0"/>
               </a:rPr>
-              <a:t> bu iki durum arasında geçiş yaparlar.</a:t>
-            </a:r>
-          </a:p>
-          <a:p>
-            <a:pPr algn="just"/>
-            <a:r>
-              <a:rPr lang="tr-TR" sz="2000" dirty="0" err="1">
-                <a:latin typeface="Calibri" panose="020F0502020204030204" pitchFamily="34" charset="0"/>
-                <a:cs typeface="Calibri" panose="020F0502020204030204" pitchFamily="34" charset="0"/>
-              </a:rPr>
-              <a:t>Process’ler</a:t>
-            </a:r>
-            <a:r>
-              <a:rPr lang="tr-TR" sz="2000" dirty="0">
-                <a:latin typeface="Calibri" panose="020F0502020204030204" pitchFamily="34" charset="0"/>
-                <a:cs typeface="Calibri" panose="020F0502020204030204" pitchFamily="34" charset="0"/>
-              </a:rPr>
-              <a:t> çalışmaya CPU </a:t>
+              <a:t>Process’ler çalışmaya CPU </a:t>
             </a:r>
             <a:r>
               <a:rPr lang="tr-TR" sz="2000" dirty="0" err="1">
@@ -16894,38 +15585,17 @@
                 <a:latin typeface="Calibri" panose="020F0502020204030204" pitchFamily="34" charset="0"/>
                 <a:cs typeface="Calibri" panose="020F0502020204030204" pitchFamily="34" charset="0"/>
               </a:rPr>
-              <a:t> </a:t>
-            </a:r>
-            <a:r>
-              <a:rPr lang="tr-TR" sz="2000" b="0" i="0" u="none" strike="noStrike" baseline="0" dirty="0" err="1">
-                <a:latin typeface="Calibri" panose="020F0502020204030204" pitchFamily="34" charset="0"/>
-                <a:cs typeface="Calibri" panose="020F0502020204030204" pitchFamily="34" charset="0"/>
-              </a:rPr>
-              <a:t>process’e</a:t>
-            </a:r>
-            <a:r>
-              <a:rPr lang="tr-TR" sz="2000" b="0" i="0" u="none" strike="noStrike" baseline="0" dirty="0">
-                <a:latin typeface="Calibri" panose="020F0502020204030204" pitchFamily="34" charset="0"/>
-                <a:cs typeface="Calibri" panose="020F0502020204030204" pitchFamily="34" charset="0"/>
-              </a:rPr>
-              <a:t> ve bilgisayardan bilgisayara çok farklı olabilmektedir.</a:t>
+              <a:t> process’e ve bilgisayardan bilgisayara çok farklı olabilmektedir.</a:t>
             </a:r>
           </a:p>
           <a:p>
             <a:pPr algn="just"/>
             <a:r>
-              <a:rPr lang="tr-TR" sz="2000" b="1" i="0" u="none" strike="noStrike" baseline="0" dirty="0" err="1">
-                <a:latin typeface="Calibri" panose="020F0502020204030204" pitchFamily="34" charset="0"/>
-                <a:cs typeface="Calibri" panose="020F0502020204030204" pitchFamily="34" charset="0"/>
-              </a:rPr>
-              <a:t>Process’ler</a:t>
-            </a:r>
-            <a:r>
               <a:rPr lang="tr-TR" sz="2000" b="1" i="0" u="none" strike="noStrike" baseline="0" dirty="0">
                 <a:latin typeface="Calibri" panose="020F0502020204030204" pitchFamily="34" charset="0"/>
                 <a:cs typeface="Calibri" panose="020F0502020204030204" pitchFamily="34" charset="0"/>
               </a:rPr>
-              <a:t> için CPU </a:t>
+              <a:t>Process’ler için CPU </a:t>
             </a:r>
             <a:r>
               <a:rPr lang="tr-TR" sz="2000" b="1" i="0" u="none" strike="noStrike" baseline="0" dirty="0" err="1">
@@ -16949,18 +15619,11 @@
           <a:p>
             <a:pPr algn="just"/>
             <a:r>
-              <a:rPr lang="tr-TR" sz="2000" b="0" i="0" u="none" strike="noStrike" baseline="0" dirty="0" err="1">
-                <a:latin typeface="Calibri" panose="020F0502020204030204" pitchFamily="34" charset="0"/>
-                <a:cs typeface="Calibri" panose="020F0502020204030204" pitchFamily="34" charset="0"/>
-              </a:rPr>
-              <a:t>Process’ler</a:t>
-            </a:r>
-            <a:r>
               <a:rPr lang="tr-TR" sz="2000" b="0" i="0" u="none" strike="noStrike" baseline="0" dirty="0">
                 <a:latin typeface="Calibri" panose="020F0502020204030204" pitchFamily="34" charset="0"/>
                 <a:cs typeface="Calibri" panose="020F0502020204030204" pitchFamily="34" charset="0"/>
               </a:rPr>
-              <a:t> kısa aralıklarla durumunu değiştirmektedir.</a:t>
+              <a:t>Process’ler kısa aralıklarla durumunu değiştirmektedir.</a:t>
             </a:r>
           </a:p>
           <a:p>
@@ -17325,45 +15988,24 @@
                 <a:latin typeface="Calibri" panose="020F0502020204030204" pitchFamily="34" charset="0"/>
                 <a:cs typeface="Calibri" panose="020F0502020204030204" pitchFamily="34" charset="0"/>
               </a:rPr>
-              <a:t>Hazır kuyruğunda bekleyen tüm </a:t>
-            </a:r>
-            <a:r>
-              <a:rPr lang="tr-TR" sz="2000" b="0" i="0" u="none" strike="noStrike" baseline="0" dirty="0" err="1">
-                <a:latin typeface="Calibri" panose="020F0502020204030204" pitchFamily="34" charset="0"/>
-                <a:cs typeface="Calibri" panose="020F0502020204030204" pitchFamily="34" charset="0"/>
-              </a:rPr>
-              <a:t>process’lerin</a:t>
-            </a:r>
+              <a:t>Hazır kuyruğunda bekleyen tüm process’lerin CPU tarafından çalıştırılmak üzere seçilme olasılıkları vardır.</a:t>
+            </a:r>
+          </a:p>
+          <a:p>
+            <a:pPr algn="just"/>
             <a:r>
               <a:rPr lang="tr-TR" sz="2000" b="0" i="0" u="none" strike="noStrike" baseline="0" dirty="0">
                 <a:latin typeface="Calibri" panose="020F0502020204030204" pitchFamily="34" charset="0"/>
                 <a:cs typeface="Calibri" panose="020F0502020204030204" pitchFamily="34" charset="0"/>
               </a:rPr>
-              <a:t> CPU tarafından çalıştırılmak üzere seçilme olasılıkları vardır.</a:t>
-            </a:r>
-          </a:p>
-          <a:p>
-            <a:pPr algn="just"/>
-            <a:r>
-              <a:rPr lang="tr-TR" sz="2000" b="0" i="0" u="none" strike="noStrike" baseline="0" dirty="0">
-                <a:latin typeface="Calibri" panose="020F0502020204030204" pitchFamily="34" charset="0"/>
-                <a:cs typeface="Calibri" panose="020F0502020204030204" pitchFamily="34" charset="0"/>
-              </a:rPr>
               <a:t>Kuyruk içindeki kayıtlarda, </a:t>
             </a:r>
             <a:r>
-              <a:rPr lang="tr-TR" sz="2000" b="1" i="0" u="none" strike="noStrike" baseline="0" dirty="0" err="1">
-                <a:latin typeface="Calibri" panose="020F0502020204030204" pitchFamily="34" charset="0"/>
-                <a:cs typeface="Calibri" panose="020F0502020204030204" pitchFamily="34" charset="0"/>
-              </a:rPr>
-              <a:t>process</a:t>
-            </a:r>
-            <a:r>
               <a:rPr lang="tr-TR" sz="2000" b="1" i="0" u="none" strike="noStrike" baseline="0" dirty="0">
                 <a:latin typeface="Calibri" panose="020F0502020204030204" pitchFamily="34" charset="0"/>
                 <a:cs typeface="Calibri" panose="020F0502020204030204" pitchFamily="34" charset="0"/>
               </a:rPr>
-              <a:t> </a:t>
+              <a:t>process </a:t>
             </a:r>
             <a:r>
               <a:rPr lang="tr-TR" sz="2000" b="1" i="0" u="none" strike="noStrike" baseline="0" dirty="0" err="1">
